--- a/Swift I - Programming assignments v2.0.pptx
+++ b/Swift I - Programming assignments v2.0.pptx
@@ -4604,12 +4604,542 @@
           <a:p>
             <a:pPr algn="ctr"/>
             <a:r>
+              <a:rPr lang="en-US" sz="1000" dirty="0">
+                <a:solidFill>
+                  <a:schemeClr val="tx1"/>
+                </a:solidFill>
+              </a:rPr>
+              <a:t>0</a:t>
+            </a:r>
+          </a:p>
+        </p:txBody>
+      </p:sp>
+      <p:sp>
+        <p:nvSpPr>
+          <p:cNvPr id="26" name="Pentagon 25"/>
+          <p:cNvSpPr/>
+          <p:nvPr/>
+        </p:nvSpPr>
+        <p:spPr>
+          <a:xfrm rot="16200000">
+            <a:off x="2458695" y="1978741"/>
+            <a:ext cx="355004" cy="215152"/>
+          </a:xfrm>
+          <a:prstGeom prst="homePlate">
+            <a:avLst/>
+          </a:prstGeom>
+          <a:solidFill>
+            <a:schemeClr val="accent4">
+              <a:lumMod val="40000"/>
+              <a:lumOff val="60000"/>
+            </a:schemeClr>
+          </a:solidFill>
+        </p:spPr>
+        <p:style>
+          <a:lnRef idx="2">
+            <a:schemeClr val="accent1">
+              <a:shade val="50000"/>
+            </a:schemeClr>
+          </a:lnRef>
+          <a:fillRef idx="1">
+            <a:schemeClr val="accent1"/>
+          </a:fillRef>
+          <a:effectRef idx="0">
+            <a:schemeClr val="accent1"/>
+          </a:effectRef>
+          <a:fontRef idx="minor">
+            <a:schemeClr val="lt1"/>
+          </a:fontRef>
+        </p:style>
+        <p:txBody>
+          <a:bodyPr vert="horz" lIns="0" tIns="0" rIns="0" bIns="0" rtlCol="0" anchor="ctr"/>
+          <a:lstStyle/>
+          <a:p>
+            <a:pPr algn="ctr"/>
+            <a:r>
+              <a:rPr lang="en-US" sz="1000" dirty="0">
+                <a:solidFill>
+                  <a:schemeClr val="tx1"/>
+                </a:solidFill>
+              </a:rPr>
+              <a:t>1</a:t>
+            </a:r>
+          </a:p>
+        </p:txBody>
+      </p:sp>
+      <p:sp>
+        <p:nvSpPr>
+          <p:cNvPr id="27" name="Pentagon 26"/>
+          <p:cNvSpPr/>
+          <p:nvPr/>
+        </p:nvSpPr>
+        <p:spPr>
+          <a:xfrm rot="16200000">
+            <a:off x="3425804" y="1978741"/>
+            <a:ext cx="355004" cy="215152"/>
+          </a:xfrm>
+          <a:prstGeom prst="homePlate">
+            <a:avLst/>
+          </a:prstGeom>
+          <a:solidFill>
+            <a:schemeClr val="accent4">
+              <a:lumMod val="40000"/>
+              <a:lumOff val="60000"/>
+            </a:schemeClr>
+          </a:solidFill>
+        </p:spPr>
+        <p:style>
+          <a:lnRef idx="2">
+            <a:schemeClr val="accent1">
+              <a:shade val="50000"/>
+            </a:schemeClr>
+          </a:lnRef>
+          <a:fillRef idx="1">
+            <a:schemeClr val="accent1"/>
+          </a:fillRef>
+          <a:effectRef idx="0">
+            <a:schemeClr val="accent1"/>
+          </a:effectRef>
+          <a:fontRef idx="minor">
+            <a:schemeClr val="lt1"/>
+          </a:fontRef>
+        </p:style>
+        <p:txBody>
+          <a:bodyPr vert="horz" lIns="0" tIns="0" rIns="0" bIns="0" rtlCol="0" anchor="ctr"/>
+          <a:lstStyle/>
+          <a:p>
+            <a:pPr algn="ctr"/>
+            <a:r>
+              <a:rPr lang="en-US" sz="1000" dirty="0">
+                <a:solidFill>
+                  <a:schemeClr val="tx1"/>
+                </a:solidFill>
+              </a:rPr>
+              <a:t>2</a:t>
+            </a:r>
+          </a:p>
+        </p:txBody>
+      </p:sp>
+      <p:sp>
+        <p:nvSpPr>
+          <p:cNvPr id="30" name="Pentagon 29"/>
+          <p:cNvSpPr/>
+          <p:nvPr/>
+        </p:nvSpPr>
+        <p:spPr>
+          <a:xfrm rot="16200000">
+            <a:off x="4407437" y="1978740"/>
+            <a:ext cx="355004" cy="215152"/>
+          </a:xfrm>
+          <a:prstGeom prst="homePlate">
+            <a:avLst/>
+          </a:prstGeom>
+          <a:solidFill>
+            <a:schemeClr val="accent4">
+              <a:lumMod val="40000"/>
+              <a:lumOff val="60000"/>
+            </a:schemeClr>
+          </a:solidFill>
+        </p:spPr>
+        <p:style>
+          <a:lnRef idx="2">
+            <a:schemeClr val="accent1">
+              <a:shade val="50000"/>
+            </a:schemeClr>
+          </a:lnRef>
+          <a:fillRef idx="1">
+            <a:schemeClr val="accent1"/>
+          </a:fillRef>
+          <a:effectRef idx="0">
+            <a:schemeClr val="accent1"/>
+          </a:effectRef>
+          <a:fontRef idx="minor">
+            <a:schemeClr val="lt1"/>
+          </a:fontRef>
+        </p:style>
+        <p:txBody>
+          <a:bodyPr vert="horz" lIns="0" tIns="0" rIns="0" bIns="0" rtlCol="0" anchor="ctr"/>
+          <a:lstStyle/>
+          <a:p>
+            <a:pPr algn="ctr"/>
+            <a:r>
+              <a:rPr lang="en-US" sz="1000" dirty="0">
+                <a:solidFill>
+                  <a:schemeClr val="tx1"/>
+                </a:solidFill>
+              </a:rPr>
+              <a:t>3</a:t>
+            </a:r>
+          </a:p>
+        </p:txBody>
+      </p:sp>
+      <p:sp>
+        <p:nvSpPr>
+          <p:cNvPr id="46" name="Pentagon 45"/>
+          <p:cNvSpPr/>
+          <p:nvPr/>
+        </p:nvSpPr>
+        <p:spPr>
+          <a:xfrm rot="16200000">
+            <a:off x="1493739" y="2928933"/>
+            <a:ext cx="355004" cy="215152"/>
+          </a:xfrm>
+          <a:prstGeom prst="homePlate">
+            <a:avLst/>
+          </a:prstGeom>
+          <a:solidFill>
+            <a:schemeClr val="accent4">
+              <a:lumMod val="40000"/>
+              <a:lumOff val="60000"/>
+            </a:schemeClr>
+          </a:solidFill>
+        </p:spPr>
+        <p:style>
+          <a:lnRef idx="2">
+            <a:schemeClr val="accent1">
+              <a:shade val="50000"/>
+            </a:schemeClr>
+          </a:lnRef>
+          <a:fillRef idx="1">
+            <a:schemeClr val="accent1"/>
+          </a:fillRef>
+          <a:effectRef idx="0">
+            <a:schemeClr val="accent1"/>
+          </a:effectRef>
+          <a:fontRef idx="minor">
+            <a:schemeClr val="lt1"/>
+          </a:fontRef>
+        </p:style>
+        <p:txBody>
+          <a:bodyPr vert="horz" lIns="0" tIns="0" rIns="0" bIns="0" rtlCol="0" anchor="ctr"/>
+          <a:lstStyle/>
+          <a:p>
+            <a:pPr algn="ctr"/>
+            <a:r>
+              <a:rPr lang="en-US" sz="1000" dirty="0">
+                <a:solidFill>
+                  <a:schemeClr val="tx1"/>
+                </a:solidFill>
+              </a:rPr>
+              <a:t>4</a:t>
+            </a:r>
+          </a:p>
+        </p:txBody>
+      </p:sp>
+      <p:sp>
+        <p:nvSpPr>
+          <p:cNvPr id="47" name="Pentagon 46"/>
+          <p:cNvSpPr/>
+          <p:nvPr/>
+        </p:nvSpPr>
+        <p:spPr>
+          <a:xfrm rot="16200000">
+            <a:off x="2455836" y="2928934"/>
+            <a:ext cx="355004" cy="215152"/>
+          </a:xfrm>
+          <a:prstGeom prst="homePlate">
+            <a:avLst/>
+          </a:prstGeom>
+          <a:solidFill>
+            <a:schemeClr val="accent4">
+              <a:lumMod val="40000"/>
+              <a:lumOff val="60000"/>
+            </a:schemeClr>
+          </a:solidFill>
+        </p:spPr>
+        <p:style>
+          <a:lnRef idx="2">
+            <a:schemeClr val="accent1">
+              <a:shade val="50000"/>
+            </a:schemeClr>
+          </a:lnRef>
+          <a:fillRef idx="1">
+            <a:schemeClr val="accent1"/>
+          </a:fillRef>
+          <a:effectRef idx="0">
+            <a:schemeClr val="accent1"/>
+          </a:effectRef>
+          <a:fontRef idx="minor">
+            <a:schemeClr val="lt1"/>
+          </a:fontRef>
+        </p:style>
+        <p:txBody>
+          <a:bodyPr vert="horz" lIns="0" tIns="0" rIns="0" bIns="0" rtlCol="0" anchor="ctr"/>
+          <a:lstStyle/>
+          <a:p>
+            <a:pPr algn="ctr"/>
+            <a:r>
+              <a:rPr lang="en-US" sz="1000" dirty="0">
+                <a:solidFill>
+                  <a:schemeClr val="tx1"/>
+                </a:solidFill>
+              </a:rPr>
+              <a:t>5</a:t>
+            </a:r>
+          </a:p>
+        </p:txBody>
+      </p:sp>
+      <p:sp>
+        <p:nvSpPr>
+          <p:cNvPr id="48" name="Pentagon 47"/>
+          <p:cNvSpPr/>
+          <p:nvPr/>
+        </p:nvSpPr>
+        <p:spPr>
+          <a:xfrm rot="16200000">
+            <a:off x="3422945" y="2928934"/>
+            <a:ext cx="355004" cy="215152"/>
+          </a:xfrm>
+          <a:prstGeom prst="homePlate">
+            <a:avLst/>
+          </a:prstGeom>
+          <a:solidFill>
+            <a:schemeClr val="accent4">
+              <a:lumMod val="40000"/>
+              <a:lumOff val="60000"/>
+            </a:schemeClr>
+          </a:solidFill>
+        </p:spPr>
+        <p:style>
+          <a:lnRef idx="2">
+            <a:schemeClr val="accent1">
+              <a:shade val="50000"/>
+            </a:schemeClr>
+          </a:lnRef>
+          <a:fillRef idx="1">
+            <a:schemeClr val="accent1"/>
+          </a:fillRef>
+          <a:effectRef idx="0">
+            <a:schemeClr val="accent1"/>
+          </a:effectRef>
+          <a:fontRef idx="minor">
+            <a:schemeClr val="lt1"/>
+          </a:fontRef>
+        </p:style>
+        <p:txBody>
+          <a:bodyPr vert="horz" lIns="0" tIns="0" rIns="0" bIns="0" rtlCol="0" anchor="ctr"/>
+          <a:lstStyle/>
+          <a:p>
+            <a:pPr algn="ctr"/>
+            <a:r>
+              <a:rPr lang="en-US" sz="1000" dirty="0">
+                <a:solidFill>
+                  <a:schemeClr val="tx1"/>
+                </a:solidFill>
+              </a:rPr>
+              <a:t>6</a:t>
+            </a:r>
+          </a:p>
+        </p:txBody>
+      </p:sp>
+      <p:sp>
+        <p:nvSpPr>
+          <p:cNvPr id="49" name="Pentagon 48"/>
+          <p:cNvSpPr/>
+          <p:nvPr/>
+        </p:nvSpPr>
+        <p:spPr>
+          <a:xfrm rot="16200000">
+            <a:off x="4404578" y="2928933"/>
+            <a:ext cx="355004" cy="215152"/>
+          </a:xfrm>
+          <a:prstGeom prst="homePlate">
+            <a:avLst/>
+          </a:prstGeom>
+          <a:solidFill>
+            <a:schemeClr val="accent4">
+              <a:lumMod val="40000"/>
+              <a:lumOff val="60000"/>
+            </a:schemeClr>
+          </a:solidFill>
+        </p:spPr>
+        <p:style>
+          <a:lnRef idx="2">
+            <a:schemeClr val="accent1">
+              <a:shade val="50000"/>
+            </a:schemeClr>
+          </a:lnRef>
+          <a:fillRef idx="1">
+            <a:schemeClr val="accent1"/>
+          </a:fillRef>
+          <a:effectRef idx="0">
+            <a:schemeClr val="accent1"/>
+          </a:effectRef>
+          <a:fontRef idx="minor">
+            <a:schemeClr val="lt1"/>
+          </a:fontRef>
+        </p:style>
+        <p:txBody>
+          <a:bodyPr vert="horz" lIns="0" tIns="0" rIns="0" bIns="0" rtlCol="0" anchor="ctr"/>
+          <a:lstStyle/>
+          <a:p>
+            <a:pPr algn="ctr"/>
+            <a:r>
+              <a:rPr lang="en-US" sz="1000" dirty="0">
+                <a:solidFill>
+                  <a:schemeClr val="tx1"/>
+                </a:solidFill>
+              </a:rPr>
+              <a:t>7</a:t>
+            </a:r>
+          </a:p>
+        </p:txBody>
+      </p:sp>
+      <p:sp>
+        <p:nvSpPr>
+          <p:cNvPr id="50" name="Pentagon 49"/>
+          <p:cNvSpPr/>
+          <p:nvPr/>
+        </p:nvSpPr>
+        <p:spPr>
+          <a:xfrm rot="16200000">
+            <a:off x="1502533" y="3902434"/>
+            <a:ext cx="355004" cy="215152"/>
+          </a:xfrm>
+          <a:prstGeom prst="homePlate">
+            <a:avLst/>
+          </a:prstGeom>
+          <a:solidFill>
+            <a:schemeClr val="accent4">
+              <a:lumMod val="40000"/>
+              <a:lumOff val="60000"/>
+            </a:schemeClr>
+          </a:solidFill>
+        </p:spPr>
+        <p:style>
+          <a:lnRef idx="2">
+            <a:schemeClr val="accent1">
+              <a:shade val="50000"/>
+            </a:schemeClr>
+          </a:lnRef>
+          <a:fillRef idx="1">
+            <a:schemeClr val="accent1"/>
+          </a:fillRef>
+          <a:effectRef idx="0">
+            <a:schemeClr val="accent1"/>
+          </a:effectRef>
+          <a:fontRef idx="minor">
+            <a:schemeClr val="lt1"/>
+          </a:fontRef>
+        </p:style>
+        <p:txBody>
+          <a:bodyPr vert="horz" lIns="0" tIns="0" rIns="0" bIns="0" rtlCol="0" anchor="ctr"/>
+          <a:lstStyle/>
+          <a:p>
+            <a:pPr algn="ctr"/>
+            <a:r>
+              <a:rPr lang="en-US" sz="1000" dirty="0">
+                <a:solidFill>
+                  <a:schemeClr val="tx1"/>
+                </a:solidFill>
+              </a:rPr>
+              <a:t>8</a:t>
+            </a:r>
+          </a:p>
+        </p:txBody>
+      </p:sp>
+      <p:sp>
+        <p:nvSpPr>
+          <p:cNvPr id="51" name="Pentagon 50"/>
+          <p:cNvSpPr/>
+          <p:nvPr/>
+        </p:nvSpPr>
+        <p:spPr>
+          <a:xfrm rot="16200000">
+            <a:off x="2464630" y="3902435"/>
+            <a:ext cx="355004" cy="215152"/>
+          </a:xfrm>
+          <a:prstGeom prst="homePlate">
+            <a:avLst/>
+          </a:prstGeom>
+          <a:solidFill>
+            <a:schemeClr val="accent4">
+              <a:lumMod val="40000"/>
+              <a:lumOff val="60000"/>
+            </a:schemeClr>
+          </a:solidFill>
+        </p:spPr>
+        <p:style>
+          <a:lnRef idx="2">
+            <a:schemeClr val="accent1">
+              <a:shade val="50000"/>
+            </a:schemeClr>
+          </a:lnRef>
+          <a:fillRef idx="1">
+            <a:schemeClr val="accent1"/>
+          </a:fillRef>
+          <a:effectRef idx="0">
+            <a:schemeClr val="accent1"/>
+          </a:effectRef>
+          <a:fontRef idx="minor">
+            <a:schemeClr val="lt1"/>
+          </a:fontRef>
+        </p:style>
+        <p:txBody>
+          <a:bodyPr vert="horz" lIns="0" tIns="0" rIns="0" bIns="0" rtlCol="0" anchor="ctr"/>
+          <a:lstStyle/>
+          <a:p>
+            <a:pPr algn="ctr"/>
+            <a:r>
+              <a:rPr lang="en-US" sz="1000" dirty="0">
+                <a:solidFill>
+                  <a:schemeClr val="tx1"/>
+                </a:solidFill>
+              </a:rPr>
+              <a:t>9</a:t>
+            </a:r>
+          </a:p>
+        </p:txBody>
+      </p:sp>
+      <p:sp>
+        <p:nvSpPr>
+          <p:cNvPr id="52" name="Pentagon 51"/>
+          <p:cNvSpPr/>
+          <p:nvPr/>
+        </p:nvSpPr>
+        <p:spPr>
+          <a:xfrm rot="16200000">
+            <a:off x="3431739" y="3902435"/>
+            <a:ext cx="355004" cy="215152"/>
+          </a:xfrm>
+          <a:prstGeom prst="homePlate">
+            <a:avLst/>
+          </a:prstGeom>
+          <a:solidFill>
+            <a:schemeClr val="accent4">
+              <a:lumMod val="40000"/>
+              <a:lumOff val="60000"/>
+            </a:schemeClr>
+          </a:solidFill>
+        </p:spPr>
+        <p:style>
+          <a:lnRef idx="2">
+            <a:schemeClr val="accent1">
+              <a:shade val="50000"/>
+            </a:schemeClr>
+          </a:lnRef>
+          <a:fillRef idx="1">
+            <a:schemeClr val="accent1"/>
+          </a:fillRef>
+          <a:effectRef idx="0">
+            <a:schemeClr val="accent1"/>
+          </a:effectRef>
+          <a:fontRef idx="minor">
+            <a:schemeClr val="lt1"/>
+          </a:fontRef>
+        </p:style>
+        <p:txBody>
+          <a:bodyPr vert="horz" lIns="0" tIns="0" rIns="0" bIns="0" rtlCol="0" anchor="ctr"/>
+          <a:lstStyle/>
+          <a:p>
+            <a:pPr algn="ctr"/>
+            <a:r>
               <a:rPr lang="en-US" sz="1000" dirty="0" smtClean="0">
                 <a:solidFill>
                   <a:schemeClr val="tx1"/>
                 </a:solidFill>
               </a:rPr>
-              <a:t>1</a:t>
+              <a:t>10</a:t>
             </a:r>
             <a:endParaRPr lang="en-US" sz="1000" dirty="0">
               <a:solidFill>
@@ -4621,13 +5151,13 @@
       </p:sp>
       <p:sp>
         <p:nvSpPr>
-          <p:cNvPr id="26" name="Pentagon 25"/>
+          <p:cNvPr id="53" name="Pentagon 52"/>
           <p:cNvSpPr/>
           <p:nvPr/>
         </p:nvSpPr>
         <p:spPr>
           <a:xfrm rot="16200000">
-            <a:off x="2458695" y="1978741"/>
+            <a:off x="4413372" y="3902434"/>
             <a:ext cx="355004" cy="215152"/>
           </a:xfrm>
           <a:prstGeom prst="homePlate">
@@ -4662,25 +5192,30 @@
           <a:p>
             <a:pPr algn="ctr"/>
             <a:r>
-              <a:rPr lang="en-US" sz="1000" dirty="0">
+              <a:rPr lang="en-US" sz="1000" dirty="0" smtClean="0">
                 <a:solidFill>
                   <a:schemeClr val="tx1"/>
                 </a:solidFill>
               </a:rPr>
-              <a:t>2</a:t>
-            </a:r>
-          </a:p>
-        </p:txBody>
-      </p:sp>
-      <p:sp>
-        <p:nvSpPr>
-          <p:cNvPr id="27" name="Pentagon 26"/>
+              <a:t>11</a:t>
+            </a:r>
+            <a:endParaRPr lang="en-US" sz="1000" dirty="0">
+              <a:solidFill>
+                <a:schemeClr val="tx1"/>
+              </a:solidFill>
+            </a:endParaRPr>
+          </a:p>
+        </p:txBody>
+      </p:sp>
+      <p:sp>
+        <p:nvSpPr>
+          <p:cNvPr id="54" name="Pentagon 53"/>
           <p:cNvSpPr/>
           <p:nvPr/>
         </p:nvSpPr>
         <p:spPr>
           <a:xfrm rot="16200000">
-            <a:off x="3425804" y="1978741"/>
+            <a:off x="1500567" y="4883163"/>
             <a:ext cx="355004" cy="215152"/>
           </a:xfrm>
           <a:prstGeom prst="homePlate">
@@ -4715,25 +5250,30 @@
           <a:p>
             <a:pPr algn="ctr"/>
             <a:r>
-              <a:rPr lang="en-US" sz="1000" dirty="0">
+              <a:rPr lang="en-US" sz="1000" dirty="0" smtClean="0">
                 <a:solidFill>
                   <a:schemeClr val="tx1"/>
                 </a:solidFill>
               </a:rPr>
-              <a:t>3</a:t>
-            </a:r>
-          </a:p>
-        </p:txBody>
-      </p:sp>
-      <p:sp>
-        <p:nvSpPr>
-          <p:cNvPr id="30" name="Pentagon 29"/>
+              <a:t>12</a:t>
+            </a:r>
+            <a:endParaRPr lang="en-US" sz="1000" dirty="0">
+              <a:solidFill>
+                <a:schemeClr val="tx1"/>
+              </a:solidFill>
+            </a:endParaRPr>
+          </a:p>
+        </p:txBody>
+      </p:sp>
+      <p:sp>
+        <p:nvSpPr>
+          <p:cNvPr id="55" name="Pentagon 54"/>
           <p:cNvSpPr/>
           <p:nvPr/>
         </p:nvSpPr>
         <p:spPr>
           <a:xfrm rot="16200000">
-            <a:off x="4407437" y="1978740"/>
+            <a:off x="2462664" y="4883164"/>
             <a:ext cx="355004" cy="215152"/>
           </a:xfrm>
           <a:prstGeom prst="homePlate">
@@ -4768,25 +5308,30 @@
           <a:p>
             <a:pPr algn="ctr"/>
             <a:r>
-              <a:rPr lang="en-US" sz="1000" dirty="0">
+              <a:rPr lang="en-US" sz="1000" dirty="0" smtClean="0">
                 <a:solidFill>
                   <a:schemeClr val="tx1"/>
                 </a:solidFill>
               </a:rPr>
-              <a:t>4</a:t>
-            </a:r>
-          </a:p>
-        </p:txBody>
-      </p:sp>
-      <p:sp>
-        <p:nvSpPr>
-          <p:cNvPr id="46" name="Pentagon 45"/>
+              <a:t>13</a:t>
+            </a:r>
+            <a:endParaRPr lang="en-US" sz="1000" dirty="0">
+              <a:solidFill>
+                <a:schemeClr val="tx1"/>
+              </a:solidFill>
+            </a:endParaRPr>
+          </a:p>
+        </p:txBody>
+      </p:sp>
+      <p:sp>
+        <p:nvSpPr>
+          <p:cNvPr id="56" name="Pentagon 55"/>
           <p:cNvSpPr/>
           <p:nvPr/>
         </p:nvSpPr>
         <p:spPr>
           <a:xfrm rot="16200000">
-            <a:off x="1493739" y="2928933"/>
+            <a:off x="3429773" y="4883164"/>
             <a:ext cx="355004" cy="215152"/>
           </a:xfrm>
           <a:prstGeom prst="homePlate">
@@ -4821,25 +5366,30 @@
           <a:p>
             <a:pPr algn="ctr"/>
             <a:r>
-              <a:rPr lang="en-US" sz="1000" dirty="0">
+              <a:rPr lang="en-US" sz="1000" dirty="0" smtClean="0">
                 <a:solidFill>
                   <a:schemeClr val="tx1"/>
                 </a:solidFill>
               </a:rPr>
-              <a:t>5</a:t>
-            </a:r>
-          </a:p>
-        </p:txBody>
-      </p:sp>
-      <p:sp>
-        <p:nvSpPr>
-          <p:cNvPr id="47" name="Pentagon 46"/>
+              <a:t>14</a:t>
+            </a:r>
+            <a:endParaRPr lang="en-US" sz="1000" dirty="0">
+              <a:solidFill>
+                <a:schemeClr val="tx1"/>
+              </a:solidFill>
+            </a:endParaRPr>
+          </a:p>
+        </p:txBody>
+      </p:sp>
+      <p:sp>
+        <p:nvSpPr>
+          <p:cNvPr id="57" name="Pentagon 56"/>
           <p:cNvSpPr/>
           <p:nvPr/>
         </p:nvSpPr>
         <p:spPr>
           <a:xfrm rot="16200000">
-            <a:off x="2455836" y="2928934"/>
+            <a:off x="4411406" y="4883163"/>
             <a:ext cx="355004" cy="215152"/>
           </a:xfrm>
           <a:prstGeom prst="homePlate">
@@ -4874,572 +5424,12 @@
           <a:p>
             <a:pPr algn="ctr"/>
             <a:r>
-              <a:rPr lang="en-US" sz="1000" dirty="0">
+              <a:rPr lang="en-US" sz="1000" dirty="0" smtClean="0">
                 <a:solidFill>
                   <a:schemeClr val="tx1"/>
                 </a:solidFill>
               </a:rPr>
-              <a:t>6</a:t>
-            </a:r>
-          </a:p>
-        </p:txBody>
-      </p:sp>
-      <p:sp>
-        <p:nvSpPr>
-          <p:cNvPr id="48" name="Pentagon 47"/>
-          <p:cNvSpPr/>
-          <p:nvPr/>
-        </p:nvSpPr>
-        <p:spPr>
-          <a:xfrm rot="16200000">
-            <a:off x="3422945" y="2928934"/>
-            <a:ext cx="355004" cy="215152"/>
-          </a:xfrm>
-          <a:prstGeom prst="homePlate">
-            <a:avLst/>
-          </a:prstGeom>
-          <a:solidFill>
-            <a:schemeClr val="accent4">
-              <a:lumMod val="40000"/>
-              <a:lumOff val="60000"/>
-            </a:schemeClr>
-          </a:solidFill>
-        </p:spPr>
-        <p:style>
-          <a:lnRef idx="2">
-            <a:schemeClr val="accent1">
-              <a:shade val="50000"/>
-            </a:schemeClr>
-          </a:lnRef>
-          <a:fillRef idx="1">
-            <a:schemeClr val="accent1"/>
-          </a:fillRef>
-          <a:effectRef idx="0">
-            <a:schemeClr val="accent1"/>
-          </a:effectRef>
-          <a:fontRef idx="minor">
-            <a:schemeClr val="lt1"/>
-          </a:fontRef>
-        </p:style>
-        <p:txBody>
-          <a:bodyPr vert="horz" lIns="0" tIns="0" rIns="0" bIns="0" rtlCol="0" anchor="ctr"/>
-          <a:lstStyle/>
-          <a:p>
-            <a:pPr algn="ctr"/>
-            <a:r>
-              <a:rPr lang="en-US" sz="1000" dirty="0">
-                <a:solidFill>
-                  <a:schemeClr val="tx1"/>
-                </a:solidFill>
-              </a:rPr>
-              <a:t>7</a:t>
-            </a:r>
-          </a:p>
-        </p:txBody>
-      </p:sp>
-      <p:sp>
-        <p:nvSpPr>
-          <p:cNvPr id="49" name="Pentagon 48"/>
-          <p:cNvSpPr/>
-          <p:nvPr/>
-        </p:nvSpPr>
-        <p:spPr>
-          <a:xfrm rot="16200000">
-            <a:off x="4404578" y="2928933"/>
-            <a:ext cx="355004" cy="215152"/>
-          </a:xfrm>
-          <a:prstGeom prst="homePlate">
-            <a:avLst/>
-          </a:prstGeom>
-          <a:solidFill>
-            <a:schemeClr val="accent4">
-              <a:lumMod val="40000"/>
-              <a:lumOff val="60000"/>
-            </a:schemeClr>
-          </a:solidFill>
-        </p:spPr>
-        <p:style>
-          <a:lnRef idx="2">
-            <a:schemeClr val="accent1">
-              <a:shade val="50000"/>
-            </a:schemeClr>
-          </a:lnRef>
-          <a:fillRef idx="1">
-            <a:schemeClr val="accent1"/>
-          </a:fillRef>
-          <a:effectRef idx="0">
-            <a:schemeClr val="accent1"/>
-          </a:effectRef>
-          <a:fontRef idx="minor">
-            <a:schemeClr val="lt1"/>
-          </a:fontRef>
-        </p:style>
-        <p:txBody>
-          <a:bodyPr vert="horz" lIns="0" tIns="0" rIns="0" bIns="0" rtlCol="0" anchor="ctr"/>
-          <a:lstStyle/>
-          <a:p>
-            <a:pPr algn="ctr"/>
-            <a:r>
-              <a:rPr lang="en-US" sz="1000" dirty="0">
-                <a:solidFill>
-                  <a:schemeClr val="tx1"/>
-                </a:solidFill>
-              </a:rPr>
-              <a:t>8</a:t>
-            </a:r>
-          </a:p>
-        </p:txBody>
-      </p:sp>
-      <p:sp>
-        <p:nvSpPr>
-          <p:cNvPr id="50" name="Pentagon 49"/>
-          <p:cNvSpPr/>
-          <p:nvPr/>
-        </p:nvSpPr>
-        <p:spPr>
-          <a:xfrm rot="16200000">
-            <a:off x="1502533" y="3902434"/>
-            <a:ext cx="355004" cy="215152"/>
-          </a:xfrm>
-          <a:prstGeom prst="homePlate">
-            <a:avLst/>
-          </a:prstGeom>
-          <a:solidFill>
-            <a:schemeClr val="accent4">
-              <a:lumMod val="40000"/>
-              <a:lumOff val="60000"/>
-            </a:schemeClr>
-          </a:solidFill>
-        </p:spPr>
-        <p:style>
-          <a:lnRef idx="2">
-            <a:schemeClr val="accent1">
-              <a:shade val="50000"/>
-            </a:schemeClr>
-          </a:lnRef>
-          <a:fillRef idx="1">
-            <a:schemeClr val="accent1"/>
-          </a:fillRef>
-          <a:effectRef idx="0">
-            <a:schemeClr val="accent1"/>
-          </a:effectRef>
-          <a:fontRef idx="minor">
-            <a:schemeClr val="lt1"/>
-          </a:fontRef>
-        </p:style>
-        <p:txBody>
-          <a:bodyPr vert="horz" lIns="0" tIns="0" rIns="0" bIns="0" rtlCol="0" anchor="ctr"/>
-          <a:lstStyle/>
-          <a:p>
-            <a:pPr algn="ctr"/>
-            <a:r>
-              <a:rPr lang="en-US" sz="1000" dirty="0">
-                <a:solidFill>
-                  <a:schemeClr val="tx1"/>
-                </a:solidFill>
-              </a:rPr>
-              <a:t>9</a:t>
-            </a:r>
-          </a:p>
-        </p:txBody>
-      </p:sp>
-      <p:sp>
-        <p:nvSpPr>
-          <p:cNvPr id="51" name="Pentagon 50"/>
-          <p:cNvSpPr/>
-          <p:nvPr/>
-        </p:nvSpPr>
-        <p:spPr>
-          <a:xfrm rot="16200000">
-            <a:off x="2464630" y="3902435"/>
-            <a:ext cx="355004" cy="215152"/>
-          </a:xfrm>
-          <a:prstGeom prst="homePlate">
-            <a:avLst/>
-          </a:prstGeom>
-          <a:solidFill>
-            <a:schemeClr val="accent4">
-              <a:lumMod val="40000"/>
-              <a:lumOff val="60000"/>
-            </a:schemeClr>
-          </a:solidFill>
-        </p:spPr>
-        <p:style>
-          <a:lnRef idx="2">
-            <a:schemeClr val="accent1">
-              <a:shade val="50000"/>
-            </a:schemeClr>
-          </a:lnRef>
-          <a:fillRef idx="1">
-            <a:schemeClr val="accent1"/>
-          </a:fillRef>
-          <a:effectRef idx="0">
-            <a:schemeClr val="accent1"/>
-          </a:effectRef>
-          <a:fontRef idx="minor">
-            <a:schemeClr val="lt1"/>
-          </a:fontRef>
-        </p:style>
-        <p:txBody>
-          <a:bodyPr vert="horz" lIns="0" tIns="0" rIns="0" bIns="0" rtlCol="0" anchor="ctr"/>
-          <a:lstStyle/>
-          <a:p>
-            <a:pPr algn="ctr"/>
-            <a:r>
-              <a:rPr lang="en-US" sz="1000" dirty="0" smtClean="0">
-                <a:solidFill>
-                  <a:schemeClr val="tx1"/>
-                </a:solidFill>
-              </a:rPr>
-              <a:t>10</a:t>
-            </a:r>
-            <a:endParaRPr lang="en-US" sz="1000" dirty="0">
-              <a:solidFill>
-                <a:schemeClr val="tx1"/>
-              </a:solidFill>
-            </a:endParaRPr>
-          </a:p>
-        </p:txBody>
-      </p:sp>
-      <p:sp>
-        <p:nvSpPr>
-          <p:cNvPr id="52" name="Pentagon 51"/>
-          <p:cNvSpPr/>
-          <p:nvPr/>
-        </p:nvSpPr>
-        <p:spPr>
-          <a:xfrm rot="16200000">
-            <a:off x="3431739" y="3902435"/>
-            <a:ext cx="355004" cy="215152"/>
-          </a:xfrm>
-          <a:prstGeom prst="homePlate">
-            <a:avLst/>
-          </a:prstGeom>
-          <a:solidFill>
-            <a:schemeClr val="accent4">
-              <a:lumMod val="40000"/>
-              <a:lumOff val="60000"/>
-            </a:schemeClr>
-          </a:solidFill>
-        </p:spPr>
-        <p:style>
-          <a:lnRef idx="2">
-            <a:schemeClr val="accent1">
-              <a:shade val="50000"/>
-            </a:schemeClr>
-          </a:lnRef>
-          <a:fillRef idx="1">
-            <a:schemeClr val="accent1"/>
-          </a:fillRef>
-          <a:effectRef idx="0">
-            <a:schemeClr val="accent1"/>
-          </a:effectRef>
-          <a:fontRef idx="minor">
-            <a:schemeClr val="lt1"/>
-          </a:fontRef>
-        </p:style>
-        <p:txBody>
-          <a:bodyPr vert="horz" lIns="0" tIns="0" rIns="0" bIns="0" rtlCol="0" anchor="ctr"/>
-          <a:lstStyle/>
-          <a:p>
-            <a:pPr algn="ctr"/>
-            <a:r>
-              <a:rPr lang="en-US" sz="1000" dirty="0" smtClean="0">
-                <a:solidFill>
-                  <a:schemeClr val="tx1"/>
-                </a:solidFill>
-              </a:rPr>
-              <a:t>11</a:t>
-            </a:r>
-            <a:endParaRPr lang="en-US" sz="1000" dirty="0">
-              <a:solidFill>
-                <a:schemeClr val="tx1"/>
-              </a:solidFill>
-            </a:endParaRPr>
-          </a:p>
-        </p:txBody>
-      </p:sp>
-      <p:sp>
-        <p:nvSpPr>
-          <p:cNvPr id="53" name="Pentagon 52"/>
-          <p:cNvSpPr/>
-          <p:nvPr/>
-        </p:nvSpPr>
-        <p:spPr>
-          <a:xfrm rot="16200000">
-            <a:off x="4413372" y="3902434"/>
-            <a:ext cx="355004" cy="215152"/>
-          </a:xfrm>
-          <a:prstGeom prst="homePlate">
-            <a:avLst/>
-          </a:prstGeom>
-          <a:solidFill>
-            <a:schemeClr val="accent4">
-              <a:lumMod val="40000"/>
-              <a:lumOff val="60000"/>
-            </a:schemeClr>
-          </a:solidFill>
-        </p:spPr>
-        <p:style>
-          <a:lnRef idx="2">
-            <a:schemeClr val="accent1">
-              <a:shade val="50000"/>
-            </a:schemeClr>
-          </a:lnRef>
-          <a:fillRef idx="1">
-            <a:schemeClr val="accent1"/>
-          </a:fillRef>
-          <a:effectRef idx="0">
-            <a:schemeClr val="accent1"/>
-          </a:effectRef>
-          <a:fontRef idx="minor">
-            <a:schemeClr val="lt1"/>
-          </a:fontRef>
-        </p:style>
-        <p:txBody>
-          <a:bodyPr vert="horz" lIns="0" tIns="0" rIns="0" bIns="0" rtlCol="0" anchor="ctr"/>
-          <a:lstStyle/>
-          <a:p>
-            <a:pPr algn="ctr"/>
-            <a:r>
-              <a:rPr lang="en-US" sz="1000" dirty="0" smtClean="0">
-                <a:solidFill>
-                  <a:schemeClr val="tx1"/>
-                </a:solidFill>
-              </a:rPr>
-              <a:t>12</a:t>
-            </a:r>
-            <a:endParaRPr lang="en-US" sz="1000" dirty="0">
-              <a:solidFill>
-                <a:schemeClr val="tx1"/>
-              </a:solidFill>
-            </a:endParaRPr>
-          </a:p>
-        </p:txBody>
-      </p:sp>
-      <p:sp>
-        <p:nvSpPr>
-          <p:cNvPr id="54" name="Pentagon 53"/>
-          <p:cNvSpPr/>
-          <p:nvPr/>
-        </p:nvSpPr>
-        <p:spPr>
-          <a:xfrm rot="16200000">
-            <a:off x="1500567" y="4883163"/>
-            <a:ext cx="355004" cy="215152"/>
-          </a:xfrm>
-          <a:prstGeom prst="homePlate">
-            <a:avLst/>
-          </a:prstGeom>
-          <a:solidFill>
-            <a:schemeClr val="accent4">
-              <a:lumMod val="40000"/>
-              <a:lumOff val="60000"/>
-            </a:schemeClr>
-          </a:solidFill>
-        </p:spPr>
-        <p:style>
-          <a:lnRef idx="2">
-            <a:schemeClr val="accent1">
-              <a:shade val="50000"/>
-            </a:schemeClr>
-          </a:lnRef>
-          <a:fillRef idx="1">
-            <a:schemeClr val="accent1"/>
-          </a:fillRef>
-          <a:effectRef idx="0">
-            <a:schemeClr val="accent1"/>
-          </a:effectRef>
-          <a:fontRef idx="minor">
-            <a:schemeClr val="lt1"/>
-          </a:fontRef>
-        </p:style>
-        <p:txBody>
-          <a:bodyPr vert="horz" lIns="0" tIns="0" rIns="0" bIns="0" rtlCol="0" anchor="ctr"/>
-          <a:lstStyle/>
-          <a:p>
-            <a:pPr algn="ctr"/>
-            <a:r>
-              <a:rPr lang="en-US" sz="1000" dirty="0" smtClean="0">
-                <a:solidFill>
-                  <a:schemeClr val="tx1"/>
-                </a:solidFill>
-              </a:rPr>
-              <a:t>13</a:t>
-            </a:r>
-            <a:endParaRPr lang="en-US" sz="1000" dirty="0">
-              <a:solidFill>
-                <a:schemeClr val="tx1"/>
-              </a:solidFill>
-            </a:endParaRPr>
-          </a:p>
-        </p:txBody>
-      </p:sp>
-      <p:sp>
-        <p:nvSpPr>
-          <p:cNvPr id="55" name="Pentagon 54"/>
-          <p:cNvSpPr/>
-          <p:nvPr/>
-        </p:nvSpPr>
-        <p:spPr>
-          <a:xfrm rot="16200000">
-            <a:off x="2462664" y="4883164"/>
-            <a:ext cx="355004" cy="215152"/>
-          </a:xfrm>
-          <a:prstGeom prst="homePlate">
-            <a:avLst/>
-          </a:prstGeom>
-          <a:solidFill>
-            <a:schemeClr val="accent4">
-              <a:lumMod val="40000"/>
-              <a:lumOff val="60000"/>
-            </a:schemeClr>
-          </a:solidFill>
-        </p:spPr>
-        <p:style>
-          <a:lnRef idx="2">
-            <a:schemeClr val="accent1">
-              <a:shade val="50000"/>
-            </a:schemeClr>
-          </a:lnRef>
-          <a:fillRef idx="1">
-            <a:schemeClr val="accent1"/>
-          </a:fillRef>
-          <a:effectRef idx="0">
-            <a:schemeClr val="accent1"/>
-          </a:effectRef>
-          <a:fontRef idx="minor">
-            <a:schemeClr val="lt1"/>
-          </a:fontRef>
-        </p:style>
-        <p:txBody>
-          <a:bodyPr vert="horz" lIns="0" tIns="0" rIns="0" bIns="0" rtlCol="0" anchor="ctr"/>
-          <a:lstStyle/>
-          <a:p>
-            <a:pPr algn="ctr"/>
-            <a:r>
-              <a:rPr lang="en-US" sz="1000" dirty="0" smtClean="0">
-                <a:solidFill>
-                  <a:schemeClr val="tx1"/>
-                </a:solidFill>
-              </a:rPr>
-              <a:t>14</a:t>
-            </a:r>
-            <a:endParaRPr lang="en-US" sz="1000" dirty="0">
-              <a:solidFill>
-                <a:schemeClr val="tx1"/>
-              </a:solidFill>
-            </a:endParaRPr>
-          </a:p>
-        </p:txBody>
-      </p:sp>
-      <p:sp>
-        <p:nvSpPr>
-          <p:cNvPr id="56" name="Pentagon 55"/>
-          <p:cNvSpPr/>
-          <p:nvPr/>
-        </p:nvSpPr>
-        <p:spPr>
-          <a:xfrm rot="16200000">
-            <a:off x="3429773" y="4883164"/>
-            <a:ext cx="355004" cy="215152"/>
-          </a:xfrm>
-          <a:prstGeom prst="homePlate">
-            <a:avLst/>
-          </a:prstGeom>
-          <a:solidFill>
-            <a:schemeClr val="accent4">
-              <a:lumMod val="40000"/>
-              <a:lumOff val="60000"/>
-            </a:schemeClr>
-          </a:solidFill>
-        </p:spPr>
-        <p:style>
-          <a:lnRef idx="2">
-            <a:schemeClr val="accent1">
-              <a:shade val="50000"/>
-            </a:schemeClr>
-          </a:lnRef>
-          <a:fillRef idx="1">
-            <a:schemeClr val="accent1"/>
-          </a:fillRef>
-          <a:effectRef idx="0">
-            <a:schemeClr val="accent1"/>
-          </a:effectRef>
-          <a:fontRef idx="minor">
-            <a:schemeClr val="lt1"/>
-          </a:fontRef>
-        </p:style>
-        <p:txBody>
-          <a:bodyPr vert="horz" lIns="0" tIns="0" rIns="0" bIns="0" rtlCol="0" anchor="ctr"/>
-          <a:lstStyle/>
-          <a:p>
-            <a:pPr algn="ctr"/>
-            <a:r>
-              <a:rPr lang="en-US" sz="1000" dirty="0" smtClean="0">
-                <a:solidFill>
-                  <a:schemeClr val="tx1"/>
-                </a:solidFill>
-              </a:rPr>
               <a:t>15</a:t>
-            </a:r>
-            <a:endParaRPr lang="en-US" sz="1000" dirty="0">
-              <a:solidFill>
-                <a:schemeClr val="tx1"/>
-              </a:solidFill>
-            </a:endParaRPr>
-          </a:p>
-        </p:txBody>
-      </p:sp>
-      <p:sp>
-        <p:nvSpPr>
-          <p:cNvPr id="57" name="Pentagon 56"/>
-          <p:cNvSpPr/>
-          <p:nvPr/>
-        </p:nvSpPr>
-        <p:spPr>
-          <a:xfrm rot="16200000">
-            <a:off x="4411406" y="4883163"/>
-            <a:ext cx="355004" cy="215152"/>
-          </a:xfrm>
-          <a:prstGeom prst="homePlate">
-            <a:avLst/>
-          </a:prstGeom>
-          <a:solidFill>
-            <a:schemeClr val="accent4">
-              <a:lumMod val="40000"/>
-              <a:lumOff val="60000"/>
-            </a:schemeClr>
-          </a:solidFill>
-        </p:spPr>
-        <p:style>
-          <a:lnRef idx="2">
-            <a:schemeClr val="accent1">
-              <a:shade val="50000"/>
-            </a:schemeClr>
-          </a:lnRef>
-          <a:fillRef idx="1">
-            <a:schemeClr val="accent1"/>
-          </a:fillRef>
-          <a:effectRef idx="0">
-            <a:schemeClr val="accent1"/>
-          </a:effectRef>
-          <a:fontRef idx="minor">
-            <a:schemeClr val="lt1"/>
-          </a:fontRef>
-        </p:style>
-        <p:txBody>
-          <a:bodyPr vert="horz" lIns="0" tIns="0" rIns="0" bIns="0" rtlCol="0" anchor="ctr"/>
-          <a:lstStyle/>
-          <a:p>
-            <a:pPr algn="ctr"/>
-            <a:r>
-              <a:rPr lang="en-US" sz="1000" dirty="0" smtClean="0">
-                <a:solidFill>
-                  <a:schemeClr val="tx1"/>
-                </a:solidFill>
-              </a:rPr>
-              <a:t>16</a:t>
             </a:r>
             <a:endParaRPr lang="en-US" sz="1000" dirty="0">
               <a:solidFill>
@@ -5837,14 +5827,14 @@
         <p:nvCxnSpPr>
           <p:cNvPr id="66" name="Straight Arrow Connector 65"/>
           <p:cNvCxnSpPr>
-            <a:stCxn id="46" idx="2"/>
+            <a:stCxn id="47" idx="2"/>
           </p:cNvCxnSpPr>
           <p:nvPr/>
         </p:nvCxnSpPr>
         <p:spPr>
           <a:xfrm>
-            <a:off x="1778817" y="3090297"/>
-            <a:ext cx="7292612" cy="650825"/>
+            <a:off x="2740914" y="3090298"/>
+            <a:ext cx="6330515" cy="650824"/>
           </a:xfrm>
           <a:prstGeom prst="straightConnector1">
             <a:avLst/>
@@ -5914,6 +5904,36 @@
                 </a:schemeClr>
               </a:solidFill>
             </a:endParaRPr>
+          </a:p>
+        </p:txBody>
+      </p:sp>
+      <p:sp>
+        <p:nvSpPr>
+          <p:cNvPr id="43" name="TextBox 42"/>
+          <p:cNvSpPr txBox="1"/>
+          <p:nvPr/>
+        </p:nvSpPr>
+        <p:spPr>
+          <a:xfrm>
+            <a:off x="6488332" y="5765705"/>
+            <a:ext cx="4865468" cy="307777"/>
+          </a:xfrm>
+          <a:prstGeom prst="rect">
+            <a:avLst/>
+          </a:prstGeom>
+          <a:noFill/>
+        </p:spPr>
+        <p:txBody>
+          <a:bodyPr wrap="square" rtlCol="0">
+            <a:spAutoFit/>
+          </a:bodyPr>
+          <a:lstStyle/>
+          <a:p>
+            <a:r>
+              <a:rPr lang="en-US" sz="1400" i="1" dirty="0" smtClean="0"/>
+              <a:t>Note: Loop index starts from 0</a:t>
+            </a:r>
+            <a:endParaRPr lang="en-US" sz="1400" i="1" dirty="0"/>
           </a:p>
         </p:txBody>
       </p:sp>
@@ -6798,6 +6818,51 @@
                       </p:childTnLst>
                     </p:cTn>
                   </p:par>
+                  <p:par>
+                    <p:cTn id="77" fill="hold">
+                      <p:stCondLst>
+                        <p:cond delay="indefinite"/>
+                      </p:stCondLst>
+                      <p:childTnLst>
+                        <p:par>
+                          <p:cTn id="78" fill="hold">
+                            <p:stCondLst>
+                              <p:cond delay="0"/>
+                            </p:stCondLst>
+                            <p:childTnLst>
+                              <p:par>
+                                <p:cTn id="79" presetID="1" presetClass="entr" presetSubtype="0" fill="hold" grpId="0" nodeType="clickEffect">
+                                  <p:stCondLst>
+                                    <p:cond delay="0"/>
+                                  </p:stCondLst>
+                                  <p:childTnLst>
+                                    <p:set>
+                                      <p:cBhvr>
+                                        <p:cTn id="80" dur="1" fill="hold">
+                                          <p:stCondLst>
+                                            <p:cond delay="0"/>
+                                          </p:stCondLst>
+                                        </p:cTn>
+                                        <p:tgtEl>
+                                          <p:spTgt spid="43"/>
+                                        </p:tgtEl>
+                                        <p:attrNameLst>
+                                          <p:attrName>style.visibility</p:attrName>
+                                        </p:attrNameLst>
+                                      </p:cBhvr>
+                                      <p:to>
+                                        <p:strVal val="visible"/>
+                                      </p:to>
+                                    </p:set>
+                                  </p:childTnLst>
+                                </p:cTn>
+                              </p:par>
+                            </p:childTnLst>
+                          </p:cTn>
+                        </p:par>
+                      </p:childTnLst>
+                    </p:cTn>
+                  </p:par>
                 </p:childTnLst>
               </p:cTn>
               <p:prevCondLst>
@@ -6839,6 +6904,7 @@
       <p:bldP spid="57" grpId="0" animBg="1"/>
       <p:bldP spid="60" grpId="0"/>
       <p:bldP spid="62" grpId="0"/>
+      <p:bldP spid="43" grpId="0"/>
     </p:bldLst>
   </p:timing>
 </p:sld>
@@ -7974,12 +8040,330 @@
           <a:p>
             <a:pPr algn="ctr"/>
             <a:r>
+              <a:rPr lang="en-US" sz="1000" dirty="0">
+                <a:solidFill>
+                  <a:schemeClr val="tx1"/>
+                </a:solidFill>
+              </a:rPr>
+              <a:t>0</a:t>
+            </a:r>
+          </a:p>
+        </p:txBody>
+      </p:sp>
+      <p:sp>
+        <p:nvSpPr>
+          <p:cNvPr id="26" name="Pentagon 25"/>
+          <p:cNvSpPr/>
+          <p:nvPr/>
+        </p:nvSpPr>
+        <p:spPr>
+          <a:xfrm rot="16200000">
+            <a:off x="2458695" y="1978741"/>
+            <a:ext cx="355004" cy="215152"/>
+          </a:xfrm>
+          <a:prstGeom prst="homePlate">
+            <a:avLst/>
+          </a:prstGeom>
+          <a:solidFill>
+            <a:schemeClr val="accent4">
+              <a:lumMod val="40000"/>
+              <a:lumOff val="60000"/>
+            </a:schemeClr>
+          </a:solidFill>
+        </p:spPr>
+        <p:style>
+          <a:lnRef idx="2">
+            <a:schemeClr val="accent1">
+              <a:shade val="50000"/>
+            </a:schemeClr>
+          </a:lnRef>
+          <a:fillRef idx="1">
+            <a:schemeClr val="accent1"/>
+          </a:fillRef>
+          <a:effectRef idx="0">
+            <a:schemeClr val="accent1"/>
+          </a:effectRef>
+          <a:fontRef idx="minor">
+            <a:schemeClr val="lt1"/>
+          </a:fontRef>
+        </p:style>
+        <p:txBody>
+          <a:bodyPr vert="horz" lIns="0" tIns="0" rIns="0" bIns="0" rtlCol="0" anchor="ctr"/>
+          <a:lstStyle/>
+          <a:p>
+            <a:pPr algn="ctr"/>
+            <a:r>
+              <a:rPr lang="en-US" sz="1000" dirty="0">
+                <a:solidFill>
+                  <a:schemeClr val="tx1"/>
+                </a:solidFill>
+              </a:rPr>
+              <a:t>1</a:t>
+            </a:r>
+          </a:p>
+        </p:txBody>
+      </p:sp>
+      <p:sp>
+        <p:nvSpPr>
+          <p:cNvPr id="27" name="Pentagon 26"/>
+          <p:cNvSpPr/>
+          <p:nvPr/>
+        </p:nvSpPr>
+        <p:spPr>
+          <a:xfrm rot="16200000">
+            <a:off x="3425804" y="1978741"/>
+            <a:ext cx="355004" cy="215152"/>
+          </a:xfrm>
+          <a:prstGeom prst="homePlate">
+            <a:avLst/>
+          </a:prstGeom>
+          <a:solidFill>
+            <a:schemeClr val="accent4">
+              <a:lumMod val="40000"/>
+              <a:lumOff val="60000"/>
+            </a:schemeClr>
+          </a:solidFill>
+        </p:spPr>
+        <p:style>
+          <a:lnRef idx="2">
+            <a:schemeClr val="accent1">
+              <a:shade val="50000"/>
+            </a:schemeClr>
+          </a:lnRef>
+          <a:fillRef idx="1">
+            <a:schemeClr val="accent1"/>
+          </a:fillRef>
+          <a:effectRef idx="0">
+            <a:schemeClr val="accent1"/>
+          </a:effectRef>
+          <a:fontRef idx="minor">
+            <a:schemeClr val="lt1"/>
+          </a:fontRef>
+        </p:style>
+        <p:txBody>
+          <a:bodyPr vert="horz" lIns="0" tIns="0" rIns="0" bIns="0" rtlCol="0" anchor="ctr"/>
+          <a:lstStyle/>
+          <a:p>
+            <a:pPr algn="ctr"/>
+            <a:r>
+              <a:rPr lang="en-US" sz="1000" dirty="0">
+                <a:solidFill>
+                  <a:schemeClr val="tx1"/>
+                </a:solidFill>
+              </a:rPr>
+              <a:t>2</a:t>
+            </a:r>
+          </a:p>
+        </p:txBody>
+      </p:sp>
+      <p:sp>
+        <p:nvSpPr>
+          <p:cNvPr id="30" name="Pentagon 29"/>
+          <p:cNvSpPr/>
+          <p:nvPr/>
+        </p:nvSpPr>
+        <p:spPr>
+          <a:xfrm rot="16200000">
+            <a:off x="4407437" y="1978740"/>
+            <a:ext cx="355004" cy="215152"/>
+          </a:xfrm>
+          <a:prstGeom prst="homePlate">
+            <a:avLst/>
+          </a:prstGeom>
+          <a:solidFill>
+            <a:schemeClr val="accent4">
+              <a:lumMod val="40000"/>
+              <a:lumOff val="60000"/>
+            </a:schemeClr>
+          </a:solidFill>
+        </p:spPr>
+        <p:style>
+          <a:lnRef idx="2">
+            <a:schemeClr val="accent1">
+              <a:shade val="50000"/>
+            </a:schemeClr>
+          </a:lnRef>
+          <a:fillRef idx="1">
+            <a:schemeClr val="accent1"/>
+          </a:fillRef>
+          <a:effectRef idx="0">
+            <a:schemeClr val="accent1"/>
+          </a:effectRef>
+          <a:fontRef idx="minor">
+            <a:schemeClr val="lt1"/>
+          </a:fontRef>
+        </p:style>
+        <p:txBody>
+          <a:bodyPr vert="horz" lIns="0" tIns="0" rIns="0" bIns="0" rtlCol="0" anchor="ctr"/>
+          <a:lstStyle/>
+          <a:p>
+            <a:pPr algn="ctr"/>
+            <a:r>
+              <a:rPr lang="en-US" sz="1000" dirty="0">
+                <a:solidFill>
+                  <a:schemeClr val="tx1"/>
+                </a:solidFill>
+              </a:rPr>
+              <a:t>3</a:t>
+            </a:r>
+          </a:p>
+        </p:txBody>
+      </p:sp>
+      <p:sp>
+        <p:nvSpPr>
+          <p:cNvPr id="46" name="Pentagon 45"/>
+          <p:cNvSpPr/>
+          <p:nvPr/>
+        </p:nvSpPr>
+        <p:spPr>
+          <a:xfrm rot="16200000">
+            <a:off x="1493739" y="2928933"/>
+            <a:ext cx="355004" cy="215152"/>
+          </a:xfrm>
+          <a:prstGeom prst="homePlate">
+            <a:avLst/>
+          </a:prstGeom>
+          <a:solidFill>
+            <a:schemeClr val="accent4">
+              <a:lumMod val="40000"/>
+              <a:lumOff val="60000"/>
+            </a:schemeClr>
+          </a:solidFill>
+        </p:spPr>
+        <p:style>
+          <a:lnRef idx="2">
+            <a:schemeClr val="accent1">
+              <a:shade val="50000"/>
+            </a:schemeClr>
+          </a:lnRef>
+          <a:fillRef idx="1">
+            <a:schemeClr val="accent1"/>
+          </a:fillRef>
+          <a:effectRef idx="0">
+            <a:schemeClr val="accent1"/>
+          </a:effectRef>
+          <a:fontRef idx="minor">
+            <a:schemeClr val="lt1"/>
+          </a:fontRef>
+        </p:style>
+        <p:txBody>
+          <a:bodyPr vert="horz" lIns="0" tIns="0" rIns="0" bIns="0" rtlCol="0" anchor="ctr"/>
+          <a:lstStyle/>
+          <a:p>
+            <a:pPr algn="ctr"/>
+            <a:r>
+              <a:rPr lang="en-US" sz="1000" dirty="0">
+                <a:solidFill>
+                  <a:schemeClr val="tx1"/>
+                </a:solidFill>
+              </a:rPr>
+              <a:t>4</a:t>
+            </a:r>
+          </a:p>
+        </p:txBody>
+      </p:sp>
+      <p:sp>
+        <p:nvSpPr>
+          <p:cNvPr id="47" name="Pentagon 46"/>
+          <p:cNvSpPr/>
+          <p:nvPr/>
+        </p:nvSpPr>
+        <p:spPr>
+          <a:xfrm rot="16200000">
+            <a:off x="2455836" y="2928934"/>
+            <a:ext cx="355004" cy="215152"/>
+          </a:xfrm>
+          <a:prstGeom prst="homePlate">
+            <a:avLst/>
+          </a:prstGeom>
+          <a:solidFill>
+            <a:schemeClr val="accent4">
+              <a:lumMod val="40000"/>
+              <a:lumOff val="60000"/>
+            </a:schemeClr>
+          </a:solidFill>
+        </p:spPr>
+        <p:style>
+          <a:lnRef idx="2">
+            <a:schemeClr val="accent1">
+              <a:shade val="50000"/>
+            </a:schemeClr>
+          </a:lnRef>
+          <a:fillRef idx="1">
+            <a:schemeClr val="accent1"/>
+          </a:fillRef>
+          <a:effectRef idx="0">
+            <a:schemeClr val="accent1"/>
+          </a:effectRef>
+          <a:fontRef idx="minor">
+            <a:schemeClr val="lt1"/>
+          </a:fontRef>
+        </p:style>
+        <p:txBody>
+          <a:bodyPr vert="horz" lIns="0" tIns="0" rIns="0" bIns="0" rtlCol="0" anchor="ctr"/>
+          <a:lstStyle/>
+          <a:p>
+            <a:pPr algn="ctr"/>
+            <a:r>
+              <a:rPr lang="en-US" sz="1000" dirty="0">
+                <a:solidFill>
+                  <a:schemeClr val="tx1"/>
+                </a:solidFill>
+              </a:rPr>
+              <a:t>5</a:t>
+            </a:r>
+          </a:p>
+        </p:txBody>
+      </p:sp>
+      <p:sp>
+        <p:nvSpPr>
+          <p:cNvPr id="48" name="Pentagon 47"/>
+          <p:cNvSpPr/>
+          <p:nvPr/>
+        </p:nvSpPr>
+        <p:spPr>
+          <a:xfrm rot="16200000">
+            <a:off x="3422945" y="2928934"/>
+            <a:ext cx="355004" cy="215152"/>
+          </a:xfrm>
+          <a:prstGeom prst="homePlate">
+            <a:avLst/>
+          </a:prstGeom>
+          <a:solidFill>
+            <a:schemeClr val="accent4">
+              <a:lumMod val="40000"/>
+              <a:lumOff val="60000"/>
+            </a:schemeClr>
+          </a:solidFill>
+        </p:spPr>
+        <p:style>
+          <a:lnRef idx="2">
+            <a:schemeClr val="accent1">
+              <a:shade val="50000"/>
+            </a:schemeClr>
+          </a:lnRef>
+          <a:fillRef idx="1">
+            <a:schemeClr val="accent1"/>
+          </a:fillRef>
+          <a:effectRef idx="0">
+            <a:schemeClr val="accent1"/>
+          </a:effectRef>
+          <a:fontRef idx="minor">
+            <a:schemeClr val="lt1"/>
+          </a:fontRef>
+        </p:style>
+        <p:txBody>
+          <a:bodyPr vert="horz" lIns="0" tIns="0" rIns="0" bIns="0" rtlCol="0" anchor="ctr"/>
+          <a:lstStyle/>
+          <a:p>
+            <a:pPr algn="ctr"/>
+            <a:r>
               <a:rPr lang="en-US" sz="1000" dirty="0" smtClean="0">
                 <a:solidFill>
                   <a:schemeClr val="tx1"/>
                 </a:solidFill>
               </a:rPr>
-              <a:t>1</a:t>
+              <a:t>6</a:t>
             </a:r>
             <a:endParaRPr lang="en-US" sz="1000" dirty="0">
               <a:solidFill>
@@ -7991,13 +8375,13 @@
       </p:sp>
       <p:sp>
         <p:nvSpPr>
-          <p:cNvPr id="26" name="Pentagon 25"/>
+          <p:cNvPr id="49" name="Pentagon 48"/>
           <p:cNvSpPr/>
           <p:nvPr/>
         </p:nvSpPr>
         <p:spPr>
           <a:xfrm rot="16200000">
-            <a:off x="2458695" y="1978741"/>
+            <a:off x="4404578" y="2928933"/>
             <a:ext cx="355004" cy="215152"/>
           </a:xfrm>
           <a:prstGeom prst="homePlate">
@@ -8037,20 +8421,20 @@
                   <a:schemeClr val="tx1"/>
                 </a:solidFill>
               </a:rPr>
-              <a:t>2</a:t>
-            </a:r>
-          </a:p>
-        </p:txBody>
-      </p:sp>
-      <p:sp>
-        <p:nvSpPr>
-          <p:cNvPr id="27" name="Pentagon 26"/>
+              <a:t>7</a:t>
+            </a:r>
+          </a:p>
+        </p:txBody>
+      </p:sp>
+      <p:sp>
+        <p:nvSpPr>
+          <p:cNvPr id="50" name="Pentagon 49"/>
           <p:cNvSpPr/>
           <p:nvPr/>
         </p:nvSpPr>
         <p:spPr>
           <a:xfrm rot="16200000">
-            <a:off x="3425804" y="1978741"/>
+            <a:off x="1502533" y="3902434"/>
             <a:ext cx="355004" cy="215152"/>
           </a:xfrm>
           <a:prstGeom prst="homePlate">
@@ -8090,20 +8474,20 @@
                   <a:schemeClr val="tx1"/>
                 </a:solidFill>
               </a:rPr>
-              <a:t>3</a:t>
-            </a:r>
-          </a:p>
-        </p:txBody>
-      </p:sp>
-      <p:sp>
-        <p:nvSpPr>
-          <p:cNvPr id="30" name="Pentagon 29"/>
+              <a:t>8</a:t>
+            </a:r>
+          </a:p>
+        </p:txBody>
+      </p:sp>
+      <p:sp>
+        <p:nvSpPr>
+          <p:cNvPr id="51" name="Pentagon 50"/>
           <p:cNvSpPr/>
           <p:nvPr/>
         </p:nvSpPr>
         <p:spPr>
           <a:xfrm rot="16200000">
-            <a:off x="4407437" y="1978740"/>
+            <a:off x="2464630" y="3902435"/>
             <a:ext cx="355004" cy="215152"/>
           </a:xfrm>
           <a:prstGeom prst="homePlate">
@@ -8138,25 +8522,30 @@
           <a:p>
             <a:pPr algn="ctr"/>
             <a:r>
-              <a:rPr lang="en-US" sz="1000" dirty="0">
+              <a:rPr lang="en-US" sz="1000" dirty="0" smtClean="0">
                 <a:solidFill>
                   <a:schemeClr val="tx1"/>
                 </a:solidFill>
               </a:rPr>
-              <a:t>4</a:t>
-            </a:r>
-          </a:p>
-        </p:txBody>
-      </p:sp>
-      <p:sp>
-        <p:nvSpPr>
-          <p:cNvPr id="46" name="Pentagon 45"/>
+              <a:t>9</a:t>
+            </a:r>
+            <a:endParaRPr lang="en-US" sz="1000" dirty="0">
+              <a:solidFill>
+                <a:schemeClr val="tx1"/>
+              </a:solidFill>
+            </a:endParaRPr>
+          </a:p>
+        </p:txBody>
+      </p:sp>
+      <p:sp>
+        <p:nvSpPr>
+          <p:cNvPr id="52" name="Pentagon 51"/>
           <p:cNvSpPr/>
           <p:nvPr/>
         </p:nvSpPr>
         <p:spPr>
           <a:xfrm rot="16200000">
-            <a:off x="1493739" y="2928933"/>
+            <a:off x="3431739" y="3902435"/>
             <a:ext cx="355004" cy="215152"/>
           </a:xfrm>
           <a:prstGeom prst="homePlate">
@@ -8191,25 +8580,30 @@
           <a:p>
             <a:pPr algn="ctr"/>
             <a:r>
-              <a:rPr lang="en-US" sz="1000" dirty="0">
+              <a:rPr lang="en-US" sz="1000" dirty="0" smtClean="0">
                 <a:solidFill>
                   <a:schemeClr val="tx1"/>
                 </a:solidFill>
               </a:rPr>
-              <a:t>5</a:t>
-            </a:r>
-          </a:p>
-        </p:txBody>
-      </p:sp>
-      <p:sp>
-        <p:nvSpPr>
-          <p:cNvPr id="47" name="Pentagon 46"/>
+              <a:t>10</a:t>
+            </a:r>
+            <a:endParaRPr lang="en-US" sz="1000" dirty="0">
+              <a:solidFill>
+                <a:schemeClr val="tx1"/>
+              </a:solidFill>
+            </a:endParaRPr>
+          </a:p>
+        </p:txBody>
+      </p:sp>
+      <p:sp>
+        <p:nvSpPr>
+          <p:cNvPr id="53" name="Pentagon 52"/>
           <p:cNvSpPr/>
           <p:nvPr/>
         </p:nvSpPr>
         <p:spPr>
           <a:xfrm rot="16200000">
-            <a:off x="2455836" y="2928934"/>
+            <a:off x="4413372" y="3902434"/>
             <a:ext cx="355004" cy="215152"/>
           </a:xfrm>
           <a:prstGeom prst="homePlate">
@@ -8244,25 +8638,30 @@
           <a:p>
             <a:pPr algn="ctr"/>
             <a:r>
-              <a:rPr lang="en-US" sz="1000" dirty="0">
+              <a:rPr lang="en-US" sz="1000" dirty="0" smtClean="0">
                 <a:solidFill>
                   <a:schemeClr val="tx1"/>
                 </a:solidFill>
               </a:rPr>
-              <a:t>6</a:t>
-            </a:r>
-          </a:p>
-        </p:txBody>
-      </p:sp>
-      <p:sp>
-        <p:nvSpPr>
-          <p:cNvPr id="48" name="Pentagon 47"/>
+              <a:t>11</a:t>
+            </a:r>
+            <a:endParaRPr lang="en-US" sz="1000" dirty="0">
+              <a:solidFill>
+                <a:schemeClr val="tx1"/>
+              </a:solidFill>
+            </a:endParaRPr>
+          </a:p>
+        </p:txBody>
+      </p:sp>
+      <p:sp>
+        <p:nvSpPr>
+          <p:cNvPr id="54" name="Pentagon 53"/>
           <p:cNvSpPr/>
           <p:nvPr/>
         </p:nvSpPr>
         <p:spPr>
           <a:xfrm rot="16200000">
-            <a:off x="3422945" y="2928934"/>
+            <a:off x="1500567" y="4883163"/>
             <a:ext cx="355004" cy="215152"/>
           </a:xfrm>
           <a:prstGeom prst="homePlate">
@@ -8297,25 +8696,30 @@
           <a:p>
             <a:pPr algn="ctr"/>
             <a:r>
-              <a:rPr lang="en-US" sz="1000" dirty="0">
+              <a:rPr lang="en-US" sz="1000" dirty="0" smtClean="0">
                 <a:solidFill>
                   <a:schemeClr val="tx1"/>
                 </a:solidFill>
               </a:rPr>
-              <a:t>7</a:t>
-            </a:r>
-          </a:p>
-        </p:txBody>
-      </p:sp>
-      <p:sp>
-        <p:nvSpPr>
-          <p:cNvPr id="49" name="Pentagon 48"/>
+              <a:t>12</a:t>
+            </a:r>
+            <a:endParaRPr lang="en-US" sz="1000" dirty="0">
+              <a:solidFill>
+                <a:schemeClr val="tx1"/>
+              </a:solidFill>
+            </a:endParaRPr>
+          </a:p>
+        </p:txBody>
+      </p:sp>
+      <p:sp>
+        <p:nvSpPr>
+          <p:cNvPr id="55" name="Pentagon 54"/>
           <p:cNvSpPr/>
           <p:nvPr/>
         </p:nvSpPr>
         <p:spPr>
           <a:xfrm rot="16200000">
-            <a:off x="4404578" y="2928933"/>
+            <a:off x="2462664" y="4883164"/>
             <a:ext cx="355004" cy="215152"/>
           </a:xfrm>
           <a:prstGeom prst="homePlate">
@@ -8350,25 +8754,30 @@
           <a:p>
             <a:pPr algn="ctr"/>
             <a:r>
-              <a:rPr lang="en-US" sz="1000" dirty="0">
+              <a:rPr lang="en-US" sz="1000" dirty="0" smtClean="0">
                 <a:solidFill>
                   <a:schemeClr val="tx1"/>
                 </a:solidFill>
               </a:rPr>
-              <a:t>8</a:t>
-            </a:r>
-          </a:p>
-        </p:txBody>
-      </p:sp>
-      <p:sp>
-        <p:nvSpPr>
-          <p:cNvPr id="50" name="Pentagon 49"/>
+              <a:t>13</a:t>
+            </a:r>
+            <a:endParaRPr lang="en-US" sz="1000" dirty="0">
+              <a:solidFill>
+                <a:schemeClr val="tx1"/>
+              </a:solidFill>
+            </a:endParaRPr>
+          </a:p>
+        </p:txBody>
+      </p:sp>
+      <p:sp>
+        <p:nvSpPr>
+          <p:cNvPr id="56" name="Pentagon 55"/>
           <p:cNvSpPr/>
           <p:nvPr/>
         </p:nvSpPr>
         <p:spPr>
           <a:xfrm rot="16200000">
-            <a:off x="1502533" y="3902434"/>
+            <a:off x="3429773" y="4883164"/>
             <a:ext cx="355004" cy="215152"/>
           </a:xfrm>
           <a:prstGeom prst="homePlate">
@@ -8403,25 +8812,30 @@
           <a:p>
             <a:pPr algn="ctr"/>
             <a:r>
-              <a:rPr lang="en-US" sz="1000" dirty="0">
+              <a:rPr lang="en-US" sz="1000" dirty="0" smtClean="0">
                 <a:solidFill>
                   <a:schemeClr val="tx1"/>
                 </a:solidFill>
               </a:rPr>
-              <a:t>9</a:t>
-            </a:r>
-          </a:p>
-        </p:txBody>
-      </p:sp>
-      <p:sp>
-        <p:nvSpPr>
-          <p:cNvPr id="51" name="Pentagon 50"/>
+              <a:t>14</a:t>
+            </a:r>
+            <a:endParaRPr lang="en-US" sz="1000" dirty="0">
+              <a:solidFill>
+                <a:schemeClr val="tx1"/>
+              </a:solidFill>
+            </a:endParaRPr>
+          </a:p>
+        </p:txBody>
+      </p:sp>
+      <p:sp>
+        <p:nvSpPr>
+          <p:cNvPr id="57" name="Pentagon 56"/>
           <p:cNvSpPr/>
           <p:nvPr/>
         </p:nvSpPr>
         <p:spPr>
           <a:xfrm rot="16200000">
-            <a:off x="2464630" y="3902435"/>
+            <a:off x="4411406" y="4883163"/>
             <a:ext cx="355004" cy="215152"/>
           </a:xfrm>
           <a:prstGeom prst="homePlate">
@@ -8461,355 +8875,7 @@
                   <a:schemeClr val="tx1"/>
                 </a:solidFill>
               </a:rPr>
-              <a:t>10</a:t>
-            </a:r>
-            <a:endParaRPr lang="en-US" sz="1000" dirty="0">
-              <a:solidFill>
-                <a:schemeClr val="tx1"/>
-              </a:solidFill>
-            </a:endParaRPr>
-          </a:p>
-        </p:txBody>
-      </p:sp>
-      <p:sp>
-        <p:nvSpPr>
-          <p:cNvPr id="52" name="Pentagon 51"/>
-          <p:cNvSpPr/>
-          <p:nvPr/>
-        </p:nvSpPr>
-        <p:spPr>
-          <a:xfrm rot="16200000">
-            <a:off x="3431739" y="3902435"/>
-            <a:ext cx="355004" cy="215152"/>
-          </a:xfrm>
-          <a:prstGeom prst="homePlate">
-            <a:avLst/>
-          </a:prstGeom>
-          <a:solidFill>
-            <a:schemeClr val="accent4">
-              <a:lumMod val="40000"/>
-              <a:lumOff val="60000"/>
-            </a:schemeClr>
-          </a:solidFill>
-        </p:spPr>
-        <p:style>
-          <a:lnRef idx="2">
-            <a:schemeClr val="accent1">
-              <a:shade val="50000"/>
-            </a:schemeClr>
-          </a:lnRef>
-          <a:fillRef idx="1">
-            <a:schemeClr val="accent1"/>
-          </a:fillRef>
-          <a:effectRef idx="0">
-            <a:schemeClr val="accent1"/>
-          </a:effectRef>
-          <a:fontRef idx="minor">
-            <a:schemeClr val="lt1"/>
-          </a:fontRef>
-        </p:style>
-        <p:txBody>
-          <a:bodyPr vert="horz" lIns="0" tIns="0" rIns="0" bIns="0" rtlCol="0" anchor="ctr"/>
-          <a:lstStyle/>
-          <a:p>
-            <a:pPr algn="ctr"/>
-            <a:r>
-              <a:rPr lang="en-US" sz="1000" dirty="0" smtClean="0">
-                <a:solidFill>
-                  <a:schemeClr val="tx1"/>
-                </a:solidFill>
-              </a:rPr>
-              <a:t>11</a:t>
-            </a:r>
-            <a:endParaRPr lang="en-US" sz="1000" dirty="0">
-              <a:solidFill>
-                <a:schemeClr val="tx1"/>
-              </a:solidFill>
-            </a:endParaRPr>
-          </a:p>
-        </p:txBody>
-      </p:sp>
-      <p:sp>
-        <p:nvSpPr>
-          <p:cNvPr id="53" name="Pentagon 52"/>
-          <p:cNvSpPr/>
-          <p:nvPr/>
-        </p:nvSpPr>
-        <p:spPr>
-          <a:xfrm rot="16200000">
-            <a:off x="4413372" y="3902434"/>
-            <a:ext cx="355004" cy="215152"/>
-          </a:xfrm>
-          <a:prstGeom prst="homePlate">
-            <a:avLst/>
-          </a:prstGeom>
-          <a:solidFill>
-            <a:schemeClr val="accent4">
-              <a:lumMod val="40000"/>
-              <a:lumOff val="60000"/>
-            </a:schemeClr>
-          </a:solidFill>
-        </p:spPr>
-        <p:style>
-          <a:lnRef idx="2">
-            <a:schemeClr val="accent1">
-              <a:shade val="50000"/>
-            </a:schemeClr>
-          </a:lnRef>
-          <a:fillRef idx="1">
-            <a:schemeClr val="accent1"/>
-          </a:fillRef>
-          <a:effectRef idx="0">
-            <a:schemeClr val="accent1"/>
-          </a:effectRef>
-          <a:fontRef idx="minor">
-            <a:schemeClr val="lt1"/>
-          </a:fontRef>
-        </p:style>
-        <p:txBody>
-          <a:bodyPr vert="horz" lIns="0" tIns="0" rIns="0" bIns="0" rtlCol="0" anchor="ctr"/>
-          <a:lstStyle/>
-          <a:p>
-            <a:pPr algn="ctr"/>
-            <a:r>
-              <a:rPr lang="en-US" sz="1000" dirty="0" smtClean="0">
-                <a:solidFill>
-                  <a:schemeClr val="tx1"/>
-                </a:solidFill>
-              </a:rPr>
-              <a:t>12</a:t>
-            </a:r>
-            <a:endParaRPr lang="en-US" sz="1000" dirty="0">
-              <a:solidFill>
-                <a:schemeClr val="tx1"/>
-              </a:solidFill>
-            </a:endParaRPr>
-          </a:p>
-        </p:txBody>
-      </p:sp>
-      <p:sp>
-        <p:nvSpPr>
-          <p:cNvPr id="54" name="Pentagon 53"/>
-          <p:cNvSpPr/>
-          <p:nvPr/>
-        </p:nvSpPr>
-        <p:spPr>
-          <a:xfrm rot="16200000">
-            <a:off x="1500567" y="4883163"/>
-            <a:ext cx="355004" cy="215152"/>
-          </a:xfrm>
-          <a:prstGeom prst="homePlate">
-            <a:avLst/>
-          </a:prstGeom>
-          <a:solidFill>
-            <a:schemeClr val="accent4">
-              <a:lumMod val="40000"/>
-              <a:lumOff val="60000"/>
-            </a:schemeClr>
-          </a:solidFill>
-        </p:spPr>
-        <p:style>
-          <a:lnRef idx="2">
-            <a:schemeClr val="accent1">
-              <a:shade val="50000"/>
-            </a:schemeClr>
-          </a:lnRef>
-          <a:fillRef idx="1">
-            <a:schemeClr val="accent1"/>
-          </a:fillRef>
-          <a:effectRef idx="0">
-            <a:schemeClr val="accent1"/>
-          </a:effectRef>
-          <a:fontRef idx="minor">
-            <a:schemeClr val="lt1"/>
-          </a:fontRef>
-        </p:style>
-        <p:txBody>
-          <a:bodyPr vert="horz" lIns="0" tIns="0" rIns="0" bIns="0" rtlCol="0" anchor="ctr"/>
-          <a:lstStyle/>
-          <a:p>
-            <a:pPr algn="ctr"/>
-            <a:r>
-              <a:rPr lang="en-US" sz="1000" dirty="0" smtClean="0">
-                <a:solidFill>
-                  <a:schemeClr val="tx1"/>
-                </a:solidFill>
-              </a:rPr>
-              <a:t>13</a:t>
-            </a:r>
-            <a:endParaRPr lang="en-US" sz="1000" dirty="0">
-              <a:solidFill>
-                <a:schemeClr val="tx1"/>
-              </a:solidFill>
-            </a:endParaRPr>
-          </a:p>
-        </p:txBody>
-      </p:sp>
-      <p:sp>
-        <p:nvSpPr>
-          <p:cNvPr id="55" name="Pentagon 54"/>
-          <p:cNvSpPr/>
-          <p:nvPr/>
-        </p:nvSpPr>
-        <p:spPr>
-          <a:xfrm rot="16200000">
-            <a:off x="2462664" y="4883164"/>
-            <a:ext cx="355004" cy="215152"/>
-          </a:xfrm>
-          <a:prstGeom prst="homePlate">
-            <a:avLst/>
-          </a:prstGeom>
-          <a:solidFill>
-            <a:schemeClr val="accent4">
-              <a:lumMod val="40000"/>
-              <a:lumOff val="60000"/>
-            </a:schemeClr>
-          </a:solidFill>
-        </p:spPr>
-        <p:style>
-          <a:lnRef idx="2">
-            <a:schemeClr val="accent1">
-              <a:shade val="50000"/>
-            </a:schemeClr>
-          </a:lnRef>
-          <a:fillRef idx="1">
-            <a:schemeClr val="accent1"/>
-          </a:fillRef>
-          <a:effectRef idx="0">
-            <a:schemeClr val="accent1"/>
-          </a:effectRef>
-          <a:fontRef idx="minor">
-            <a:schemeClr val="lt1"/>
-          </a:fontRef>
-        </p:style>
-        <p:txBody>
-          <a:bodyPr vert="horz" lIns="0" tIns="0" rIns="0" bIns="0" rtlCol="0" anchor="ctr"/>
-          <a:lstStyle/>
-          <a:p>
-            <a:pPr algn="ctr"/>
-            <a:r>
-              <a:rPr lang="en-US" sz="1000" dirty="0" smtClean="0">
-                <a:solidFill>
-                  <a:schemeClr val="tx1"/>
-                </a:solidFill>
-              </a:rPr>
-              <a:t>14</a:t>
-            </a:r>
-            <a:endParaRPr lang="en-US" sz="1000" dirty="0">
-              <a:solidFill>
-                <a:schemeClr val="tx1"/>
-              </a:solidFill>
-            </a:endParaRPr>
-          </a:p>
-        </p:txBody>
-      </p:sp>
-      <p:sp>
-        <p:nvSpPr>
-          <p:cNvPr id="56" name="Pentagon 55"/>
-          <p:cNvSpPr/>
-          <p:nvPr/>
-        </p:nvSpPr>
-        <p:spPr>
-          <a:xfrm rot="16200000">
-            <a:off x="3429773" y="4883164"/>
-            <a:ext cx="355004" cy="215152"/>
-          </a:xfrm>
-          <a:prstGeom prst="homePlate">
-            <a:avLst/>
-          </a:prstGeom>
-          <a:solidFill>
-            <a:schemeClr val="accent4">
-              <a:lumMod val="40000"/>
-              <a:lumOff val="60000"/>
-            </a:schemeClr>
-          </a:solidFill>
-        </p:spPr>
-        <p:style>
-          <a:lnRef idx="2">
-            <a:schemeClr val="accent1">
-              <a:shade val="50000"/>
-            </a:schemeClr>
-          </a:lnRef>
-          <a:fillRef idx="1">
-            <a:schemeClr val="accent1"/>
-          </a:fillRef>
-          <a:effectRef idx="0">
-            <a:schemeClr val="accent1"/>
-          </a:effectRef>
-          <a:fontRef idx="minor">
-            <a:schemeClr val="lt1"/>
-          </a:fontRef>
-        </p:style>
-        <p:txBody>
-          <a:bodyPr vert="horz" lIns="0" tIns="0" rIns="0" bIns="0" rtlCol="0" anchor="ctr"/>
-          <a:lstStyle/>
-          <a:p>
-            <a:pPr algn="ctr"/>
-            <a:r>
-              <a:rPr lang="en-US" sz="1000" dirty="0" smtClean="0">
-                <a:solidFill>
-                  <a:schemeClr val="tx1"/>
-                </a:solidFill>
-              </a:rPr>
               <a:t>15</a:t>
-            </a:r>
-            <a:endParaRPr lang="en-US" sz="1000" dirty="0">
-              <a:solidFill>
-                <a:schemeClr val="tx1"/>
-              </a:solidFill>
-            </a:endParaRPr>
-          </a:p>
-        </p:txBody>
-      </p:sp>
-      <p:sp>
-        <p:nvSpPr>
-          <p:cNvPr id="57" name="Pentagon 56"/>
-          <p:cNvSpPr/>
-          <p:nvPr/>
-        </p:nvSpPr>
-        <p:spPr>
-          <a:xfrm rot="16200000">
-            <a:off x="4411406" y="4883163"/>
-            <a:ext cx="355004" cy="215152"/>
-          </a:xfrm>
-          <a:prstGeom prst="homePlate">
-            <a:avLst/>
-          </a:prstGeom>
-          <a:solidFill>
-            <a:schemeClr val="accent4">
-              <a:lumMod val="40000"/>
-              <a:lumOff val="60000"/>
-            </a:schemeClr>
-          </a:solidFill>
-        </p:spPr>
-        <p:style>
-          <a:lnRef idx="2">
-            <a:schemeClr val="accent1">
-              <a:shade val="50000"/>
-            </a:schemeClr>
-          </a:lnRef>
-          <a:fillRef idx="1">
-            <a:schemeClr val="accent1"/>
-          </a:fillRef>
-          <a:effectRef idx="0">
-            <a:schemeClr val="accent1"/>
-          </a:effectRef>
-          <a:fontRef idx="minor">
-            <a:schemeClr val="lt1"/>
-          </a:fontRef>
-        </p:style>
-        <p:txBody>
-          <a:bodyPr vert="horz" lIns="0" tIns="0" rIns="0" bIns="0" rtlCol="0" anchor="ctr"/>
-          <a:lstStyle/>
-          <a:p>
-            <a:pPr algn="ctr"/>
-            <a:r>
-              <a:rPr lang="en-US" sz="1000" dirty="0" smtClean="0">
-                <a:solidFill>
-                  <a:schemeClr val="tx1"/>
-                </a:solidFill>
-              </a:rPr>
-              <a:t>16</a:t>
             </a:r>
             <a:endParaRPr lang="en-US" sz="1000" dirty="0">
               <a:solidFill>
@@ -8858,7 +8924,7 @@
         <p:spPr>
           <a:xfrm>
             <a:off x="5564392" y="1783420"/>
-            <a:ext cx="4089581" cy="3231654"/>
+            <a:ext cx="4182555" cy="3231654"/>
           </a:xfrm>
           <a:prstGeom prst="rect">
             <a:avLst/>
@@ -8948,15 +9014,184 @@
                 </a:solidFill>
                 <a:latin typeface="Menlo" charset="0"/>
               </a:rPr>
+              <a:t>1</a:t>
+            </a:r>
+            <a:r>
+              <a:rPr lang="is-IS" sz="1200" dirty="0" smtClean="0">
+                <a:solidFill>
+                  <a:srgbClr val="000000"/>
+                </a:solidFill>
+                <a:latin typeface="Menlo" charset="0"/>
+              </a:rPr>
+              <a:t>,</a:t>
+            </a:r>
+            <a:r>
+              <a:rPr lang="is-IS" sz="1200" dirty="0">
+                <a:solidFill>
+                  <a:srgbClr val="000000"/>
+                </a:solidFill>
+                <a:latin typeface="Menlo" charset="0"/>
+              </a:rPr>
+              <a:t>  </a:t>
+            </a:r>
+            <a:r>
+              <a:rPr lang="is-IS" sz="1200" dirty="0">
+                <a:solidFill>
+                  <a:srgbClr val="272AD8"/>
+                </a:solidFill>
+                <a:latin typeface="Menlo" charset="0"/>
+              </a:rPr>
+              <a:t>4</a:t>
+            </a:r>
+            <a:r>
+              <a:rPr lang="is-IS" sz="1200" dirty="0" smtClean="0">
+                <a:solidFill>
+                  <a:srgbClr val="000000"/>
+                </a:solidFill>
+                <a:latin typeface="Menlo" charset="0"/>
+              </a:rPr>
+              <a:t>],</a:t>
+            </a:r>
+            <a:endParaRPr lang="is-IS" sz="1200" dirty="0">
+              <a:solidFill>
+                <a:srgbClr val="000000"/>
+              </a:solidFill>
+              <a:latin typeface="Menlo" charset="0"/>
+            </a:endParaRPr>
+          </a:p>
+          <a:p>
+            <a:r>
+              <a:rPr lang="is-IS" sz="1200" dirty="0">
+                <a:solidFill>
+                  <a:srgbClr val="000000"/>
+                </a:solidFill>
+                <a:latin typeface="Menlo" charset="0"/>
+              </a:rPr>
+              <a:t>                         [</a:t>
+            </a:r>
+            <a:r>
+              <a:rPr lang="is-IS" sz="1200" dirty="0">
+                <a:solidFill>
+                  <a:srgbClr val="272AD8"/>
+                </a:solidFill>
+                <a:latin typeface="Menlo" charset="0"/>
+              </a:rPr>
+              <a:t>-1</a:t>
+            </a:r>
+            <a:r>
+              <a:rPr lang="is-IS" sz="1200" dirty="0">
+                <a:solidFill>
+                  <a:srgbClr val="000000"/>
+                </a:solidFill>
+                <a:latin typeface="Menlo" charset="0"/>
+              </a:rPr>
+              <a:t>,  </a:t>
+            </a:r>
+            <a:r>
+              <a:rPr lang="is-IS" sz="1200" dirty="0">
+                <a:solidFill>
+                  <a:srgbClr val="272AD8"/>
+                </a:solidFill>
+                <a:latin typeface="Menlo" charset="0"/>
+              </a:rPr>
+              <a:t>0</a:t>
+            </a:r>
+            <a:r>
+              <a:rPr lang="is-IS" sz="1200" dirty="0" smtClean="0">
+                <a:solidFill>
+                  <a:srgbClr val="000000"/>
+                </a:solidFill>
+                <a:latin typeface="Menlo" charset="0"/>
+              </a:rPr>
+              <a:t>,</a:t>
+            </a:r>
+            <a:r>
+              <a:rPr lang="is-IS" sz="1200" dirty="0">
+                <a:solidFill>
+                  <a:srgbClr val="000000"/>
+                </a:solidFill>
+                <a:latin typeface="Menlo" charset="0"/>
+              </a:rPr>
+              <a:t>  </a:t>
+            </a:r>
+            <a:r>
+              <a:rPr lang="is-IS" sz="1200" dirty="0">
+                <a:solidFill>
+                  <a:srgbClr val="272AD8"/>
+                </a:solidFill>
+                <a:latin typeface="Menlo" charset="0"/>
+              </a:rPr>
               <a:t>2</a:t>
             </a:r>
             <a:r>
+              <a:rPr lang="is-IS" sz="1200" dirty="0" smtClean="0">
+                <a:solidFill>
+                  <a:srgbClr val="000000"/>
+                </a:solidFill>
+                <a:latin typeface="Menlo" charset="0"/>
+              </a:rPr>
+              <a:t>,</a:t>
+            </a:r>
+            <a:r>
               <a:rPr lang="is-IS" sz="1200" dirty="0">
                 <a:solidFill>
                   <a:srgbClr val="000000"/>
                 </a:solidFill>
                 <a:latin typeface="Menlo" charset="0"/>
               </a:rPr>
+              <a:t>  </a:t>
+            </a:r>
+            <a:r>
+              <a:rPr lang="is-IS" sz="1200" dirty="0">
+                <a:solidFill>
+                  <a:srgbClr val="272AD8"/>
+                </a:solidFill>
+                <a:latin typeface="Menlo" charset="0"/>
+              </a:rPr>
+              <a:t>5</a:t>
+            </a:r>
+            <a:r>
+              <a:rPr lang="is-IS" sz="1200" dirty="0" smtClean="0">
+                <a:solidFill>
+                  <a:srgbClr val="000000"/>
+                </a:solidFill>
+                <a:latin typeface="Menlo" charset="0"/>
+              </a:rPr>
+              <a:t>],</a:t>
+            </a:r>
+            <a:endParaRPr lang="is-IS" sz="1200" dirty="0">
+              <a:solidFill>
+                <a:srgbClr val="000000"/>
+              </a:solidFill>
+              <a:latin typeface="Menlo" charset="0"/>
+            </a:endParaRPr>
+          </a:p>
+          <a:p>
+            <a:r>
+              <a:rPr lang="is-IS" sz="1200" dirty="0">
+                <a:solidFill>
+                  <a:srgbClr val="000000"/>
+                </a:solidFill>
+                <a:latin typeface="Menlo" charset="0"/>
+              </a:rPr>
+              <a:t>                         [</a:t>
+            </a:r>
+            <a:r>
+              <a:rPr lang="is-IS" sz="1200" dirty="0">
+                <a:solidFill>
+                  <a:srgbClr val="272AD8"/>
+                </a:solidFill>
+                <a:latin typeface="Menlo" charset="0"/>
+              </a:rPr>
+              <a:t>-1</a:t>
+            </a:r>
+            <a:r>
+              <a:rPr lang="is-IS" sz="1200" dirty="0">
+                <a:solidFill>
+                  <a:srgbClr val="000000"/>
+                </a:solidFill>
+                <a:latin typeface="Menlo" charset="0"/>
+              </a:rPr>
               <a:t>,  </a:t>
             </a:r>
             <a:r>
@@ -8966,17 +9201,264 @@
                 </a:solidFill>
                 <a:latin typeface="Menlo" charset="0"/>
               </a:rPr>
+              <a:t>1</a:t>
+            </a:r>
+            <a:r>
+              <a:rPr lang="is-IS" sz="1200" dirty="0" smtClean="0">
+                <a:solidFill>
+                  <a:srgbClr val="000000"/>
+                </a:solidFill>
+                <a:latin typeface="Menlo" charset="0"/>
+              </a:rPr>
+              <a:t>,</a:t>
+            </a:r>
+            <a:r>
+              <a:rPr lang="is-IS" sz="1200" dirty="0">
+                <a:solidFill>
+                  <a:srgbClr val="000000"/>
+                </a:solidFill>
+                <a:latin typeface="Menlo" charset="0"/>
+              </a:rPr>
+              <a:t>  </a:t>
+            </a:r>
+            <a:r>
+              <a:rPr lang="is-IS" sz="1200" dirty="0">
+                <a:solidFill>
+                  <a:srgbClr val="272AD8"/>
+                </a:solidFill>
+                <a:latin typeface="Menlo" charset="0"/>
+              </a:rPr>
+              <a:t>3</a:t>
+            </a:r>
+            <a:r>
+              <a:rPr lang="is-IS" sz="1200" dirty="0" smtClean="0">
+                <a:solidFill>
+                  <a:srgbClr val="000000"/>
+                </a:solidFill>
+                <a:latin typeface="Menlo" charset="0"/>
+              </a:rPr>
+              <a:t>,</a:t>
+            </a:r>
+            <a:r>
+              <a:rPr lang="is-IS" sz="1200" dirty="0">
+                <a:solidFill>
+                  <a:srgbClr val="000000"/>
+                </a:solidFill>
+                <a:latin typeface="Menlo" charset="0"/>
+              </a:rPr>
+              <a:t>  </a:t>
+            </a:r>
+            <a:r>
+              <a:rPr lang="is-IS" sz="1200" dirty="0">
+                <a:solidFill>
+                  <a:srgbClr val="272AD8"/>
+                </a:solidFill>
+                <a:latin typeface="Menlo" charset="0"/>
+              </a:rPr>
+              <a:t>6</a:t>
+            </a:r>
+            <a:r>
+              <a:rPr lang="is-IS" sz="1200" dirty="0" smtClean="0">
+                <a:solidFill>
+                  <a:srgbClr val="000000"/>
+                </a:solidFill>
+                <a:latin typeface="Menlo" charset="0"/>
+              </a:rPr>
+              <a:t>],</a:t>
+            </a:r>
+            <a:endParaRPr lang="is-IS" sz="1200" dirty="0">
+              <a:solidFill>
+                <a:srgbClr val="000000"/>
+              </a:solidFill>
+              <a:latin typeface="Menlo" charset="0"/>
+            </a:endParaRPr>
+          </a:p>
+          <a:p>
+            <a:r>
+              <a:rPr lang="is-IS" sz="1200" dirty="0">
+                <a:solidFill>
+                  <a:srgbClr val="000000"/>
+                </a:solidFill>
+                <a:latin typeface="Menlo" charset="0"/>
+              </a:rPr>
+              <a:t>                         [</a:t>
+            </a:r>
+            <a:r>
+              <a:rPr lang="is-IS" sz="1200" dirty="0">
+                <a:solidFill>
+                  <a:srgbClr val="272AD8"/>
+                </a:solidFill>
+                <a:latin typeface="Menlo" charset="0"/>
+              </a:rPr>
+              <a:t>-1</a:t>
+            </a:r>
+            <a:r>
+              <a:rPr lang="is-IS" sz="1200" dirty="0">
+                <a:solidFill>
+                  <a:srgbClr val="000000"/>
+                </a:solidFill>
+                <a:latin typeface="Menlo" charset="0"/>
+              </a:rPr>
+              <a:t>,  </a:t>
+            </a:r>
+            <a:r>
+              <a:rPr lang="is-IS" sz="1200" dirty="0">
+                <a:solidFill>
+                  <a:srgbClr val="272AD8"/>
+                </a:solidFill>
+                <a:latin typeface="Menlo" charset="0"/>
+              </a:rPr>
+              <a:t>2</a:t>
+            </a:r>
+            <a:r>
+              <a:rPr lang="is-IS" sz="1200" dirty="0" smtClean="0">
+                <a:solidFill>
+                  <a:srgbClr val="000000"/>
+                </a:solidFill>
+                <a:latin typeface="Menlo" charset="0"/>
+              </a:rPr>
+              <a:t>, </a:t>
+            </a:r>
+            <a:r>
+              <a:rPr lang="is-IS" sz="1200" dirty="0">
+                <a:solidFill>
+                  <a:srgbClr val="272AD8"/>
+                </a:solidFill>
+                <a:latin typeface="Menlo" charset="0"/>
+              </a:rPr>
+              <a:t>-1</a:t>
+            </a:r>
+            <a:r>
+              <a:rPr lang="is-IS" sz="1200" dirty="0">
+                <a:solidFill>
+                  <a:srgbClr val="000000"/>
+                </a:solidFill>
+                <a:latin typeface="Menlo" charset="0"/>
+              </a:rPr>
+              <a:t>,  </a:t>
+            </a:r>
+            <a:r>
+              <a:rPr lang="is-IS" sz="1200" dirty="0">
+                <a:solidFill>
+                  <a:srgbClr val="272AD8"/>
+                </a:solidFill>
+                <a:latin typeface="Menlo" charset="0"/>
+              </a:rPr>
+              <a:t>7</a:t>
+            </a:r>
+            <a:r>
+              <a:rPr lang="is-IS" sz="1200" dirty="0" smtClean="0">
+                <a:solidFill>
+                  <a:srgbClr val="000000"/>
+                </a:solidFill>
+                <a:latin typeface="Menlo" charset="0"/>
+              </a:rPr>
+              <a:t>],</a:t>
+            </a:r>
+            <a:endParaRPr lang="is-IS" sz="1200" dirty="0">
+              <a:solidFill>
+                <a:srgbClr val="000000"/>
+              </a:solidFill>
+              <a:latin typeface="Menlo" charset="0"/>
+            </a:endParaRPr>
+          </a:p>
+          <a:p>
+            <a:r>
+              <a:rPr lang="is-IS" sz="1200" dirty="0">
+                <a:solidFill>
+                  <a:srgbClr val="000000"/>
+                </a:solidFill>
+                <a:latin typeface="Menlo" charset="0"/>
+              </a:rPr>
+              <a:t>                         [ </a:t>
+            </a:r>
+            <a:r>
+              <a:rPr lang="is-IS" sz="1200" dirty="0">
+                <a:solidFill>
+                  <a:srgbClr val="272AD8"/>
+                </a:solidFill>
+                <a:latin typeface="Menlo" charset="0"/>
+              </a:rPr>
+              <a:t>0</a:t>
+            </a:r>
+            <a:r>
+              <a:rPr lang="is-IS" sz="1200" dirty="0" smtClean="0">
+                <a:solidFill>
+                  <a:srgbClr val="000000"/>
+                </a:solidFill>
+                <a:latin typeface="Menlo" charset="0"/>
+              </a:rPr>
+              <a:t>, </a:t>
+            </a:r>
+            <a:r>
+              <a:rPr lang="is-IS" sz="1200" dirty="0">
+                <a:solidFill>
+                  <a:srgbClr val="272AD8"/>
+                </a:solidFill>
+                <a:latin typeface="Menlo" charset="0"/>
+              </a:rPr>
+              <a:t>-1</a:t>
+            </a:r>
+            <a:r>
+              <a:rPr lang="is-IS" sz="1200" dirty="0">
+                <a:solidFill>
+                  <a:srgbClr val="000000"/>
+                </a:solidFill>
+                <a:latin typeface="Menlo" charset="0"/>
+              </a:rPr>
+              <a:t>,  </a:t>
+            </a:r>
+            <a:r>
+              <a:rPr lang="is-IS" sz="1200" dirty="0">
+                <a:solidFill>
+                  <a:srgbClr val="272AD8"/>
+                </a:solidFill>
+                <a:latin typeface="Menlo" charset="0"/>
+              </a:rPr>
               <a:t>5</a:t>
             </a:r>
             <a:r>
+              <a:rPr lang="is-IS" sz="1200" dirty="0" smtClean="0">
+                <a:solidFill>
+                  <a:srgbClr val="000000"/>
+                </a:solidFill>
+                <a:latin typeface="Menlo" charset="0"/>
+              </a:rPr>
+              <a:t>,</a:t>
+            </a:r>
+            <a:r>
               <a:rPr lang="is-IS" sz="1200" dirty="0">
                 <a:solidFill>
                   <a:srgbClr val="000000"/>
                 </a:solidFill>
                 <a:latin typeface="Menlo" charset="0"/>
               </a:rPr>
+              <a:t>  </a:t>
+            </a:r>
+            <a:r>
+              <a:rPr lang="is-IS" sz="1200" dirty="0">
+                <a:solidFill>
+                  <a:srgbClr val="272AD8"/>
+                </a:solidFill>
+                <a:latin typeface="Menlo" charset="0"/>
+              </a:rPr>
+              <a:t>8</a:t>
+            </a:r>
+            <a:r>
+              <a:rPr lang="is-IS" sz="1200" dirty="0" smtClean="0">
+                <a:solidFill>
+                  <a:srgbClr val="000000"/>
+                </a:solidFill>
+                <a:latin typeface="Menlo" charset="0"/>
+              </a:rPr>
               <a:t>],</a:t>
             </a:r>
+            <a:endParaRPr lang="is-IS" sz="1200" dirty="0">
+              <a:solidFill>
+                <a:srgbClr val="000000"/>
+              </a:solidFill>
+              <a:latin typeface="Menlo" charset="0"/>
+            </a:endParaRPr>
           </a:p>
           <a:p>
             <a:r>
@@ -8986,9 +9468,933 @@
                 </a:solidFill>
                 <a:latin typeface="Menlo" charset="0"/>
               </a:rPr>
+              <a:t>                         [ </a:t>
+            </a:r>
+            <a:r>
+              <a:rPr lang="is-IS" sz="1200" dirty="0">
+                <a:solidFill>
+                  <a:srgbClr val="272AD8"/>
+                </a:solidFill>
+                <a:latin typeface="Menlo" charset="0"/>
+              </a:rPr>
+              <a:t>1</a:t>
+            </a:r>
+            <a:r>
+              <a:rPr lang="is-IS" sz="1200" dirty="0" smtClean="0">
+                <a:solidFill>
+                  <a:srgbClr val="000000"/>
+                </a:solidFill>
+                <a:latin typeface="Menlo" charset="0"/>
+              </a:rPr>
+              <a:t>,</a:t>
+            </a:r>
+            <a:r>
+              <a:rPr lang="is-IS" sz="1200" dirty="0">
+                <a:solidFill>
+                  <a:srgbClr val="000000"/>
+                </a:solidFill>
+                <a:latin typeface="Menlo" charset="0"/>
+              </a:rPr>
+              <a:t>  </a:t>
+            </a:r>
+            <a:r>
+              <a:rPr lang="is-IS" sz="1200" dirty="0">
+                <a:solidFill>
+                  <a:srgbClr val="272AD8"/>
+                </a:solidFill>
+                <a:latin typeface="Menlo" charset="0"/>
+              </a:rPr>
+              <a:t>4</a:t>
+            </a:r>
+            <a:r>
+              <a:rPr lang="is-IS" sz="1200" dirty="0" smtClean="0">
+                <a:solidFill>
+                  <a:srgbClr val="000000"/>
+                </a:solidFill>
+                <a:latin typeface="Menlo" charset="0"/>
+              </a:rPr>
+              <a:t>,</a:t>
+            </a:r>
+            <a:r>
+              <a:rPr lang="is-IS" sz="1200" dirty="0">
+                <a:solidFill>
+                  <a:srgbClr val="000000"/>
+                </a:solidFill>
+                <a:latin typeface="Menlo" charset="0"/>
+              </a:rPr>
+              <a:t>  </a:t>
+            </a:r>
+            <a:r>
+              <a:rPr lang="is-IS" sz="1200" dirty="0">
+                <a:solidFill>
+                  <a:srgbClr val="272AD8"/>
+                </a:solidFill>
+                <a:latin typeface="Menlo" charset="0"/>
+              </a:rPr>
+              <a:t>6</a:t>
+            </a:r>
+            <a:r>
+              <a:rPr lang="is-IS" sz="1200" dirty="0" smtClean="0">
+                <a:solidFill>
+                  <a:srgbClr val="000000"/>
+                </a:solidFill>
+                <a:latin typeface="Menlo" charset="0"/>
+              </a:rPr>
+              <a:t>,  </a:t>
+            </a:r>
+            <a:r>
+              <a:rPr lang="is-IS" sz="1200" dirty="0" smtClean="0">
+                <a:solidFill>
+                  <a:srgbClr val="272AD8"/>
+                </a:solidFill>
+                <a:latin typeface="Menlo" charset="0"/>
+              </a:rPr>
+              <a:t>9</a:t>
+            </a:r>
+            <a:r>
+              <a:rPr lang="is-IS" sz="1200" dirty="0" smtClean="0">
+                <a:solidFill>
+                  <a:srgbClr val="000000"/>
+                </a:solidFill>
+                <a:latin typeface="Menlo" charset="0"/>
+              </a:rPr>
+              <a:t>],</a:t>
+            </a:r>
+            <a:endParaRPr lang="is-IS" sz="1200" dirty="0">
+              <a:solidFill>
+                <a:srgbClr val="000000"/>
+              </a:solidFill>
+              <a:latin typeface="Menlo" charset="0"/>
+            </a:endParaRPr>
+          </a:p>
+          <a:p>
+            <a:r>
+              <a:rPr lang="is-IS" sz="1200" dirty="0">
+                <a:solidFill>
+                  <a:srgbClr val="000000"/>
+                </a:solidFill>
+                <a:latin typeface="Menlo" charset="0"/>
+              </a:rPr>
+              <a:t>                         [ </a:t>
+            </a:r>
+            <a:r>
+              <a:rPr lang="is-IS" sz="1200" dirty="0">
+                <a:solidFill>
+                  <a:srgbClr val="272AD8"/>
+                </a:solidFill>
+                <a:latin typeface="Menlo" charset="0"/>
+              </a:rPr>
+              <a:t>2</a:t>
+            </a:r>
+            <a:r>
+              <a:rPr lang="is-IS" sz="1200" dirty="0" smtClean="0">
+                <a:solidFill>
+                  <a:srgbClr val="000000"/>
+                </a:solidFill>
+                <a:latin typeface="Menlo" charset="0"/>
+              </a:rPr>
+              <a:t>,</a:t>
+            </a:r>
+            <a:r>
+              <a:rPr lang="is-IS" sz="1200" dirty="0">
+                <a:solidFill>
+                  <a:srgbClr val="000000"/>
+                </a:solidFill>
+                <a:latin typeface="Menlo" charset="0"/>
+              </a:rPr>
+              <a:t>  </a:t>
+            </a:r>
+            <a:r>
+              <a:rPr lang="is-IS" sz="1200" dirty="0">
+                <a:solidFill>
+                  <a:srgbClr val="272AD8"/>
+                </a:solidFill>
+                <a:latin typeface="Menlo" charset="0"/>
+              </a:rPr>
+              <a:t>5</a:t>
+            </a:r>
+            <a:r>
+              <a:rPr lang="is-IS" sz="1200" dirty="0" smtClean="0">
+                <a:solidFill>
+                  <a:srgbClr val="000000"/>
+                </a:solidFill>
+                <a:latin typeface="Menlo" charset="0"/>
+              </a:rPr>
+              <a:t>,</a:t>
+            </a:r>
+            <a:r>
+              <a:rPr lang="is-IS" sz="1200" dirty="0">
+                <a:solidFill>
+                  <a:srgbClr val="000000"/>
+                </a:solidFill>
+                <a:latin typeface="Menlo" charset="0"/>
+              </a:rPr>
+              <a:t>  </a:t>
+            </a:r>
+            <a:r>
+              <a:rPr lang="is-IS" sz="1200" dirty="0">
+                <a:solidFill>
+                  <a:srgbClr val="272AD8"/>
+                </a:solidFill>
+                <a:latin typeface="Menlo" charset="0"/>
+              </a:rPr>
+              <a:t>7</a:t>
+            </a:r>
+            <a:r>
+              <a:rPr lang="is-IS" sz="1200" dirty="0" smtClean="0">
+                <a:solidFill>
+                  <a:srgbClr val="000000"/>
+                </a:solidFill>
+                <a:latin typeface="Menlo" charset="0"/>
+              </a:rPr>
+              <a:t>, </a:t>
+            </a:r>
+            <a:r>
+              <a:rPr lang="is-IS" sz="1200" dirty="0" smtClean="0">
+                <a:solidFill>
+                  <a:srgbClr val="272AD8"/>
+                </a:solidFill>
+                <a:latin typeface="Menlo" charset="0"/>
+              </a:rPr>
+              <a:t>10</a:t>
+            </a:r>
+            <a:r>
+              <a:rPr lang="is-IS" sz="1200" dirty="0" smtClean="0">
+                <a:solidFill>
+                  <a:srgbClr val="000000"/>
+                </a:solidFill>
+                <a:latin typeface="Menlo" charset="0"/>
+              </a:rPr>
+              <a:t>],</a:t>
+            </a:r>
+            <a:endParaRPr lang="is-IS" sz="1200" dirty="0">
+              <a:solidFill>
+                <a:srgbClr val="000000"/>
+              </a:solidFill>
+              <a:latin typeface="Menlo" charset="0"/>
+            </a:endParaRPr>
+          </a:p>
+          <a:p>
+            <a:r>
+              <a:rPr lang="is-IS" sz="1200" dirty="0">
+                <a:solidFill>
+                  <a:srgbClr val="000000"/>
+                </a:solidFill>
+                <a:latin typeface="Menlo" charset="0"/>
+              </a:rPr>
+              <a:t>                         [ </a:t>
+            </a:r>
+            <a:r>
+              <a:rPr lang="is-IS" sz="1200" dirty="0">
+                <a:solidFill>
+                  <a:srgbClr val="272AD8"/>
+                </a:solidFill>
+                <a:latin typeface="Menlo" charset="0"/>
+              </a:rPr>
+              <a:t>3</a:t>
+            </a:r>
+            <a:r>
+              <a:rPr lang="is-IS" sz="1200" dirty="0" smtClean="0">
+                <a:solidFill>
+                  <a:srgbClr val="000000"/>
+                </a:solidFill>
+                <a:latin typeface="Menlo" charset="0"/>
+              </a:rPr>
+              <a:t>,</a:t>
+            </a:r>
+            <a:r>
+              <a:rPr lang="is-IS" sz="1200" dirty="0">
+                <a:solidFill>
+                  <a:srgbClr val="000000"/>
+                </a:solidFill>
+                <a:latin typeface="Menlo" charset="0"/>
+              </a:rPr>
+              <a:t>  </a:t>
+            </a:r>
+            <a:r>
+              <a:rPr lang="is-IS" sz="1200" dirty="0">
+                <a:solidFill>
+                  <a:srgbClr val="272AD8"/>
+                </a:solidFill>
+                <a:latin typeface="Menlo" charset="0"/>
+              </a:rPr>
+              <a:t>6</a:t>
+            </a:r>
+            <a:r>
+              <a:rPr lang="is-IS" sz="1200" dirty="0" smtClean="0">
+                <a:solidFill>
+                  <a:srgbClr val="000000"/>
+                </a:solidFill>
+                <a:latin typeface="Menlo" charset="0"/>
+              </a:rPr>
+              <a:t>, </a:t>
+            </a:r>
+            <a:r>
+              <a:rPr lang="is-IS" sz="1200" dirty="0">
+                <a:solidFill>
+                  <a:srgbClr val="272AD8"/>
+                </a:solidFill>
+                <a:latin typeface="Menlo" charset="0"/>
+              </a:rPr>
+              <a:t>-1</a:t>
+            </a:r>
+            <a:r>
+              <a:rPr lang="is-IS" sz="1200" dirty="0">
+                <a:solidFill>
+                  <a:srgbClr val="000000"/>
+                </a:solidFill>
+                <a:latin typeface="Menlo" charset="0"/>
+              </a:rPr>
+              <a:t>, </a:t>
+            </a:r>
+            <a:r>
+              <a:rPr lang="is-IS" sz="1200" dirty="0" smtClean="0">
+                <a:solidFill>
+                  <a:srgbClr val="272AD8"/>
+                </a:solidFill>
+                <a:latin typeface="Menlo" charset="0"/>
+              </a:rPr>
+              <a:t>11</a:t>
+            </a:r>
+            <a:r>
+              <a:rPr lang="is-IS" sz="1200" dirty="0" smtClean="0">
+                <a:solidFill>
+                  <a:srgbClr val="000000"/>
+                </a:solidFill>
+                <a:latin typeface="Menlo" charset="0"/>
+              </a:rPr>
+              <a:t>],</a:t>
+            </a:r>
+            <a:endParaRPr lang="is-IS" sz="1200" dirty="0">
+              <a:solidFill>
+                <a:srgbClr val="000000"/>
+              </a:solidFill>
+              <a:latin typeface="Menlo" charset="0"/>
+            </a:endParaRPr>
+          </a:p>
+          <a:p>
+            <a:r>
+              <a:rPr lang="is-IS" sz="1200" dirty="0">
+                <a:solidFill>
+                  <a:srgbClr val="000000"/>
+                </a:solidFill>
+                <a:latin typeface="Menlo" charset="0"/>
+              </a:rPr>
+              <a:t>                         [ </a:t>
+            </a:r>
+            <a:r>
+              <a:rPr lang="is-IS" sz="1200" dirty="0">
+                <a:solidFill>
+                  <a:srgbClr val="272AD8"/>
+                </a:solidFill>
+                <a:latin typeface="Menlo" charset="0"/>
+              </a:rPr>
+              <a:t>4</a:t>
+            </a:r>
+            <a:r>
+              <a:rPr lang="is-IS" sz="1200" dirty="0" smtClean="0">
+                <a:solidFill>
+                  <a:srgbClr val="000000"/>
+                </a:solidFill>
+                <a:latin typeface="Menlo" charset="0"/>
+              </a:rPr>
+              <a:t>, </a:t>
+            </a:r>
+            <a:r>
+              <a:rPr lang="is-IS" sz="1200" dirty="0">
+                <a:solidFill>
+                  <a:srgbClr val="272AD8"/>
+                </a:solidFill>
+                <a:latin typeface="Menlo" charset="0"/>
+              </a:rPr>
+              <a:t>-1</a:t>
+            </a:r>
+            <a:r>
+              <a:rPr lang="is-IS" sz="1200" dirty="0">
+                <a:solidFill>
+                  <a:srgbClr val="000000"/>
+                </a:solidFill>
+                <a:latin typeface="Menlo" charset="0"/>
+              </a:rPr>
+              <a:t>, </a:t>
+            </a:r>
+            <a:r>
+              <a:rPr lang="is-IS" sz="1200" dirty="0">
+                <a:solidFill>
+                  <a:srgbClr val="272AD8"/>
+                </a:solidFill>
+                <a:latin typeface="Menlo" charset="0"/>
+              </a:rPr>
+              <a:t> 9</a:t>
+            </a:r>
+            <a:r>
+              <a:rPr lang="is-IS" sz="1200" dirty="0" smtClean="0">
+                <a:solidFill>
+                  <a:srgbClr val="000000"/>
+                </a:solidFill>
+                <a:latin typeface="Menlo" charset="0"/>
+              </a:rPr>
+              <a:t>, </a:t>
+            </a:r>
+            <a:r>
+              <a:rPr lang="is-IS" sz="1200" dirty="0" smtClean="0">
+                <a:solidFill>
+                  <a:srgbClr val="272AD8"/>
+                </a:solidFill>
+                <a:latin typeface="Menlo" charset="0"/>
+              </a:rPr>
+              <a:t>12</a:t>
+            </a:r>
+            <a:r>
+              <a:rPr lang="is-IS" sz="1200" dirty="0" smtClean="0">
+                <a:solidFill>
+                  <a:srgbClr val="000000"/>
+                </a:solidFill>
+                <a:latin typeface="Menlo" charset="0"/>
+              </a:rPr>
+              <a:t>],</a:t>
+            </a:r>
+            <a:endParaRPr lang="is-IS" sz="1200" dirty="0">
+              <a:solidFill>
+                <a:srgbClr val="000000"/>
+              </a:solidFill>
+              <a:latin typeface="Menlo" charset="0"/>
+            </a:endParaRPr>
+          </a:p>
+          <a:p>
+            <a:r>
+              <a:rPr lang="is-IS" sz="1200" dirty="0">
+                <a:solidFill>
+                  <a:srgbClr val="000000"/>
+                </a:solidFill>
+                <a:latin typeface="Menlo" charset="0"/>
+              </a:rPr>
+              <a:t>                         [ </a:t>
+            </a:r>
+            <a:r>
+              <a:rPr lang="is-IS" sz="1200" dirty="0">
+                <a:solidFill>
+                  <a:srgbClr val="272AD8"/>
+                </a:solidFill>
+                <a:latin typeface="Menlo" charset="0"/>
+              </a:rPr>
+              <a:t>5</a:t>
+            </a:r>
+            <a:r>
+              <a:rPr lang="is-IS" sz="1200" dirty="0" smtClean="0">
+                <a:solidFill>
+                  <a:srgbClr val="000000"/>
+                </a:solidFill>
+                <a:latin typeface="Menlo" charset="0"/>
+              </a:rPr>
+              <a:t>,</a:t>
+            </a:r>
+            <a:r>
+              <a:rPr lang="is-IS" sz="1200" dirty="0">
+                <a:solidFill>
+                  <a:srgbClr val="000000"/>
+                </a:solidFill>
+                <a:latin typeface="Menlo" charset="0"/>
+              </a:rPr>
+              <a:t>  </a:t>
+            </a:r>
+            <a:r>
+              <a:rPr lang="is-IS" sz="1200" dirty="0">
+                <a:solidFill>
+                  <a:srgbClr val="272AD8"/>
+                </a:solidFill>
+                <a:latin typeface="Menlo" charset="0"/>
+              </a:rPr>
+              <a:t>8</a:t>
+            </a:r>
+            <a:r>
+              <a:rPr lang="is-IS" sz="1200" dirty="0" smtClean="0">
+                <a:solidFill>
+                  <a:srgbClr val="000000"/>
+                </a:solidFill>
+                <a:latin typeface="Menlo" charset="0"/>
+              </a:rPr>
+              <a:t>, </a:t>
+            </a:r>
+            <a:r>
+              <a:rPr lang="is-IS" sz="1200" dirty="0" smtClean="0">
+                <a:solidFill>
+                  <a:srgbClr val="272AD8"/>
+                </a:solidFill>
+                <a:latin typeface="Menlo" charset="0"/>
+              </a:rPr>
+              <a:t>10</a:t>
+            </a:r>
+            <a:r>
+              <a:rPr lang="is-IS" sz="1200" dirty="0" smtClean="0">
+                <a:solidFill>
+                  <a:srgbClr val="000000"/>
+                </a:solidFill>
+                <a:latin typeface="Menlo" charset="0"/>
+              </a:rPr>
+              <a:t>, </a:t>
+            </a:r>
+            <a:r>
+              <a:rPr lang="is-IS" sz="1200" dirty="0" smtClean="0">
+                <a:solidFill>
+                  <a:srgbClr val="272AD8"/>
+                </a:solidFill>
+                <a:latin typeface="Menlo" charset="0"/>
+              </a:rPr>
+              <a:t>13</a:t>
+            </a:r>
+            <a:r>
+              <a:rPr lang="is-IS" sz="1200" dirty="0" smtClean="0">
+                <a:solidFill>
+                  <a:srgbClr val="000000"/>
+                </a:solidFill>
+                <a:latin typeface="Menlo" charset="0"/>
+              </a:rPr>
+              <a:t>],</a:t>
+            </a:r>
+            <a:endParaRPr lang="is-IS" sz="1200" dirty="0">
+              <a:solidFill>
+                <a:srgbClr val="000000"/>
+              </a:solidFill>
+              <a:latin typeface="Menlo" charset="0"/>
+            </a:endParaRPr>
+          </a:p>
+          <a:p>
+            <a:r>
+              <a:rPr lang="is-IS" sz="1200" dirty="0">
+                <a:solidFill>
+                  <a:srgbClr val="000000"/>
+                </a:solidFill>
+                <a:latin typeface="Menlo" charset="0"/>
+              </a:rPr>
+              <a:t>                         [ </a:t>
+            </a:r>
+            <a:r>
+              <a:rPr lang="is-IS" sz="1200" dirty="0">
+                <a:solidFill>
+                  <a:srgbClr val="272AD8"/>
+                </a:solidFill>
+                <a:latin typeface="Menlo" charset="0"/>
+              </a:rPr>
+              <a:t>6</a:t>
+            </a:r>
+            <a:r>
+              <a:rPr lang="is-IS" sz="1200" dirty="0" smtClean="0">
+                <a:solidFill>
+                  <a:srgbClr val="000000"/>
+                </a:solidFill>
+                <a:latin typeface="Menlo" charset="0"/>
+              </a:rPr>
+              <a:t>, </a:t>
+            </a:r>
+            <a:r>
+              <a:rPr lang="is-IS" sz="1200" dirty="0">
+                <a:solidFill>
+                  <a:srgbClr val="272AD8"/>
+                </a:solidFill>
+                <a:latin typeface="Menlo" charset="0"/>
+              </a:rPr>
+              <a:t> </a:t>
+            </a:r>
+            <a:r>
+              <a:rPr lang="is-IS" sz="1200" dirty="0" smtClean="0">
+                <a:solidFill>
+                  <a:srgbClr val="272AD8"/>
+                </a:solidFill>
+                <a:latin typeface="Menlo" charset="0"/>
+              </a:rPr>
+              <a:t>9</a:t>
+            </a:r>
+            <a:r>
+              <a:rPr lang="is-IS" sz="1200" dirty="0" smtClean="0">
+                <a:solidFill>
+                  <a:srgbClr val="000000"/>
+                </a:solidFill>
+                <a:latin typeface="Menlo" charset="0"/>
+              </a:rPr>
+              <a:t>, </a:t>
+            </a:r>
+            <a:r>
+              <a:rPr lang="is-IS" sz="1200" dirty="0" smtClean="0">
+                <a:solidFill>
+                  <a:srgbClr val="272AD8"/>
+                </a:solidFill>
+                <a:latin typeface="Menlo" charset="0"/>
+              </a:rPr>
+              <a:t>11</a:t>
+            </a:r>
+            <a:r>
+              <a:rPr lang="is-IS" sz="1200" dirty="0" smtClean="0">
+                <a:solidFill>
+                  <a:srgbClr val="000000"/>
+                </a:solidFill>
+                <a:latin typeface="Menlo" charset="0"/>
+              </a:rPr>
+              <a:t>, </a:t>
+            </a:r>
+            <a:r>
+              <a:rPr lang="is-IS" sz="1200" dirty="0" smtClean="0">
+                <a:solidFill>
+                  <a:srgbClr val="272AD8"/>
+                </a:solidFill>
+                <a:latin typeface="Menlo" charset="0"/>
+              </a:rPr>
+              <a:t>14</a:t>
+            </a:r>
+            <a:r>
+              <a:rPr lang="is-IS" sz="1200" dirty="0" smtClean="0">
+                <a:solidFill>
+                  <a:srgbClr val="000000"/>
+                </a:solidFill>
+                <a:latin typeface="Menlo" charset="0"/>
+              </a:rPr>
+              <a:t>],</a:t>
+            </a:r>
+            <a:endParaRPr lang="is-IS" sz="1200" dirty="0">
+              <a:solidFill>
+                <a:srgbClr val="000000"/>
+              </a:solidFill>
+              <a:latin typeface="Menlo" charset="0"/>
+            </a:endParaRPr>
+          </a:p>
+          <a:p>
+            <a:r>
+              <a:rPr lang="is-IS" sz="1200" dirty="0">
+                <a:solidFill>
+                  <a:srgbClr val="000000"/>
+                </a:solidFill>
+                <a:latin typeface="Menlo" charset="0"/>
+              </a:rPr>
+              <a:t>                         [ </a:t>
+            </a:r>
+            <a:r>
+              <a:rPr lang="is-IS" sz="1200" dirty="0">
+                <a:solidFill>
+                  <a:srgbClr val="272AD8"/>
+                </a:solidFill>
+                <a:latin typeface="Menlo" charset="0"/>
+              </a:rPr>
+              <a:t>7</a:t>
+            </a:r>
+            <a:r>
+              <a:rPr lang="is-IS" sz="1200" dirty="0" smtClean="0">
+                <a:solidFill>
+                  <a:srgbClr val="000000"/>
+                </a:solidFill>
+                <a:latin typeface="Menlo" charset="0"/>
+              </a:rPr>
+              <a:t>, </a:t>
+            </a:r>
+            <a:r>
+              <a:rPr lang="is-IS" sz="1200" dirty="0" smtClean="0">
+                <a:solidFill>
+                  <a:srgbClr val="272AD8"/>
+                </a:solidFill>
+                <a:latin typeface="Menlo" charset="0"/>
+              </a:rPr>
+              <a:t>10</a:t>
+            </a:r>
+            <a:r>
+              <a:rPr lang="is-IS" sz="1200" dirty="0" smtClean="0">
+                <a:solidFill>
+                  <a:srgbClr val="000000"/>
+                </a:solidFill>
+                <a:latin typeface="Menlo" charset="0"/>
+              </a:rPr>
+              <a:t>, </a:t>
+            </a:r>
+            <a:r>
+              <a:rPr lang="is-IS" sz="1200" dirty="0">
+                <a:solidFill>
+                  <a:srgbClr val="272AD8"/>
+                </a:solidFill>
+                <a:latin typeface="Menlo" charset="0"/>
+              </a:rPr>
+              <a:t>-1</a:t>
+            </a:r>
+            <a:r>
+              <a:rPr lang="is-IS" sz="1200" dirty="0">
+                <a:solidFill>
+                  <a:srgbClr val="000000"/>
+                </a:solidFill>
+                <a:latin typeface="Menlo" charset="0"/>
+              </a:rPr>
+              <a:t>, </a:t>
+            </a:r>
+            <a:r>
+              <a:rPr lang="is-IS" sz="1200" dirty="0" smtClean="0">
+                <a:solidFill>
+                  <a:srgbClr val="272AD8"/>
+                </a:solidFill>
+                <a:latin typeface="Menlo" charset="0"/>
+              </a:rPr>
+              <a:t>15</a:t>
+            </a:r>
+            <a:r>
+              <a:rPr lang="is-IS" sz="1200" dirty="0" smtClean="0">
+                <a:solidFill>
+                  <a:srgbClr val="000000"/>
+                </a:solidFill>
+                <a:latin typeface="Menlo" charset="0"/>
+              </a:rPr>
+              <a:t>],</a:t>
+            </a:r>
+            <a:endParaRPr lang="is-IS" sz="1200" dirty="0">
+              <a:solidFill>
+                <a:srgbClr val="000000"/>
+              </a:solidFill>
+              <a:latin typeface="Menlo" charset="0"/>
+            </a:endParaRPr>
+          </a:p>
+          <a:p>
+            <a:r>
+              <a:rPr lang="is-IS" sz="1200" dirty="0">
+                <a:solidFill>
+                  <a:srgbClr val="000000"/>
+                </a:solidFill>
+                <a:latin typeface="Menlo" charset="0"/>
+              </a:rPr>
+              <a:t>                         [ </a:t>
+            </a:r>
+            <a:r>
+              <a:rPr lang="is-IS" sz="1200" dirty="0">
+                <a:solidFill>
+                  <a:srgbClr val="272AD8"/>
+                </a:solidFill>
+                <a:latin typeface="Menlo" charset="0"/>
+              </a:rPr>
+              <a:t>8</a:t>
+            </a:r>
+            <a:r>
+              <a:rPr lang="is-IS" sz="1200" dirty="0" smtClean="0">
+                <a:solidFill>
+                  <a:srgbClr val="000000"/>
+                </a:solidFill>
+                <a:latin typeface="Menlo" charset="0"/>
+              </a:rPr>
+              <a:t>, </a:t>
+            </a:r>
+            <a:r>
+              <a:rPr lang="is-IS" sz="1200" dirty="0">
+                <a:solidFill>
+                  <a:srgbClr val="272AD8"/>
+                </a:solidFill>
+                <a:latin typeface="Menlo" charset="0"/>
+              </a:rPr>
+              <a:t>-1</a:t>
+            </a:r>
+            <a:r>
+              <a:rPr lang="is-IS" sz="1200" dirty="0">
+                <a:solidFill>
+                  <a:srgbClr val="000000"/>
+                </a:solidFill>
+                <a:latin typeface="Menlo" charset="0"/>
+              </a:rPr>
+              <a:t>, </a:t>
+            </a:r>
+            <a:r>
+              <a:rPr lang="is-IS" sz="1200" dirty="0" smtClean="0">
+                <a:solidFill>
+                  <a:srgbClr val="272AD8"/>
+                </a:solidFill>
+                <a:latin typeface="Menlo" charset="0"/>
+              </a:rPr>
+              <a:t>13</a:t>
+            </a:r>
+            <a:r>
+              <a:rPr lang="is-IS" sz="1200" dirty="0" smtClean="0">
+                <a:solidFill>
+                  <a:srgbClr val="000000"/>
+                </a:solidFill>
+                <a:latin typeface="Menlo" charset="0"/>
+              </a:rPr>
+              <a:t>, </a:t>
+            </a:r>
+            <a:r>
+              <a:rPr lang="is-IS" sz="1200" dirty="0">
+                <a:solidFill>
+                  <a:srgbClr val="272AD8"/>
+                </a:solidFill>
+                <a:latin typeface="Menlo" charset="0"/>
+              </a:rPr>
+              <a:t>-1</a:t>
+            </a:r>
+            <a:r>
+              <a:rPr lang="is-IS" sz="1200" dirty="0">
+                <a:solidFill>
+                  <a:srgbClr val="000000"/>
+                </a:solidFill>
+                <a:latin typeface="Menlo" charset="0"/>
+              </a:rPr>
+              <a:t>],</a:t>
+            </a:r>
+          </a:p>
+          <a:p>
+            <a:r>
+              <a:rPr lang="is-IS" sz="1200" dirty="0">
+                <a:solidFill>
+                  <a:srgbClr val="000000"/>
+                </a:solidFill>
+                <a:latin typeface="Menlo" charset="0"/>
+              </a:rPr>
+              <a:t>                         </a:t>
+            </a:r>
+            <a:r>
+              <a:rPr lang="is-IS" sz="1200" dirty="0" smtClean="0">
+                <a:solidFill>
+                  <a:srgbClr val="000000"/>
+                </a:solidFill>
+                <a:latin typeface="Menlo" charset="0"/>
+              </a:rPr>
+              <a:t>[</a:t>
+            </a:r>
+            <a:r>
+              <a:rPr lang="is-IS" sz="1200" dirty="0">
+                <a:solidFill>
+                  <a:srgbClr val="272AD8"/>
+                </a:solidFill>
+                <a:latin typeface="Menlo" charset="0"/>
+              </a:rPr>
+              <a:t> </a:t>
+            </a:r>
+            <a:r>
+              <a:rPr lang="is-IS" sz="1200" dirty="0" smtClean="0">
+                <a:solidFill>
+                  <a:srgbClr val="272AD8"/>
+                </a:solidFill>
+                <a:latin typeface="Menlo" charset="0"/>
+              </a:rPr>
+              <a:t>9</a:t>
+            </a:r>
+            <a:r>
+              <a:rPr lang="is-IS" sz="1200" dirty="0" smtClean="0">
+                <a:solidFill>
+                  <a:srgbClr val="000000"/>
+                </a:solidFill>
+                <a:latin typeface="Menlo" charset="0"/>
+              </a:rPr>
+              <a:t>, </a:t>
+            </a:r>
+            <a:r>
+              <a:rPr lang="is-IS" sz="1200" dirty="0" smtClean="0">
+                <a:solidFill>
+                  <a:srgbClr val="272AD8"/>
+                </a:solidFill>
+                <a:latin typeface="Menlo" charset="0"/>
+              </a:rPr>
+              <a:t>12</a:t>
+            </a:r>
+            <a:r>
+              <a:rPr lang="is-IS" sz="1200" dirty="0" smtClean="0">
+                <a:solidFill>
+                  <a:srgbClr val="000000"/>
+                </a:solidFill>
+                <a:latin typeface="Menlo" charset="0"/>
+              </a:rPr>
+              <a:t>, </a:t>
+            </a:r>
+            <a:r>
+              <a:rPr lang="is-IS" sz="1200" dirty="0" smtClean="0">
+                <a:solidFill>
+                  <a:srgbClr val="272AD8"/>
+                </a:solidFill>
+                <a:latin typeface="Menlo" charset="0"/>
+              </a:rPr>
+              <a:t>14</a:t>
+            </a:r>
+            <a:r>
+              <a:rPr lang="is-IS" sz="1200" dirty="0" smtClean="0">
+                <a:solidFill>
+                  <a:srgbClr val="000000"/>
+                </a:solidFill>
+                <a:latin typeface="Menlo" charset="0"/>
+              </a:rPr>
+              <a:t>, </a:t>
+            </a:r>
+            <a:r>
+              <a:rPr lang="is-IS" sz="1200" dirty="0">
+                <a:solidFill>
+                  <a:srgbClr val="272AD8"/>
+                </a:solidFill>
+                <a:latin typeface="Menlo" charset="0"/>
+              </a:rPr>
+              <a:t>-1</a:t>
+            </a:r>
+            <a:r>
+              <a:rPr lang="is-IS" sz="1200" dirty="0">
+                <a:solidFill>
+                  <a:srgbClr val="000000"/>
+                </a:solidFill>
+                <a:latin typeface="Menlo" charset="0"/>
+              </a:rPr>
+              <a:t>],</a:t>
+            </a:r>
+          </a:p>
+          <a:p>
+            <a:r>
+              <a:rPr lang="is-IS" sz="1200" dirty="0">
+                <a:solidFill>
+                  <a:srgbClr val="000000"/>
+                </a:solidFill>
+                <a:latin typeface="Menlo" charset="0"/>
+              </a:rPr>
               <a:t>                         [</a:t>
             </a:r>
             <a:r>
+              <a:rPr lang="is-IS" sz="1200" dirty="0" smtClean="0">
+                <a:solidFill>
+                  <a:srgbClr val="272AD8"/>
+                </a:solidFill>
+                <a:latin typeface="Menlo" charset="0"/>
+              </a:rPr>
+              <a:t>10</a:t>
+            </a:r>
+            <a:r>
+              <a:rPr lang="is-IS" sz="1200" dirty="0" smtClean="0">
+                <a:solidFill>
+                  <a:srgbClr val="000000"/>
+                </a:solidFill>
+                <a:latin typeface="Menlo" charset="0"/>
+              </a:rPr>
+              <a:t>, </a:t>
+            </a:r>
+            <a:r>
+              <a:rPr lang="is-IS" sz="1200" dirty="0" smtClean="0">
+                <a:solidFill>
+                  <a:srgbClr val="272AD8"/>
+                </a:solidFill>
+                <a:latin typeface="Menlo" charset="0"/>
+              </a:rPr>
+              <a:t>13</a:t>
+            </a:r>
+            <a:r>
+              <a:rPr lang="is-IS" sz="1200" dirty="0" smtClean="0">
+                <a:solidFill>
+                  <a:srgbClr val="000000"/>
+                </a:solidFill>
+                <a:latin typeface="Menlo" charset="0"/>
+              </a:rPr>
+              <a:t>, </a:t>
+            </a:r>
+            <a:r>
+              <a:rPr lang="is-IS" sz="1200" dirty="0" smtClean="0">
+                <a:solidFill>
+                  <a:srgbClr val="272AD8"/>
+                </a:solidFill>
+                <a:latin typeface="Menlo" charset="0"/>
+              </a:rPr>
+              <a:t>15</a:t>
+            </a:r>
+            <a:r>
+              <a:rPr lang="is-IS" sz="1200" dirty="0" smtClean="0">
+                <a:solidFill>
+                  <a:srgbClr val="000000"/>
+                </a:solidFill>
+                <a:latin typeface="Menlo" charset="0"/>
+              </a:rPr>
+              <a:t>, </a:t>
+            </a:r>
+            <a:r>
               <a:rPr lang="is-IS" sz="1200" dirty="0">
                 <a:solidFill>
                   <a:srgbClr val="272AD8"/>
@@ -9004,1181 +10410,48 @@
                 </a:solidFill>
                 <a:latin typeface="Menlo" charset="0"/>
               </a:rPr>
-              <a:t>,  </a:t>
-            </a:r>
+              <a:t>],</a:t>
+            </a:r>
+          </a:p>
+          <a:p>
             <a:r>
               <a:rPr lang="is-IS" sz="1200" dirty="0">
                 <a:solidFill>
+                  <a:srgbClr val="000000"/>
+                </a:solidFill>
+                <a:latin typeface="Menlo" charset="0"/>
+              </a:rPr>
+              <a:t>                         [</a:t>
+            </a:r>
+            <a:r>
+              <a:rPr lang="is-IS" sz="1200" dirty="0" smtClean="0">
+                <a:solidFill>
                   <a:srgbClr val="272AD8"/>
                 </a:solidFill>
                 <a:latin typeface="Menlo" charset="0"/>
               </a:rPr>
-              <a:t>1</a:t>
-            </a:r>
-            <a:r>
-              <a:rPr lang="is-IS" sz="1200" dirty="0">
+              <a:t>11</a:t>
+            </a:r>
+            <a:r>
+              <a:rPr lang="is-IS" sz="1200" dirty="0" smtClean="0">
                 <a:solidFill>
                   <a:srgbClr val="000000"/>
                 </a:solidFill>
                 <a:latin typeface="Menlo" charset="0"/>
               </a:rPr>
-              <a:t>,  </a:t>
-            </a:r>
-            <a:r>
-              <a:rPr lang="is-IS" sz="1200" dirty="0">
+              <a:t>, </a:t>
+            </a:r>
+            <a:r>
+              <a:rPr lang="is-IS" sz="1200" dirty="0" smtClean="0">
                 <a:solidFill>
                   <a:srgbClr val="272AD8"/>
                 </a:solidFill>
                 <a:latin typeface="Menlo" charset="0"/>
               </a:rPr>
-              <a:t>3</a:t>
-            </a:r>
-            <a:r>
-              <a:rPr lang="is-IS" sz="1200" dirty="0">
-                <a:solidFill>
-                  <a:srgbClr val="000000"/>
-                </a:solidFill>
-                <a:latin typeface="Menlo" charset="0"/>
-              </a:rPr>
-              <a:t>,  </a:t>
-            </a:r>
-            <a:r>
-              <a:rPr lang="is-IS" sz="1200" dirty="0">
-                <a:solidFill>
-                  <a:srgbClr val="272AD8"/>
-                </a:solidFill>
-                <a:latin typeface="Menlo" charset="0"/>
-              </a:rPr>
-              <a:t>6</a:t>
-            </a:r>
-            <a:r>
-              <a:rPr lang="is-IS" sz="1200" dirty="0">
-                <a:solidFill>
-                  <a:srgbClr val="000000"/>
-                </a:solidFill>
-                <a:latin typeface="Menlo" charset="0"/>
-              </a:rPr>
-              <a:t>],</a:t>
-            </a:r>
-          </a:p>
-          <a:p>
-            <a:r>
-              <a:rPr lang="is-IS" sz="1200" dirty="0">
-                <a:solidFill>
-                  <a:srgbClr val="000000"/>
-                </a:solidFill>
-                <a:latin typeface="Menlo" charset="0"/>
-              </a:rPr>
-              <a:t>                         [</a:t>
-            </a:r>
-            <a:r>
-              <a:rPr lang="is-IS" sz="1200" dirty="0">
-                <a:solidFill>
-                  <a:srgbClr val="272AD8"/>
-                </a:solidFill>
-                <a:latin typeface="Menlo" charset="0"/>
-              </a:rPr>
-              <a:t>-1</a:t>
-            </a:r>
-            <a:r>
-              <a:rPr lang="is-IS" sz="1200" dirty="0">
-                <a:solidFill>
-                  <a:srgbClr val="000000"/>
-                </a:solidFill>
-                <a:latin typeface="Menlo" charset="0"/>
-              </a:rPr>
-              <a:t>,  </a:t>
-            </a:r>
-            <a:r>
-              <a:rPr lang="is-IS" sz="1200" dirty="0">
-                <a:solidFill>
-                  <a:srgbClr val="272AD8"/>
-                </a:solidFill>
-                <a:latin typeface="Menlo" charset="0"/>
-              </a:rPr>
-              <a:t>2</a:t>
-            </a:r>
-            <a:r>
-              <a:rPr lang="is-IS" sz="1200" dirty="0">
-                <a:solidFill>
-                  <a:srgbClr val="000000"/>
-                </a:solidFill>
-                <a:latin typeface="Menlo" charset="0"/>
-              </a:rPr>
-              <a:t>,  </a:t>
-            </a:r>
-            <a:r>
-              <a:rPr lang="is-IS" sz="1200" dirty="0">
-                <a:solidFill>
-                  <a:srgbClr val="272AD8"/>
-                </a:solidFill>
-                <a:latin typeface="Menlo" charset="0"/>
-              </a:rPr>
-              <a:t>4</a:t>
-            </a:r>
-            <a:r>
-              <a:rPr lang="is-IS" sz="1200" dirty="0">
-                <a:solidFill>
-                  <a:srgbClr val="000000"/>
-                </a:solidFill>
-                <a:latin typeface="Menlo" charset="0"/>
-              </a:rPr>
-              <a:t>,  </a:t>
-            </a:r>
-            <a:r>
-              <a:rPr lang="is-IS" sz="1200" dirty="0">
-                <a:solidFill>
-                  <a:srgbClr val="272AD8"/>
-                </a:solidFill>
-                <a:latin typeface="Menlo" charset="0"/>
-              </a:rPr>
-              <a:t>7</a:t>
-            </a:r>
-            <a:r>
-              <a:rPr lang="is-IS" sz="1200" dirty="0">
-                <a:solidFill>
-                  <a:srgbClr val="000000"/>
-                </a:solidFill>
-                <a:latin typeface="Menlo" charset="0"/>
-              </a:rPr>
-              <a:t>],</a:t>
-            </a:r>
-          </a:p>
-          <a:p>
-            <a:r>
-              <a:rPr lang="is-IS" sz="1200" dirty="0">
-                <a:solidFill>
-                  <a:srgbClr val="000000"/>
-                </a:solidFill>
-                <a:latin typeface="Menlo" charset="0"/>
-              </a:rPr>
-              <a:t>                         [</a:t>
-            </a:r>
-            <a:r>
-              <a:rPr lang="is-IS" sz="1200" dirty="0">
-                <a:solidFill>
-                  <a:srgbClr val="272AD8"/>
-                </a:solidFill>
-                <a:latin typeface="Menlo" charset="0"/>
-              </a:rPr>
-              <a:t>-1</a:t>
-            </a:r>
-            <a:r>
-              <a:rPr lang="is-IS" sz="1200" dirty="0">
-                <a:solidFill>
-                  <a:srgbClr val="000000"/>
-                </a:solidFill>
-                <a:latin typeface="Menlo" charset="0"/>
-              </a:rPr>
-              <a:t>,  </a:t>
-            </a:r>
-            <a:r>
-              <a:rPr lang="is-IS" sz="1200" dirty="0">
-                <a:solidFill>
-                  <a:srgbClr val="272AD8"/>
-                </a:solidFill>
-                <a:latin typeface="Menlo" charset="0"/>
-              </a:rPr>
-              <a:t>3</a:t>
-            </a:r>
-            <a:r>
-              <a:rPr lang="is-IS" sz="1200" dirty="0">
-                <a:solidFill>
-                  <a:srgbClr val="000000"/>
-                </a:solidFill>
-                <a:latin typeface="Menlo" charset="0"/>
-              </a:rPr>
-              <a:t>, </a:t>
-            </a:r>
-            <a:r>
-              <a:rPr lang="is-IS" sz="1200" dirty="0">
-                <a:solidFill>
-                  <a:srgbClr val="272AD8"/>
-                </a:solidFill>
-                <a:latin typeface="Menlo" charset="0"/>
-              </a:rPr>
-              <a:t>-1</a:t>
-            </a:r>
-            <a:r>
-              <a:rPr lang="is-IS" sz="1200" dirty="0">
-                <a:solidFill>
-                  <a:srgbClr val="000000"/>
-                </a:solidFill>
-                <a:latin typeface="Menlo" charset="0"/>
-              </a:rPr>
-              <a:t>,  </a:t>
-            </a:r>
-            <a:r>
-              <a:rPr lang="is-IS" sz="1200" dirty="0">
-                <a:solidFill>
-                  <a:srgbClr val="272AD8"/>
-                </a:solidFill>
-                <a:latin typeface="Menlo" charset="0"/>
-              </a:rPr>
-              <a:t>8</a:t>
-            </a:r>
-            <a:r>
-              <a:rPr lang="is-IS" sz="1200" dirty="0">
-                <a:solidFill>
-                  <a:srgbClr val="000000"/>
-                </a:solidFill>
-                <a:latin typeface="Menlo" charset="0"/>
-              </a:rPr>
-              <a:t>],</a:t>
-            </a:r>
-          </a:p>
-          <a:p>
-            <a:r>
-              <a:rPr lang="is-IS" sz="1200" dirty="0">
-                <a:solidFill>
-                  <a:srgbClr val="000000"/>
-                </a:solidFill>
-                <a:latin typeface="Menlo" charset="0"/>
-              </a:rPr>
-              <a:t>                         [ </a:t>
-            </a:r>
-            <a:r>
-              <a:rPr lang="is-IS" sz="1200" dirty="0">
-                <a:solidFill>
-                  <a:srgbClr val="272AD8"/>
-                </a:solidFill>
-                <a:latin typeface="Menlo" charset="0"/>
-              </a:rPr>
-              <a:t>1</a:t>
-            </a:r>
-            <a:r>
-              <a:rPr lang="is-IS" sz="1200" dirty="0">
-                <a:solidFill>
-                  <a:srgbClr val="000000"/>
-                </a:solidFill>
-                <a:latin typeface="Menlo" charset="0"/>
-              </a:rPr>
-              <a:t>, </a:t>
-            </a:r>
-            <a:r>
-              <a:rPr lang="is-IS" sz="1200" dirty="0">
-                <a:solidFill>
-                  <a:srgbClr val="272AD8"/>
-                </a:solidFill>
-                <a:latin typeface="Menlo" charset="0"/>
-              </a:rPr>
-              <a:t>-1</a:t>
-            </a:r>
-            <a:r>
-              <a:rPr lang="is-IS" sz="1200" dirty="0">
-                <a:solidFill>
-                  <a:srgbClr val="000000"/>
-                </a:solidFill>
-                <a:latin typeface="Menlo" charset="0"/>
-              </a:rPr>
-              <a:t>,  </a:t>
-            </a:r>
-            <a:r>
-              <a:rPr lang="is-IS" sz="1200" dirty="0">
-                <a:solidFill>
-                  <a:srgbClr val="272AD8"/>
-                </a:solidFill>
-                <a:latin typeface="Menlo" charset="0"/>
-              </a:rPr>
-              <a:t>6</a:t>
-            </a:r>
-            <a:r>
-              <a:rPr lang="is-IS" sz="1200" dirty="0">
-                <a:solidFill>
-                  <a:srgbClr val="000000"/>
-                </a:solidFill>
-                <a:latin typeface="Menlo" charset="0"/>
-              </a:rPr>
-              <a:t>,  </a:t>
-            </a:r>
-            <a:r>
-              <a:rPr lang="is-IS" sz="1200" dirty="0">
-                <a:solidFill>
-                  <a:srgbClr val="272AD8"/>
-                </a:solidFill>
-                <a:latin typeface="Menlo" charset="0"/>
-              </a:rPr>
-              <a:t>9</a:t>
-            </a:r>
-            <a:r>
-              <a:rPr lang="is-IS" sz="1200" dirty="0">
-                <a:solidFill>
-                  <a:srgbClr val="000000"/>
-                </a:solidFill>
-                <a:latin typeface="Menlo" charset="0"/>
-              </a:rPr>
-              <a:t>],</a:t>
-            </a:r>
-          </a:p>
-          <a:p>
-            <a:r>
-              <a:rPr lang="is-IS" sz="1200" dirty="0">
-                <a:solidFill>
-                  <a:srgbClr val="000000"/>
-                </a:solidFill>
-                <a:latin typeface="Menlo" charset="0"/>
-              </a:rPr>
-              <a:t>                         [ </a:t>
-            </a:r>
-            <a:r>
-              <a:rPr lang="is-IS" sz="1200" dirty="0">
-                <a:solidFill>
-                  <a:srgbClr val="272AD8"/>
-                </a:solidFill>
-                <a:latin typeface="Menlo" charset="0"/>
-              </a:rPr>
-              <a:t>2</a:t>
-            </a:r>
-            <a:r>
-              <a:rPr lang="is-IS" sz="1200" dirty="0">
-                <a:solidFill>
-                  <a:srgbClr val="000000"/>
-                </a:solidFill>
-                <a:latin typeface="Menlo" charset="0"/>
-              </a:rPr>
-              <a:t>,  </a:t>
-            </a:r>
-            <a:r>
-              <a:rPr lang="is-IS" sz="1200" dirty="0">
-                <a:solidFill>
-                  <a:srgbClr val="272AD8"/>
-                </a:solidFill>
-                <a:latin typeface="Menlo" charset="0"/>
-              </a:rPr>
-              <a:t>5</a:t>
-            </a:r>
-            <a:r>
-              <a:rPr lang="is-IS" sz="1200" dirty="0">
-                <a:solidFill>
-                  <a:srgbClr val="000000"/>
-                </a:solidFill>
-                <a:latin typeface="Menlo" charset="0"/>
-              </a:rPr>
-              <a:t>,  </a:t>
-            </a:r>
-            <a:r>
-              <a:rPr lang="is-IS" sz="1200" dirty="0">
-                <a:solidFill>
-                  <a:srgbClr val="272AD8"/>
-                </a:solidFill>
-                <a:latin typeface="Menlo" charset="0"/>
-              </a:rPr>
-              <a:t>7</a:t>
-            </a:r>
-            <a:r>
-              <a:rPr lang="is-IS" sz="1200" dirty="0">
-                <a:solidFill>
-                  <a:srgbClr val="000000"/>
-                </a:solidFill>
-                <a:latin typeface="Menlo" charset="0"/>
-              </a:rPr>
-              <a:t>, </a:t>
-            </a:r>
-            <a:r>
-              <a:rPr lang="is-IS" sz="1200" dirty="0">
-                <a:solidFill>
-                  <a:srgbClr val="272AD8"/>
-                </a:solidFill>
-                <a:latin typeface="Menlo" charset="0"/>
-              </a:rPr>
-              <a:t>10</a:t>
-            </a:r>
-            <a:r>
-              <a:rPr lang="is-IS" sz="1200" dirty="0">
-                <a:solidFill>
-                  <a:srgbClr val="000000"/>
-                </a:solidFill>
-                <a:latin typeface="Menlo" charset="0"/>
-              </a:rPr>
-              <a:t>],</a:t>
-            </a:r>
-          </a:p>
-          <a:p>
-            <a:r>
-              <a:rPr lang="is-IS" sz="1200" dirty="0">
-                <a:solidFill>
-                  <a:srgbClr val="000000"/>
-                </a:solidFill>
-                <a:latin typeface="Menlo" charset="0"/>
-              </a:rPr>
-              <a:t>                         [ </a:t>
-            </a:r>
-            <a:r>
-              <a:rPr lang="is-IS" sz="1200" dirty="0">
-                <a:solidFill>
-                  <a:srgbClr val="272AD8"/>
-                </a:solidFill>
-                <a:latin typeface="Menlo" charset="0"/>
-              </a:rPr>
-              <a:t>3</a:t>
-            </a:r>
-            <a:r>
-              <a:rPr lang="is-IS" sz="1200" dirty="0">
-                <a:solidFill>
-                  <a:srgbClr val="000000"/>
-                </a:solidFill>
-                <a:latin typeface="Menlo" charset="0"/>
-              </a:rPr>
-              <a:t>,  </a:t>
-            </a:r>
-            <a:r>
-              <a:rPr lang="is-IS" sz="1200" dirty="0">
-                <a:solidFill>
-                  <a:srgbClr val="272AD8"/>
-                </a:solidFill>
-                <a:latin typeface="Menlo" charset="0"/>
-              </a:rPr>
-              <a:t>6</a:t>
-            </a:r>
-            <a:r>
-              <a:rPr lang="is-IS" sz="1200" dirty="0">
-                <a:solidFill>
-                  <a:srgbClr val="000000"/>
-                </a:solidFill>
-                <a:latin typeface="Menlo" charset="0"/>
-              </a:rPr>
-              <a:t>,  </a:t>
-            </a:r>
-            <a:r>
-              <a:rPr lang="is-IS" sz="1200" dirty="0">
-                <a:solidFill>
-                  <a:srgbClr val="272AD8"/>
-                </a:solidFill>
-                <a:latin typeface="Menlo" charset="0"/>
-              </a:rPr>
-              <a:t>8</a:t>
-            </a:r>
-            <a:r>
-              <a:rPr lang="is-IS" sz="1200" dirty="0">
-                <a:solidFill>
-                  <a:srgbClr val="000000"/>
-                </a:solidFill>
-                <a:latin typeface="Menlo" charset="0"/>
-              </a:rPr>
-              <a:t>, </a:t>
-            </a:r>
-            <a:r>
-              <a:rPr lang="is-IS" sz="1200" dirty="0">
-                <a:solidFill>
-                  <a:srgbClr val="272AD8"/>
-                </a:solidFill>
-                <a:latin typeface="Menlo" charset="0"/>
-              </a:rPr>
-              <a:t>11</a:t>
-            </a:r>
-            <a:r>
-              <a:rPr lang="is-IS" sz="1200" dirty="0">
-                <a:solidFill>
-                  <a:srgbClr val="000000"/>
-                </a:solidFill>
-                <a:latin typeface="Menlo" charset="0"/>
-              </a:rPr>
-              <a:t>],</a:t>
-            </a:r>
-          </a:p>
-          <a:p>
-            <a:r>
-              <a:rPr lang="is-IS" sz="1200" dirty="0">
-                <a:solidFill>
-                  <a:srgbClr val="000000"/>
-                </a:solidFill>
-                <a:latin typeface="Menlo" charset="0"/>
-              </a:rPr>
-              <a:t>                         [ </a:t>
-            </a:r>
-            <a:r>
-              <a:rPr lang="is-IS" sz="1200" dirty="0">
-                <a:solidFill>
-                  <a:srgbClr val="272AD8"/>
-                </a:solidFill>
-                <a:latin typeface="Menlo" charset="0"/>
-              </a:rPr>
-              <a:t>4</a:t>
-            </a:r>
-            <a:r>
-              <a:rPr lang="is-IS" sz="1200" dirty="0">
-                <a:solidFill>
-                  <a:srgbClr val="000000"/>
-                </a:solidFill>
-                <a:latin typeface="Menlo" charset="0"/>
-              </a:rPr>
-              <a:t>,  </a:t>
-            </a:r>
-            <a:r>
-              <a:rPr lang="is-IS" sz="1200" dirty="0">
-                <a:solidFill>
-                  <a:srgbClr val="272AD8"/>
-                </a:solidFill>
-                <a:latin typeface="Menlo" charset="0"/>
-              </a:rPr>
-              <a:t>7</a:t>
-            </a:r>
-            <a:r>
-              <a:rPr lang="is-IS" sz="1200" dirty="0">
-                <a:solidFill>
-                  <a:srgbClr val="000000"/>
-                </a:solidFill>
-                <a:latin typeface="Menlo" charset="0"/>
-              </a:rPr>
-              <a:t>, </a:t>
-            </a:r>
-            <a:r>
-              <a:rPr lang="is-IS" sz="1200" dirty="0">
-                <a:solidFill>
-                  <a:srgbClr val="272AD8"/>
-                </a:solidFill>
-                <a:latin typeface="Menlo" charset="0"/>
-              </a:rPr>
-              <a:t>-1</a:t>
-            </a:r>
-            <a:r>
-              <a:rPr lang="is-IS" sz="1200" dirty="0">
-                <a:solidFill>
-                  <a:srgbClr val="000000"/>
-                </a:solidFill>
-                <a:latin typeface="Menlo" charset="0"/>
-              </a:rPr>
-              <a:t>, </a:t>
-            </a:r>
-            <a:r>
-              <a:rPr lang="is-IS" sz="1200" dirty="0">
-                <a:solidFill>
-                  <a:srgbClr val="272AD8"/>
-                </a:solidFill>
-                <a:latin typeface="Menlo" charset="0"/>
-              </a:rPr>
-              <a:t>12</a:t>
-            </a:r>
-            <a:r>
-              <a:rPr lang="is-IS" sz="1200" dirty="0">
-                <a:solidFill>
-                  <a:srgbClr val="000000"/>
-                </a:solidFill>
-                <a:latin typeface="Menlo" charset="0"/>
-              </a:rPr>
-              <a:t>],</a:t>
-            </a:r>
-          </a:p>
-          <a:p>
-            <a:r>
-              <a:rPr lang="is-IS" sz="1200" dirty="0">
-                <a:solidFill>
-                  <a:srgbClr val="000000"/>
-                </a:solidFill>
-                <a:latin typeface="Menlo" charset="0"/>
-              </a:rPr>
-              <a:t>                         [ </a:t>
-            </a:r>
-            <a:r>
-              <a:rPr lang="is-IS" sz="1200" dirty="0">
-                <a:solidFill>
-                  <a:srgbClr val="272AD8"/>
-                </a:solidFill>
-                <a:latin typeface="Menlo" charset="0"/>
-              </a:rPr>
-              <a:t>5</a:t>
-            </a:r>
-            <a:r>
-              <a:rPr lang="is-IS" sz="1200" dirty="0">
-                <a:solidFill>
-                  <a:srgbClr val="000000"/>
-                </a:solidFill>
-                <a:latin typeface="Menlo" charset="0"/>
-              </a:rPr>
-              <a:t>, </a:t>
-            </a:r>
-            <a:r>
-              <a:rPr lang="is-IS" sz="1200" dirty="0">
-                <a:solidFill>
-                  <a:srgbClr val="272AD8"/>
-                </a:solidFill>
-                <a:latin typeface="Menlo" charset="0"/>
-              </a:rPr>
-              <a:t>-1</a:t>
-            </a:r>
-            <a:r>
-              <a:rPr lang="is-IS" sz="1200" dirty="0">
-                <a:solidFill>
-                  <a:srgbClr val="000000"/>
-                </a:solidFill>
-                <a:latin typeface="Menlo" charset="0"/>
-              </a:rPr>
-              <a:t>, </a:t>
-            </a:r>
-            <a:r>
-              <a:rPr lang="is-IS" sz="1200" dirty="0">
-                <a:solidFill>
-                  <a:srgbClr val="272AD8"/>
-                </a:solidFill>
-                <a:latin typeface="Menlo" charset="0"/>
-              </a:rPr>
-              <a:t>10</a:t>
-            </a:r>
-            <a:r>
-              <a:rPr lang="is-IS" sz="1200" dirty="0">
-                <a:solidFill>
-                  <a:srgbClr val="000000"/>
-                </a:solidFill>
-                <a:latin typeface="Menlo" charset="0"/>
-              </a:rPr>
-              <a:t>, </a:t>
-            </a:r>
-            <a:r>
-              <a:rPr lang="is-IS" sz="1200" dirty="0">
-                <a:solidFill>
-                  <a:srgbClr val="272AD8"/>
-                </a:solidFill>
-                <a:latin typeface="Menlo" charset="0"/>
-              </a:rPr>
-              <a:t>13</a:t>
-            </a:r>
-            <a:r>
-              <a:rPr lang="is-IS" sz="1200" dirty="0">
-                <a:solidFill>
-                  <a:srgbClr val="000000"/>
-                </a:solidFill>
-                <a:latin typeface="Menlo" charset="0"/>
-              </a:rPr>
-              <a:t>],</a:t>
-            </a:r>
-          </a:p>
-          <a:p>
-            <a:r>
-              <a:rPr lang="is-IS" sz="1200" dirty="0">
-                <a:solidFill>
-                  <a:srgbClr val="000000"/>
-                </a:solidFill>
-                <a:latin typeface="Menlo" charset="0"/>
-              </a:rPr>
-              <a:t>                         [ </a:t>
-            </a:r>
-            <a:r>
-              <a:rPr lang="is-IS" sz="1200" dirty="0">
-                <a:solidFill>
-                  <a:srgbClr val="272AD8"/>
-                </a:solidFill>
-                <a:latin typeface="Menlo" charset="0"/>
-              </a:rPr>
-              <a:t>6</a:t>
-            </a:r>
-            <a:r>
-              <a:rPr lang="is-IS" sz="1200" dirty="0">
-                <a:solidFill>
-                  <a:srgbClr val="000000"/>
-                </a:solidFill>
-                <a:latin typeface="Menlo" charset="0"/>
-              </a:rPr>
-              <a:t>,  </a:t>
-            </a:r>
-            <a:r>
-              <a:rPr lang="is-IS" sz="1200" dirty="0">
-                <a:solidFill>
-                  <a:srgbClr val="272AD8"/>
-                </a:solidFill>
-                <a:latin typeface="Menlo" charset="0"/>
-              </a:rPr>
-              <a:t>9</a:t>
-            </a:r>
-            <a:r>
-              <a:rPr lang="is-IS" sz="1200" dirty="0">
-                <a:solidFill>
-                  <a:srgbClr val="000000"/>
-                </a:solidFill>
-                <a:latin typeface="Menlo" charset="0"/>
-              </a:rPr>
-              <a:t>, </a:t>
-            </a:r>
-            <a:r>
-              <a:rPr lang="is-IS" sz="1200" dirty="0">
-                <a:solidFill>
-                  <a:srgbClr val="272AD8"/>
-                </a:solidFill>
-                <a:latin typeface="Menlo" charset="0"/>
-              </a:rPr>
-              <a:t>11</a:t>
-            </a:r>
-            <a:r>
-              <a:rPr lang="is-IS" sz="1200" dirty="0">
-                <a:solidFill>
-                  <a:srgbClr val="000000"/>
-                </a:solidFill>
-                <a:latin typeface="Menlo" charset="0"/>
-              </a:rPr>
-              <a:t>, </a:t>
-            </a:r>
-            <a:r>
-              <a:rPr lang="is-IS" sz="1200" dirty="0">
-                <a:solidFill>
-                  <a:srgbClr val="272AD8"/>
-                </a:solidFill>
-                <a:latin typeface="Menlo" charset="0"/>
-              </a:rPr>
               <a:t>14</a:t>
             </a:r>
             <a:r>
-              <a:rPr lang="is-IS" sz="1200" dirty="0">
-                <a:solidFill>
-                  <a:srgbClr val="000000"/>
-                </a:solidFill>
-                <a:latin typeface="Menlo" charset="0"/>
-              </a:rPr>
-              <a:t>],</a:t>
-            </a:r>
-          </a:p>
-          <a:p>
-            <a:r>
-              <a:rPr lang="is-IS" sz="1200" dirty="0">
-                <a:solidFill>
-                  <a:srgbClr val="000000"/>
-                </a:solidFill>
-                <a:latin typeface="Menlo" charset="0"/>
-              </a:rPr>
-              <a:t>                         [ </a:t>
-            </a:r>
-            <a:r>
-              <a:rPr lang="is-IS" sz="1200" dirty="0">
-                <a:solidFill>
-                  <a:srgbClr val="272AD8"/>
-                </a:solidFill>
-                <a:latin typeface="Menlo" charset="0"/>
-              </a:rPr>
-              <a:t>7</a:t>
-            </a:r>
-            <a:r>
-              <a:rPr lang="is-IS" sz="1200" dirty="0">
-                <a:solidFill>
-                  <a:srgbClr val="000000"/>
-                </a:solidFill>
-                <a:latin typeface="Menlo" charset="0"/>
-              </a:rPr>
-              <a:t>, </a:t>
-            </a:r>
-            <a:r>
-              <a:rPr lang="is-IS" sz="1200" dirty="0">
-                <a:solidFill>
-                  <a:srgbClr val="272AD8"/>
-                </a:solidFill>
-                <a:latin typeface="Menlo" charset="0"/>
-              </a:rPr>
-              <a:t>10</a:t>
-            </a:r>
-            <a:r>
-              <a:rPr lang="is-IS" sz="1200" dirty="0">
-                <a:solidFill>
-                  <a:srgbClr val="000000"/>
-                </a:solidFill>
-                <a:latin typeface="Menlo" charset="0"/>
-              </a:rPr>
-              <a:t>, </a:t>
-            </a:r>
-            <a:r>
-              <a:rPr lang="is-IS" sz="1200" dirty="0">
-                <a:solidFill>
-                  <a:srgbClr val="272AD8"/>
-                </a:solidFill>
-                <a:latin typeface="Menlo" charset="0"/>
-              </a:rPr>
-              <a:t>12</a:t>
-            </a:r>
-            <a:r>
-              <a:rPr lang="is-IS" sz="1200" dirty="0">
-                <a:solidFill>
-                  <a:srgbClr val="000000"/>
-                </a:solidFill>
-                <a:latin typeface="Menlo" charset="0"/>
-              </a:rPr>
-              <a:t>, </a:t>
-            </a:r>
-            <a:r>
-              <a:rPr lang="is-IS" sz="1200" dirty="0">
-                <a:solidFill>
-                  <a:srgbClr val="272AD8"/>
-                </a:solidFill>
-                <a:latin typeface="Menlo" charset="0"/>
-              </a:rPr>
-              <a:t>15</a:t>
-            </a:r>
-            <a:r>
-              <a:rPr lang="is-IS" sz="1200" dirty="0">
-                <a:solidFill>
-                  <a:srgbClr val="000000"/>
-                </a:solidFill>
-                <a:latin typeface="Menlo" charset="0"/>
-              </a:rPr>
-              <a:t>],</a:t>
-            </a:r>
-          </a:p>
-          <a:p>
-            <a:r>
-              <a:rPr lang="is-IS" sz="1200" dirty="0">
-                <a:solidFill>
-                  <a:srgbClr val="000000"/>
-                </a:solidFill>
-                <a:latin typeface="Menlo" charset="0"/>
-              </a:rPr>
-              <a:t>                         [ </a:t>
-            </a:r>
-            <a:r>
-              <a:rPr lang="is-IS" sz="1200" dirty="0">
-                <a:solidFill>
-                  <a:srgbClr val="272AD8"/>
-                </a:solidFill>
-                <a:latin typeface="Menlo" charset="0"/>
-              </a:rPr>
-              <a:t>8</a:t>
-            </a:r>
-            <a:r>
-              <a:rPr lang="is-IS" sz="1200" dirty="0">
-                <a:solidFill>
-                  <a:srgbClr val="000000"/>
-                </a:solidFill>
-                <a:latin typeface="Menlo" charset="0"/>
-              </a:rPr>
-              <a:t>, </a:t>
-            </a:r>
-            <a:r>
-              <a:rPr lang="is-IS" sz="1200" dirty="0">
-                <a:solidFill>
-                  <a:srgbClr val="272AD8"/>
-                </a:solidFill>
-                <a:latin typeface="Menlo" charset="0"/>
-              </a:rPr>
-              <a:t>11</a:t>
-            </a:r>
-            <a:r>
-              <a:rPr lang="is-IS" sz="1200" dirty="0">
-                <a:solidFill>
-                  <a:srgbClr val="000000"/>
-                </a:solidFill>
-                <a:latin typeface="Menlo" charset="0"/>
-              </a:rPr>
-              <a:t>, </a:t>
-            </a:r>
-            <a:r>
-              <a:rPr lang="is-IS" sz="1200" dirty="0">
-                <a:solidFill>
-                  <a:srgbClr val="272AD8"/>
-                </a:solidFill>
-                <a:latin typeface="Menlo" charset="0"/>
-              </a:rPr>
-              <a:t>-1</a:t>
-            </a:r>
-            <a:r>
-              <a:rPr lang="is-IS" sz="1200" dirty="0">
-                <a:solidFill>
-                  <a:srgbClr val="000000"/>
-                </a:solidFill>
-                <a:latin typeface="Menlo" charset="0"/>
-              </a:rPr>
-              <a:t>, </a:t>
-            </a:r>
-            <a:r>
-              <a:rPr lang="is-IS" sz="1200" dirty="0">
-                <a:solidFill>
-                  <a:srgbClr val="272AD8"/>
-                </a:solidFill>
-                <a:latin typeface="Menlo" charset="0"/>
-              </a:rPr>
-              <a:t>16</a:t>
-            </a:r>
-            <a:r>
-              <a:rPr lang="is-IS" sz="1200" dirty="0">
-                <a:solidFill>
-                  <a:srgbClr val="000000"/>
-                </a:solidFill>
-                <a:latin typeface="Menlo" charset="0"/>
-              </a:rPr>
-              <a:t>],</a:t>
-            </a:r>
-          </a:p>
-          <a:p>
-            <a:r>
-              <a:rPr lang="is-IS" sz="1200" dirty="0">
-                <a:solidFill>
-                  <a:srgbClr val="000000"/>
-                </a:solidFill>
-                <a:latin typeface="Menlo" charset="0"/>
-              </a:rPr>
-              <a:t>                         [ </a:t>
-            </a:r>
-            <a:r>
-              <a:rPr lang="is-IS" sz="1200" dirty="0">
-                <a:solidFill>
-                  <a:srgbClr val="272AD8"/>
-                </a:solidFill>
-                <a:latin typeface="Menlo" charset="0"/>
-              </a:rPr>
-              <a:t>9</a:t>
-            </a:r>
-            <a:r>
-              <a:rPr lang="is-IS" sz="1200" dirty="0">
-                <a:solidFill>
-                  <a:srgbClr val="000000"/>
-                </a:solidFill>
-                <a:latin typeface="Menlo" charset="0"/>
-              </a:rPr>
-              <a:t>, </a:t>
-            </a:r>
-            <a:r>
-              <a:rPr lang="is-IS" sz="1200" dirty="0">
-                <a:solidFill>
-                  <a:srgbClr val="272AD8"/>
-                </a:solidFill>
-                <a:latin typeface="Menlo" charset="0"/>
-              </a:rPr>
-              <a:t>-1</a:t>
-            </a:r>
-            <a:r>
-              <a:rPr lang="is-IS" sz="1200" dirty="0">
-                <a:solidFill>
-                  <a:srgbClr val="000000"/>
-                </a:solidFill>
-                <a:latin typeface="Menlo" charset="0"/>
-              </a:rPr>
-              <a:t>, </a:t>
-            </a:r>
-            <a:r>
-              <a:rPr lang="is-IS" sz="1200" dirty="0">
-                <a:solidFill>
-                  <a:srgbClr val="272AD8"/>
-                </a:solidFill>
-                <a:latin typeface="Menlo" charset="0"/>
-              </a:rPr>
-              <a:t>14</a:t>
-            </a:r>
-            <a:r>
-              <a:rPr lang="is-IS" sz="1200" dirty="0">
-                <a:solidFill>
-                  <a:srgbClr val="000000"/>
-                </a:solidFill>
-                <a:latin typeface="Menlo" charset="0"/>
-              </a:rPr>
-              <a:t>, </a:t>
-            </a:r>
-            <a:r>
-              <a:rPr lang="is-IS" sz="1200" dirty="0">
-                <a:solidFill>
-                  <a:srgbClr val="272AD8"/>
-                </a:solidFill>
-                <a:latin typeface="Menlo" charset="0"/>
-              </a:rPr>
-              <a:t>-1</a:t>
-            </a:r>
-            <a:r>
-              <a:rPr lang="is-IS" sz="1200" dirty="0">
-                <a:solidFill>
-                  <a:srgbClr val="000000"/>
-                </a:solidFill>
-                <a:latin typeface="Menlo" charset="0"/>
-              </a:rPr>
-              <a:t>],</a:t>
-            </a:r>
-          </a:p>
-          <a:p>
-            <a:r>
-              <a:rPr lang="is-IS" sz="1200" dirty="0">
-                <a:solidFill>
-                  <a:srgbClr val="000000"/>
-                </a:solidFill>
-                <a:latin typeface="Menlo" charset="0"/>
-              </a:rPr>
-              <a:t>                         [</a:t>
-            </a:r>
-            <a:r>
-              <a:rPr lang="is-IS" sz="1200" dirty="0">
-                <a:solidFill>
-                  <a:srgbClr val="272AD8"/>
-                </a:solidFill>
-                <a:latin typeface="Menlo" charset="0"/>
-              </a:rPr>
-              <a:t>10</a:t>
-            </a:r>
-            <a:r>
-              <a:rPr lang="is-IS" sz="1200" dirty="0">
-                <a:solidFill>
-                  <a:srgbClr val="000000"/>
-                </a:solidFill>
-                <a:latin typeface="Menlo" charset="0"/>
-              </a:rPr>
-              <a:t>, </a:t>
-            </a:r>
-            <a:r>
-              <a:rPr lang="is-IS" sz="1200" dirty="0">
-                <a:solidFill>
-                  <a:srgbClr val="272AD8"/>
-                </a:solidFill>
-                <a:latin typeface="Menlo" charset="0"/>
-              </a:rPr>
-              <a:t>13</a:t>
-            </a:r>
-            <a:r>
-              <a:rPr lang="is-IS" sz="1200" dirty="0">
-                <a:solidFill>
-                  <a:srgbClr val="000000"/>
-                </a:solidFill>
-                <a:latin typeface="Menlo" charset="0"/>
-              </a:rPr>
-              <a:t>, </a:t>
-            </a:r>
-            <a:r>
-              <a:rPr lang="is-IS" sz="1200" dirty="0">
-                <a:solidFill>
-                  <a:srgbClr val="272AD8"/>
-                </a:solidFill>
-                <a:latin typeface="Menlo" charset="0"/>
-              </a:rPr>
-              <a:t>15</a:t>
-            </a:r>
-            <a:r>
-              <a:rPr lang="is-IS" sz="1200" dirty="0">
-                <a:solidFill>
-                  <a:srgbClr val="000000"/>
-                </a:solidFill>
-                <a:latin typeface="Menlo" charset="0"/>
-              </a:rPr>
-              <a:t>, </a:t>
-            </a:r>
-            <a:r>
-              <a:rPr lang="is-IS" sz="1200" dirty="0">
-                <a:solidFill>
-                  <a:srgbClr val="272AD8"/>
-                </a:solidFill>
-                <a:latin typeface="Menlo" charset="0"/>
-              </a:rPr>
-              <a:t>-1</a:t>
-            </a:r>
-            <a:r>
-              <a:rPr lang="is-IS" sz="1200" dirty="0">
-                <a:solidFill>
-                  <a:srgbClr val="000000"/>
-                </a:solidFill>
-                <a:latin typeface="Menlo" charset="0"/>
-              </a:rPr>
-              <a:t>],</a:t>
-            </a:r>
-          </a:p>
-          <a:p>
-            <a:r>
-              <a:rPr lang="is-IS" sz="1200" dirty="0">
-                <a:solidFill>
-                  <a:srgbClr val="000000"/>
-                </a:solidFill>
-                <a:latin typeface="Menlo" charset="0"/>
-              </a:rPr>
-              <a:t>                         [</a:t>
-            </a:r>
-            <a:r>
-              <a:rPr lang="is-IS" sz="1200" dirty="0">
-                <a:solidFill>
-                  <a:srgbClr val="272AD8"/>
-                </a:solidFill>
-                <a:latin typeface="Menlo" charset="0"/>
-              </a:rPr>
-              <a:t>11</a:t>
-            </a:r>
-            <a:r>
-              <a:rPr lang="is-IS" sz="1200" dirty="0">
-                <a:solidFill>
-                  <a:srgbClr val="000000"/>
-                </a:solidFill>
-                <a:latin typeface="Menlo" charset="0"/>
-              </a:rPr>
-              <a:t>, </a:t>
-            </a:r>
-            <a:r>
-              <a:rPr lang="is-IS" sz="1200" dirty="0">
-                <a:solidFill>
-                  <a:srgbClr val="272AD8"/>
-                </a:solidFill>
-                <a:latin typeface="Menlo" charset="0"/>
-              </a:rPr>
-              <a:t>14</a:t>
-            </a:r>
-            <a:r>
-              <a:rPr lang="is-IS" sz="1200" dirty="0">
-                <a:solidFill>
-                  <a:srgbClr val="000000"/>
-                </a:solidFill>
-                <a:latin typeface="Menlo" charset="0"/>
-              </a:rPr>
-              <a:t>, </a:t>
-            </a:r>
-            <a:r>
-              <a:rPr lang="is-IS" sz="1200" dirty="0">
-                <a:solidFill>
-                  <a:srgbClr val="272AD8"/>
-                </a:solidFill>
-                <a:latin typeface="Menlo" charset="0"/>
-              </a:rPr>
-              <a:t>16</a:t>
-            </a:r>
-            <a:r>
-              <a:rPr lang="is-IS" sz="1200" dirty="0">
-                <a:solidFill>
-                  <a:srgbClr val="000000"/>
-                </a:solidFill>
-                <a:latin typeface="Menlo" charset="0"/>
-              </a:rPr>
-              <a:t>, </a:t>
-            </a:r>
-            <a:r>
-              <a:rPr lang="is-IS" sz="1200" dirty="0">
-                <a:solidFill>
-                  <a:srgbClr val="272AD8"/>
-                </a:solidFill>
-                <a:latin typeface="Menlo" charset="0"/>
-              </a:rPr>
-              <a:t>-1</a:t>
-            </a:r>
-            <a:r>
-              <a:rPr lang="is-IS" sz="1200" dirty="0">
-                <a:solidFill>
-                  <a:srgbClr val="000000"/>
-                </a:solidFill>
-                <a:latin typeface="Menlo" charset="0"/>
-              </a:rPr>
-              <a:t>],</a:t>
-            </a:r>
-          </a:p>
-          <a:p>
-            <a:r>
-              <a:rPr lang="is-IS" sz="1200" dirty="0">
-                <a:solidFill>
-                  <a:srgbClr val="000000"/>
-                </a:solidFill>
-                <a:latin typeface="Menlo" charset="0"/>
-              </a:rPr>
-              <a:t>                         [</a:t>
-            </a:r>
-            <a:r>
-              <a:rPr lang="is-IS" sz="1200" dirty="0">
-                <a:solidFill>
-                  <a:srgbClr val="272AD8"/>
-                </a:solidFill>
-                <a:latin typeface="Menlo" charset="0"/>
-              </a:rPr>
-              <a:t>12</a:t>
-            </a:r>
-            <a:r>
-              <a:rPr lang="is-IS" sz="1200" dirty="0">
-                <a:solidFill>
-                  <a:srgbClr val="000000"/>
-                </a:solidFill>
-                <a:latin typeface="Menlo" charset="0"/>
-              </a:rPr>
-              <a:t>, </a:t>
-            </a:r>
-            <a:r>
-              <a:rPr lang="is-IS" sz="1200" dirty="0">
-                <a:solidFill>
-                  <a:srgbClr val="272AD8"/>
-                </a:solidFill>
-                <a:latin typeface="Menlo" charset="0"/>
-              </a:rPr>
-              <a:t>15</a:t>
-            </a:r>
-            <a:r>
-              <a:rPr lang="is-IS" sz="1200" dirty="0">
+              <a:rPr lang="is-IS" sz="1200" dirty="0" smtClean="0">
                 <a:solidFill>
                   <a:srgbClr val="000000"/>
                 </a:solidFill>
@@ -10589,7 +10862,7 @@
                 </a:solidFill>
                 <a:latin typeface="Menlo" charset="0"/>
               </a:rPr>
-              <a:t> == 7</a:t>
+              <a:t> == 6</a:t>
             </a:r>
             <a:endParaRPr lang="en-US" sz="1000" dirty="0"/>
           </a:p>
@@ -10728,6 +11001,262 @@
                 </a:schemeClr>
               </a:solidFill>
             </a:endParaRPr>
+          </a:p>
+        </p:txBody>
+      </p:sp>
+      <p:cxnSp>
+        <p:nvCxnSpPr>
+          <p:cNvPr id="63" name="Straight Arrow Connector 62"/>
+          <p:cNvCxnSpPr>
+            <a:stCxn id="59" idx="2"/>
+            <a:endCxn id="65" idx="1"/>
+          </p:cNvCxnSpPr>
+          <p:nvPr/>
+        </p:nvCxnSpPr>
+        <p:spPr>
+          <a:xfrm>
+            <a:off x="8732012" y="3154619"/>
+            <a:ext cx="1332078" cy="814715"/>
+          </a:xfrm>
+          <a:prstGeom prst="straightConnector1">
+            <a:avLst/>
+          </a:prstGeom>
+          <a:ln w="28575">
+            <a:solidFill>
+              <a:schemeClr val="tx1"/>
+            </a:solidFill>
+            <a:headEnd type="none" w="med" len="med"/>
+            <a:tailEnd type="arrow" w="med" len="med"/>
+          </a:ln>
+        </p:spPr>
+        <p:style>
+          <a:lnRef idx="1">
+            <a:schemeClr val="accent1"/>
+          </a:lnRef>
+          <a:fillRef idx="0">
+            <a:schemeClr val="accent1"/>
+          </a:fillRef>
+          <a:effectRef idx="0">
+            <a:schemeClr val="accent1"/>
+          </a:effectRef>
+          <a:fontRef idx="minor">
+            <a:schemeClr val="tx1"/>
+          </a:fontRef>
+        </p:style>
+      </p:cxnSp>
+      <p:sp>
+        <p:nvSpPr>
+          <p:cNvPr id="33" name="TextBox 32"/>
+          <p:cNvSpPr txBox="1"/>
+          <p:nvPr/>
+        </p:nvSpPr>
+        <p:spPr>
+          <a:xfrm>
+            <a:off x="10201976" y="3482884"/>
+            <a:ext cx="1958485" cy="954107"/>
+          </a:xfrm>
+          <a:prstGeom prst="rect">
+            <a:avLst/>
+          </a:prstGeom>
+          <a:noFill/>
+        </p:spPr>
+        <p:txBody>
+          <a:bodyPr wrap="none" rtlCol="0">
+            <a:spAutoFit/>
+          </a:bodyPr>
+          <a:lstStyle/>
+          <a:p>
+            <a:r>
+              <a:rPr lang="en-US" sz="1400" dirty="0" smtClean="0"/>
+              <a:t>Cell(2) = 12 is not empty</a:t>
+            </a:r>
+          </a:p>
+          <a:p>
+            <a:r>
+              <a:rPr lang="en-US" sz="1400" b="1" u="sng" dirty="0" smtClean="0"/>
+              <a:t>Cell(5) is empty</a:t>
+            </a:r>
+          </a:p>
+          <a:p>
+            <a:r>
+              <a:rPr lang="en-US" sz="1400" dirty="0" smtClean="0"/>
+              <a:t>Cell(7) = 5 is not empty</a:t>
+            </a:r>
+          </a:p>
+          <a:p>
+            <a:r>
+              <a:rPr lang="en-US" sz="1400" dirty="0" smtClean="0"/>
+              <a:t>Cell(10) = 2 is not empty</a:t>
+            </a:r>
+            <a:endParaRPr lang="en-US" sz="1400" dirty="0"/>
+          </a:p>
+        </p:txBody>
+      </p:sp>
+      <p:cxnSp>
+        <p:nvCxnSpPr>
+          <p:cNvPr id="64" name="Straight Arrow Connector 63"/>
+          <p:cNvCxnSpPr>
+            <a:stCxn id="33" idx="2"/>
+            <a:endCxn id="40" idx="0"/>
+          </p:cNvCxnSpPr>
+          <p:nvPr/>
+        </p:nvCxnSpPr>
+        <p:spPr>
+          <a:xfrm flipH="1">
+            <a:off x="10339862" y="4436991"/>
+            <a:ext cx="841357" cy="1092812"/>
+          </a:xfrm>
+          <a:prstGeom prst="straightConnector1">
+            <a:avLst/>
+          </a:prstGeom>
+          <a:ln w="28575">
+            <a:solidFill>
+              <a:schemeClr val="tx1"/>
+            </a:solidFill>
+            <a:headEnd type="none" w="med" len="med"/>
+            <a:tailEnd type="arrow" w="med" len="med"/>
+          </a:ln>
+        </p:spPr>
+        <p:style>
+          <a:lnRef idx="1">
+            <a:schemeClr val="accent1"/>
+          </a:lnRef>
+          <a:fillRef idx="0">
+            <a:schemeClr val="accent1"/>
+          </a:fillRef>
+          <a:effectRef idx="0">
+            <a:schemeClr val="accent1"/>
+          </a:effectRef>
+          <a:fontRef idx="minor">
+            <a:schemeClr val="tx1"/>
+          </a:fontRef>
+        </p:style>
+      </p:cxnSp>
+      <p:sp>
+        <p:nvSpPr>
+          <p:cNvPr id="40" name="TextBox 39"/>
+          <p:cNvSpPr txBox="1"/>
+          <p:nvPr/>
+        </p:nvSpPr>
+        <p:spPr>
+          <a:xfrm>
+            <a:off x="8899403" y="5529803"/>
+            <a:ext cx="2880917" cy="276999"/>
+          </a:xfrm>
+          <a:prstGeom prst="rect">
+            <a:avLst/>
+          </a:prstGeom>
+          <a:noFill/>
+        </p:spPr>
+        <p:txBody>
+          <a:bodyPr wrap="none" rtlCol="0">
+            <a:spAutoFit/>
+          </a:bodyPr>
+          <a:lstStyle/>
+          <a:p>
+            <a:r>
+              <a:rPr lang="en-US" sz="1200" dirty="0" smtClean="0">
+                <a:solidFill>
+                  <a:srgbClr val="BA2DA2"/>
+                </a:solidFill>
+                <a:latin typeface="Menlo" charset="0"/>
+              </a:rPr>
+              <a:t>return</a:t>
+            </a:r>
+            <a:r>
+              <a:rPr lang="en-US" sz="1200" dirty="0" smtClean="0">
+                <a:solidFill>
+                  <a:srgbClr val="000000"/>
+                </a:solidFill>
+                <a:latin typeface="Menlo" charset="0"/>
+              </a:rPr>
+              <a:t> </a:t>
+            </a:r>
+            <a:r>
+              <a:rPr lang="en-US" sz="1200" dirty="0" smtClean="0">
+                <a:solidFill>
+                  <a:srgbClr val="BA2DA2"/>
+                </a:solidFill>
+                <a:latin typeface="Menlo" charset="0"/>
+              </a:rPr>
+              <a:t>true </a:t>
+            </a:r>
+            <a:r>
+              <a:rPr lang="en-US" sz="1200" dirty="0" smtClean="0">
+                <a:solidFill>
+                  <a:srgbClr val="008400"/>
+                </a:solidFill>
+                <a:latin typeface="Menlo" charset="0"/>
+              </a:rPr>
+              <a:t>//</a:t>
+            </a:r>
+            <a:r>
+              <a:rPr lang="en-US" sz="1200" dirty="0" err="1" smtClean="0">
+                <a:solidFill>
+                  <a:srgbClr val="008400"/>
+                </a:solidFill>
+                <a:latin typeface="Menlo" charset="0"/>
+              </a:rPr>
+              <a:t>canMove</a:t>
+            </a:r>
+            <a:r>
+              <a:rPr lang="en-US" sz="1200" dirty="0" smtClean="0">
+                <a:solidFill>
+                  <a:srgbClr val="008400"/>
+                </a:solidFill>
+                <a:latin typeface="Menlo" charset="0"/>
+              </a:rPr>
+              <a:t> is true</a:t>
+            </a:r>
+            <a:endParaRPr lang="en-US" sz="1200" dirty="0">
+              <a:solidFill>
+                <a:srgbClr val="000000"/>
+              </a:solidFill>
+              <a:latin typeface="Menlo" charset="0"/>
+            </a:endParaRPr>
+          </a:p>
+        </p:txBody>
+      </p:sp>
+      <p:sp>
+        <p:nvSpPr>
+          <p:cNvPr id="65" name="Left Brace 64"/>
+          <p:cNvSpPr/>
+          <p:nvPr/>
+        </p:nvSpPr>
+        <p:spPr>
+          <a:xfrm>
+            <a:off x="10064090" y="3399247"/>
+            <a:ext cx="275772" cy="1140173"/>
+          </a:xfrm>
+          <a:prstGeom prst="leftBrace">
+            <a:avLst/>
+          </a:prstGeom>
+          <a:ln w="12700">
+            <a:solidFill>
+              <a:schemeClr val="tx1"/>
+            </a:solidFill>
+          </a:ln>
+        </p:spPr>
+        <p:style>
+          <a:lnRef idx="1">
+            <a:schemeClr val="accent1"/>
+          </a:lnRef>
+          <a:fillRef idx="0">
+            <a:schemeClr val="accent1"/>
+          </a:fillRef>
+          <a:effectRef idx="0">
+            <a:schemeClr val="accent1"/>
+          </a:effectRef>
+          <a:fontRef idx="minor">
+            <a:schemeClr val="tx1"/>
+          </a:fontRef>
+        </p:style>
+        <p:txBody>
+          <a:bodyPr rtlCol="0" anchor="ctr"/>
+          <a:lstStyle/>
+          <a:p>
+            <a:pPr algn="ctr"/>
+            <a:endParaRPr lang="en-US"/>
           </a:p>
         </p:txBody>
       </p:sp>
@@ -11209,6 +11738,193 @@
                             </p:childTnLst>
                           </p:cTn>
                         </p:par>
+                        <p:par>
+                          <p:cTn id="40" fill="hold">
+                            <p:stCondLst>
+                              <p:cond delay="4500"/>
+                            </p:stCondLst>
+                            <p:childTnLst>
+                              <p:par>
+                                <p:cTn id="41" presetID="22" presetClass="entr" presetSubtype="8" fill="hold" nodeType="afterEffect">
+                                  <p:stCondLst>
+                                    <p:cond delay="1000"/>
+                                  </p:stCondLst>
+                                  <p:childTnLst>
+                                    <p:set>
+                                      <p:cBhvr>
+                                        <p:cTn id="42" dur="1" fill="hold">
+                                          <p:stCondLst>
+                                            <p:cond delay="0"/>
+                                          </p:stCondLst>
+                                        </p:cTn>
+                                        <p:tgtEl>
+                                          <p:spTgt spid="63"/>
+                                        </p:tgtEl>
+                                        <p:attrNameLst>
+                                          <p:attrName>style.visibility</p:attrName>
+                                        </p:attrNameLst>
+                                      </p:cBhvr>
+                                      <p:to>
+                                        <p:strVal val="visible"/>
+                                      </p:to>
+                                    </p:set>
+                                    <p:animEffect transition="in" filter="wipe(left)">
+                                      <p:cBhvr>
+                                        <p:cTn id="43" dur="500"/>
+                                        <p:tgtEl>
+                                          <p:spTgt spid="63"/>
+                                        </p:tgtEl>
+                                      </p:cBhvr>
+                                    </p:animEffect>
+                                  </p:childTnLst>
+                                </p:cTn>
+                              </p:par>
+                            </p:childTnLst>
+                          </p:cTn>
+                        </p:par>
+                        <p:par>
+                          <p:cTn id="44" fill="hold">
+                            <p:stCondLst>
+                              <p:cond delay="6000"/>
+                            </p:stCondLst>
+                            <p:childTnLst>
+                              <p:par>
+                                <p:cTn id="45" presetID="1" presetClass="entr" presetSubtype="0" fill="hold" grpId="0" nodeType="afterEffect">
+                                  <p:stCondLst>
+                                    <p:cond delay="0"/>
+                                  </p:stCondLst>
+                                  <p:childTnLst>
+                                    <p:set>
+                                      <p:cBhvr>
+                                        <p:cTn id="46" dur="1" fill="hold">
+                                          <p:stCondLst>
+                                            <p:cond delay="0"/>
+                                          </p:stCondLst>
+                                        </p:cTn>
+                                        <p:tgtEl>
+                                          <p:spTgt spid="65"/>
+                                        </p:tgtEl>
+                                        <p:attrNameLst>
+                                          <p:attrName>style.visibility</p:attrName>
+                                        </p:attrNameLst>
+                                      </p:cBhvr>
+                                      <p:to>
+                                        <p:strVal val="visible"/>
+                                      </p:to>
+                                    </p:set>
+                                  </p:childTnLst>
+                                </p:cTn>
+                              </p:par>
+                            </p:childTnLst>
+                          </p:cTn>
+                        </p:par>
+                        <p:par>
+                          <p:cTn id="47" fill="hold">
+                            <p:stCondLst>
+                              <p:cond delay="6000"/>
+                            </p:stCondLst>
+                            <p:childTnLst>
+                              <p:par>
+                                <p:cTn id="48" presetID="22" presetClass="entr" presetSubtype="2" fill="hold" nodeType="afterEffect">
+                                  <p:stCondLst>
+                                    <p:cond delay="1000"/>
+                                  </p:stCondLst>
+                                  <p:childTnLst>
+                                    <p:set>
+                                      <p:cBhvr>
+                                        <p:cTn id="49" dur="1" fill="hold">
+                                          <p:stCondLst>
+                                            <p:cond delay="0"/>
+                                          </p:stCondLst>
+                                        </p:cTn>
+                                        <p:tgtEl>
+                                          <p:spTgt spid="64"/>
+                                        </p:tgtEl>
+                                        <p:attrNameLst>
+                                          <p:attrName>style.visibility</p:attrName>
+                                        </p:attrNameLst>
+                                      </p:cBhvr>
+                                      <p:to>
+                                        <p:strVal val="visible"/>
+                                      </p:to>
+                                    </p:set>
+                                    <p:animEffect transition="in" filter="wipe(right)">
+                                      <p:cBhvr>
+                                        <p:cTn id="50" dur="500"/>
+                                        <p:tgtEl>
+                                          <p:spTgt spid="64"/>
+                                        </p:tgtEl>
+                                      </p:cBhvr>
+                                    </p:animEffect>
+                                  </p:childTnLst>
+                                </p:cTn>
+                              </p:par>
+                              <p:par>
+                                <p:cTn id="51" presetID="1" presetClass="entr" presetSubtype="0" fill="hold" grpId="0" nodeType="withEffect">
+                                  <p:stCondLst>
+                                    <p:cond delay="0"/>
+                                  </p:stCondLst>
+                                  <p:childTnLst>
+                                    <p:set>
+                                      <p:cBhvr>
+                                        <p:cTn id="52" dur="1" fill="hold">
+                                          <p:stCondLst>
+                                            <p:cond delay="0"/>
+                                          </p:stCondLst>
+                                        </p:cTn>
+                                        <p:tgtEl>
+                                          <p:spTgt spid="33"/>
+                                        </p:tgtEl>
+                                        <p:attrNameLst>
+                                          <p:attrName>style.visibility</p:attrName>
+                                        </p:attrNameLst>
+                                      </p:cBhvr>
+                                      <p:to>
+                                        <p:strVal val="visible"/>
+                                      </p:to>
+                                    </p:set>
+                                  </p:childTnLst>
+                                </p:cTn>
+                              </p:par>
+                            </p:childTnLst>
+                          </p:cTn>
+                        </p:par>
+                        <p:par>
+                          <p:cTn id="53" fill="hold">
+                            <p:stCondLst>
+                              <p:cond delay="7500"/>
+                            </p:stCondLst>
+                            <p:childTnLst>
+                              <p:par>
+                                <p:cTn id="54" presetID="1" presetClass="entr" presetSubtype="0" fill="hold" grpId="0" nodeType="afterEffect">
+                                  <p:stCondLst>
+                                    <p:cond delay="0"/>
+                                  </p:stCondLst>
+                                  <p:childTnLst>
+                                    <p:set>
+                                      <p:cBhvr>
+                                        <p:cTn id="55" dur="1" fill="hold">
+                                          <p:stCondLst>
+                                            <p:cond delay="0"/>
+                                          </p:stCondLst>
+                                        </p:cTn>
+                                        <p:tgtEl>
+                                          <p:spTgt spid="40"/>
+                                        </p:tgtEl>
+                                        <p:attrNameLst>
+                                          <p:attrName>style.visibility</p:attrName>
+                                        </p:attrNameLst>
+                                      </p:cBhvr>
+                                      <p:to>
+                                        <p:strVal val="visible"/>
+                                      </p:to>
+                                    </p:set>
+                                  </p:childTnLst>
+                                </p:cTn>
+                              </p:par>
+                            </p:childTnLst>
+                          </p:cTn>
+                        </p:par>
                       </p:childTnLst>
                     </p:cTn>
                   </p:par>
@@ -11240,6 +11956,9 @@
       <p:bldP spid="44" grpId="0" animBg="1"/>
       <p:bldP spid="32" grpId="0" animBg="1"/>
       <p:bldP spid="59" grpId="0" animBg="1"/>
+      <p:bldP spid="33" grpId="0"/>
+      <p:bldP spid="40" grpId="0"/>
+      <p:bldP spid="65" grpId="0" animBg="1"/>
     </p:bldLst>
   </p:timing>
 </p:sld>
@@ -11264,7 +11983,1507 @@
       </p:grpSpPr>
       <p:sp>
         <p:nvSpPr>
-          <p:cNvPr id="4" name="Rounded Rectangle 3"/>
+          <p:cNvPr id="2" name="Title 1"/>
+          <p:cNvSpPr>
+            <a:spLocks noGrp="1"/>
+          </p:cNvSpPr>
+          <p:nvPr>
+            <p:ph type="title"/>
+          </p:nvPr>
+        </p:nvSpPr>
+        <p:spPr>
+          <a:xfrm>
+            <a:off x="838200" y="365125"/>
+            <a:ext cx="10515600" cy="549275"/>
+          </a:xfrm>
+        </p:spPr>
+        <p:txBody>
+          <a:bodyPr>
+            <a:normAutofit fontScale="90000"/>
+          </a:bodyPr>
+          <a:lstStyle/>
+          <a:p>
+            <a:r>
+              <a:rPr lang="en-US" dirty="0" smtClean="0"/>
+              <a:t>Algorithm </a:t>
+            </a:r>
+            <a:r>
+              <a:rPr lang="mr-IN" dirty="0" smtClean="0"/>
+              <a:t>–</a:t>
+            </a:r>
+            <a:r>
+              <a:rPr lang="en-US" dirty="0" smtClean="0"/>
+              <a:t> All together</a:t>
+            </a:r>
+            <a:endParaRPr lang="en-US" dirty="0"/>
+          </a:p>
+        </p:txBody>
+      </p:sp>
+      <p:sp>
+        <p:nvSpPr>
+          <p:cNvPr id="23" name="TextBox 22"/>
+          <p:cNvSpPr txBox="1"/>
+          <p:nvPr/>
+        </p:nvSpPr>
+        <p:spPr>
+          <a:xfrm>
+            <a:off x="6042883" y="803970"/>
+            <a:ext cx="6075173" cy="6070893"/>
+          </a:xfrm>
+          <a:prstGeom prst="rect">
+            <a:avLst/>
+          </a:prstGeom>
+          <a:noFill/>
+        </p:spPr>
+        <p:txBody>
+          <a:bodyPr wrap="square" rtlCol="0">
+            <a:spAutoFit/>
+          </a:bodyPr>
+          <a:lstStyle/>
+          <a:p>
+            <a:r>
+              <a:rPr lang="en-US" sz="1050" dirty="0">
+                <a:solidFill>
+                  <a:srgbClr val="000000"/>
+                </a:solidFill>
+                <a:latin typeface="Menlo" charset="0"/>
+              </a:rPr>
+              <a:t>    </a:t>
+            </a:r>
+            <a:r>
+              <a:rPr lang="en-US" sz="1050" dirty="0">
+                <a:solidFill>
+                  <a:srgbClr val="BA2DA2"/>
+                </a:solidFill>
+                <a:latin typeface="Menlo" charset="0"/>
+              </a:rPr>
+              <a:t>@</a:t>
+            </a:r>
+            <a:r>
+              <a:rPr lang="en-US" sz="1050" dirty="0" err="1">
+                <a:solidFill>
+                  <a:srgbClr val="BA2DA2"/>
+                </a:solidFill>
+                <a:latin typeface="Menlo" charset="0"/>
+              </a:rPr>
+              <a:t>IBAction</a:t>
+            </a:r>
+            <a:r>
+              <a:rPr lang="en-US" sz="1050" dirty="0">
+                <a:solidFill>
+                  <a:srgbClr val="000000"/>
+                </a:solidFill>
+                <a:latin typeface="Menlo" charset="0"/>
+              </a:rPr>
+              <a:t> </a:t>
+            </a:r>
+            <a:r>
+              <a:rPr lang="en-US" sz="1050" dirty="0" err="1">
+                <a:solidFill>
+                  <a:srgbClr val="BA2DA2"/>
+                </a:solidFill>
+                <a:latin typeface="Menlo" charset="0"/>
+              </a:rPr>
+              <a:t>func</a:t>
+            </a:r>
+            <a:r>
+              <a:rPr lang="en-US" sz="1050" dirty="0">
+                <a:solidFill>
+                  <a:srgbClr val="000000"/>
+                </a:solidFill>
+                <a:latin typeface="Menlo" charset="0"/>
+              </a:rPr>
+              <a:t> </a:t>
+            </a:r>
+            <a:r>
+              <a:rPr lang="en-US" sz="1050" dirty="0" err="1">
+                <a:solidFill>
+                  <a:srgbClr val="000000"/>
+                </a:solidFill>
+                <a:latin typeface="Menlo" charset="0"/>
+              </a:rPr>
+              <a:t>numberPressed</a:t>
+            </a:r>
+            <a:r>
+              <a:rPr lang="en-US" sz="1050" dirty="0">
+                <a:solidFill>
+                  <a:srgbClr val="000000"/>
+                </a:solidFill>
+                <a:latin typeface="Menlo" charset="0"/>
+              </a:rPr>
+              <a:t>(</a:t>
+            </a:r>
+            <a:r>
+              <a:rPr lang="en-US" sz="1050" dirty="0">
+                <a:solidFill>
+                  <a:srgbClr val="BA2DA2"/>
+                </a:solidFill>
+                <a:latin typeface="Menlo" charset="0"/>
+              </a:rPr>
+              <a:t>_</a:t>
+            </a:r>
+            <a:r>
+              <a:rPr lang="en-US" sz="1050" dirty="0">
+                <a:solidFill>
+                  <a:srgbClr val="000000"/>
+                </a:solidFill>
+                <a:latin typeface="Menlo" charset="0"/>
+              </a:rPr>
+              <a:t> sender: </a:t>
+            </a:r>
+            <a:r>
+              <a:rPr lang="en-US" sz="1050" dirty="0" err="1">
+                <a:solidFill>
+                  <a:srgbClr val="703DAA"/>
+                </a:solidFill>
+                <a:latin typeface="Menlo" charset="0"/>
+              </a:rPr>
+              <a:t>UIButton</a:t>
+            </a:r>
+            <a:r>
+              <a:rPr lang="en-US" sz="1050" dirty="0">
+                <a:solidFill>
+                  <a:srgbClr val="000000"/>
+                </a:solidFill>
+                <a:latin typeface="Menlo" charset="0"/>
+              </a:rPr>
+              <a:t>) </a:t>
+            </a:r>
+            <a:r>
+              <a:rPr lang="en-US" sz="1050" dirty="0" smtClean="0">
+                <a:solidFill>
+                  <a:srgbClr val="000000"/>
+                </a:solidFill>
+                <a:latin typeface="Menlo" charset="0"/>
+              </a:rPr>
+              <a:t>{</a:t>
+            </a:r>
+          </a:p>
+          <a:p>
+            <a:endParaRPr lang="en-US" sz="1050" dirty="0" smtClean="0">
+              <a:solidFill>
+                <a:srgbClr val="000000"/>
+              </a:solidFill>
+              <a:latin typeface="Menlo" charset="0"/>
+            </a:endParaRPr>
+          </a:p>
+          <a:p>
+            <a:r>
+              <a:rPr lang="en-US" sz="1050" dirty="0">
+                <a:solidFill>
+                  <a:srgbClr val="000000"/>
+                </a:solidFill>
+                <a:latin typeface="Menlo" charset="0"/>
+              </a:rPr>
+              <a:t>        </a:t>
+            </a:r>
+            <a:r>
+              <a:rPr lang="en-US" sz="1050" dirty="0">
+                <a:solidFill>
+                  <a:srgbClr val="BA2DA2"/>
+                </a:solidFill>
+                <a:latin typeface="Menlo" charset="0"/>
+              </a:rPr>
+              <a:t>if</a:t>
+            </a:r>
+            <a:r>
+              <a:rPr lang="en-US" sz="1050" dirty="0">
+                <a:solidFill>
+                  <a:srgbClr val="000000"/>
+                </a:solidFill>
+                <a:latin typeface="Menlo" charset="0"/>
+              </a:rPr>
+              <a:t> </a:t>
+            </a:r>
+            <a:r>
+              <a:rPr lang="en-US" sz="1050" dirty="0" err="1">
+                <a:solidFill>
+                  <a:srgbClr val="31595D"/>
+                </a:solidFill>
+                <a:latin typeface="Menlo" charset="0"/>
+              </a:rPr>
+              <a:t>canMove</a:t>
+            </a:r>
+            <a:r>
+              <a:rPr lang="en-US" sz="1050" dirty="0">
+                <a:solidFill>
+                  <a:srgbClr val="000000"/>
+                </a:solidFill>
+                <a:latin typeface="Menlo" charset="0"/>
+              </a:rPr>
+              <a:t>(</a:t>
+            </a:r>
+            <a:r>
+              <a:rPr lang="en-US" sz="1050" dirty="0" err="1">
+                <a:solidFill>
+                  <a:srgbClr val="000000"/>
+                </a:solidFill>
+                <a:latin typeface="Menlo" charset="0"/>
+              </a:rPr>
+              <a:t>buttonPosition</a:t>
+            </a:r>
+            <a:r>
+              <a:rPr lang="en-US" sz="1050" dirty="0">
+                <a:solidFill>
+                  <a:srgbClr val="000000"/>
+                </a:solidFill>
+                <a:latin typeface="Menlo" charset="0"/>
+              </a:rPr>
+              <a:t>: </a:t>
+            </a:r>
+            <a:r>
+              <a:rPr lang="en-US" sz="1050" dirty="0" err="1">
+                <a:solidFill>
+                  <a:srgbClr val="000000"/>
+                </a:solidFill>
+                <a:latin typeface="Menlo" charset="0"/>
+              </a:rPr>
+              <a:t>sender.</a:t>
+            </a:r>
+            <a:r>
+              <a:rPr lang="en-US" sz="1050" dirty="0" err="1">
+                <a:solidFill>
+                  <a:srgbClr val="703DAA"/>
+                </a:solidFill>
+                <a:latin typeface="Menlo" charset="0"/>
+              </a:rPr>
+              <a:t>tag</a:t>
+            </a:r>
+            <a:r>
+              <a:rPr lang="en-US" sz="1050" dirty="0">
+                <a:solidFill>
+                  <a:srgbClr val="000000"/>
+                </a:solidFill>
+                <a:latin typeface="Menlo" charset="0"/>
+              </a:rPr>
+              <a:t>) {</a:t>
+            </a:r>
+          </a:p>
+          <a:p>
+            <a:endParaRPr lang="en-US" sz="1050" dirty="0" smtClean="0">
+              <a:solidFill>
+                <a:srgbClr val="000000"/>
+              </a:solidFill>
+              <a:latin typeface="Menlo" charset="0"/>
+            </a:endParaRPr>
+          </a:p>
+          <a:p>
+            <a:r>
+              <a:rPr lang="en-US" sz="1050" dirty="0" smtClean="0">
+                <a:solidFill>
+                  <a:srgbClr val="000000"/>
+                </a:solidFill>
+                <a:latin typeface="Menlo" charset="0"/>
+              </a:rPr>
+              <a:t>            </a:t>
+            </a:r>
+            <a:r>
+              <a:rPr lang="en-US" sz="1050" dirty="0" err="1" smtClean="0">
+                <a:solidFill>
+                  <a:srgbClr val="31595D"/>
+                </a:solidFill>
+                <a:latin typeface="Menlo" charset="0"/>
+              </a:rPr>
+              <a:t>moveButton</a:t>
+            </a:r>
+            <a:r>
+              <a:rPr lang="en-US" sz="1050" dirty="0" smtClean="0">
+                <a:solidFill>
+                  <a:srgbClr val="000000"/>
+                </a:solidFill>
+                <a:latin typeface="Menlo" charset="0"/>
+              </a:rPr>
+              <a:t>(sender, </a:t>
+            </a:r>
+            <a:r>
+              <a:rPr lang="en-US" sz="1050" dirty="0" err="1" smtClean="0">
+                <a:solidFill>
+                  <a:srgbClr val="4F8187"/>
+                </a:solidFill>
+                <a:latin typeface="Menlo" charset="0"/>
+              </a:rPr>
+              <a:t>blankButton</a:t>
+            </a:r>
+            <a:r>
+              <a:rPr lang="en-US" sz="1050" dirty="0" smtClean="0">
+                <a:solidFill>
+                  <a:srgbClr val="000000"/>
+                </a:solidFill>
+                <a:latin typeface="Menlo" charset="0"/>
+              </a:rPr>
+              <a:t>!)</a:t>
+            </a:r>
+          </a:p>
+          <a:p>
+            <a:endParaRPr lang="en-US" sz="1050" dirty="0" smtClean="0">
+              <a:solidFill>
+                <a:srgbClr val="000000"/>
+              </a:solidFill>
+              <a:latin typeface="Menlo" charset="0"/>
+            </a:endParaRPr>
+          </a:p>
+          <a:p>
+            <a:r>
+              <a:rPr lang="en-US" sz="1050" dirty="0">
+                <a:solidFill>
+                  <a:srgbClr val="000000"/>
+                </a:solidFill>
+                <a:latin typeface="Menlo" charset="0"/>
+              </a:rPr>
+              <a:t>            </a:t>
+            </a:r>
+            <a:r>
+              <a:rPr lang="en-US" sz="1050" dirty="0" err="1">
+                <a:solidFill>
+                  <a:srgbClr val="4F8187"/>
+                </a:solidFill>
+                <a:latin typeface="Menlo" charset="0"/>
+              </a:rPr>
+              <a:t>blankButton</a:t>
+            </a:r>
+            <a:r>
+              <a:rPr lang="en-US" sz="1050" dirty="0">
+                <a:solidFill>
+                  <a:srgbClr val="000000"/>
+                </a:solidFill>
+                <a:latin typeface="Menlo" charset="0"/>
+              </a:rPr>
+              <a:t> = </a:t>
+            </a:r>
+            <a:r>
+              <a:rPr lang="en-US" sz="1050" dirty="0" smtClean="0">
+                <a:solidFill>
+                  <a:srgbClr val="000000"/>
+                </a:solidFill>
+                <a:latin typeface="Menlo" charset="0"/>
+              </a:rPr>
+              <a:t>sender</a:t>
+            </a:r>
+          </a:p>
+          <a:p>
+            <a:endParaRPr lang="en-US" sz="1050" dirty="0">
+              <a:solidFill>
+                <a:srgbClr val="000000"/>
+              </a:solidFill>
+              <a:latin typeface="Menlo" charset="0"/>
+            </a:endParaRPr>
+          </a:p>
+          <a:p>
+            <a:r>
+              <a:rPr lang="en-US" sz="1050" dirty="0">
+                <a:solidFill>
+                  <a:srgbClr val="000000"/>
+                </a:solidFill>
+                <a:latin typeface="Menlo" charset="0"/>
+              </a:rPr>
+              <a:t>            </a:t>
+            </a:r>
+            <a:r>
+              <a:rPr lang="en-US" sz="1050" dirty="0" err="1" smtClean="0">
+                <a:solidFill>
+                  <a:srgbClr val="31595D"/>
+                </a:solidFill>
+                <a:latin typeface="Menlo" charset="0"/>
+              </a:rPr>
+              <a:t>checkIfPuzzleSolved</a:t>
+            </a:r>
+            <a:r>
+              <a:rPr lang="en-US" sz="1050" dirty="0" smtClean="0">
+                <a:solidFill>
+                  <a:srgbClr val="000000"/>
+                </a:solidFill>
+                <a:latin typeface="Menlo" charset="0"/>
+              </a:rPr>
+              <a:t>()</a:t>
+            </a:r>
+            <a:endParaRPr lang="en-US" sz="1050" dirty="0">
+              <a:solidFill>
+                <a:srgbClr val="000000"/>
+              </a:solidFill>
+              <a:latin typeface="Menlo" charset="0"/>
+            </a:endParaRPr>
+          </a:p>
+          <a:p>
+            <a:r>
+              <a:rPr lang="en-US" sz="1050" dirty="0">
+                <a:solidFill>
+                  <a:srgbClr val="000000"/>
+                </a:solidFill>
+                <a:latin typeface="Menlo" charset="0"/>
+              </a:rPr>
+              <a:t>        </a:t>
+            </a:r>
+            <a:r>
+              <a:rPr lang="en-US" sz="1050" dirty="0" smtClean="0">
+                <a:solidFill>
+                  <a:srgbClr val="000000"/>
+                </a:solidFill>
+                <a:latin typeface="Menlo" charset="0"/>
+              </a:rPr>
+              <a:t>}</a:t>
+            </a:r>
+          </a:p>
+          <a:p>
+            <a:r>
+              <a:rPr lang="en-US" sz="1050" dirty="0">
+                <a:solidFill>
+                  <a:srgbClr val="000000"/>
+                </a:solidFill>
+                <a:latin typeface="Menlo" charset="0"/>
+              </a:rPr>
+              <a:t>    }</a:t>
+            </a:r>
+          </a:p>
+          <a:p>
+            <a:r>
+              <a:rPr lang="en-US" sz="1050" dirty="0">
+                <a:solidFill>
+                  <a:srgbClr val="000000"/>
+                </a:solidFill>
+                <a:latin typeface="Menlo" charset="0"/>
+              </a:rPr>
+              <a:t>    </a:t>
+            </a:r>
+          </a:p>
+          <a:p>
+            <a:r>
+              <a:rPr lang="en-US" sz="1050" dirty="0">
+                <a:solidFill>
+                  <a:srgbClr val="000000"/>
+                </a:solidFill>
+                <a:latin typeface="Menlo" charset="0"/>
+              </a:rPr>
+              <a:t>    </a:t>
+            </a:r>
+            <a:r>
+              <a:rPr lang="en-US" sz="1050" dirty="0" err="1">
+                <a:solidFill>
+                  <a:srgbClr val="BA2DA2"/>
+                </a:solidFill>
+                <a:latin typeface="Menlo" charset="0"/>
+              </a:rPr>
+              <a:t>func</a:t>
+            </a:r>
+            <a:r>
+              <a:rPr lang="en-US" sz="1050" dirty="0">
+                <a:solidFill>
+                  <a:srgbClr val="000000"/>
+                </a:solidFill>
+                <a:latin typeface="Menlo" charset="0"/>
+              </a:rPr>
+              <a:t> </a:t>
+            </a:r>
+            <a:r>
+              <a:rPr lang="en-US" sz="1050" dirty="0" err="1">
+                <a:solidFill>
+                  <a:srgbClr val="000000"/>
+                </a:solidFill>
+                <a:latin typeface="Menlo" charset="0"/>
+              </a:rPr>
+              <a:t>moveButton</a:t>
+            </a:r>
+            <a:r>
+              <a:rPr lang="en-US" sz="1050" dirty="0">
+                <a:solidFill>
+                  <a:srgbClr val="000000"/>
+                </a:solidFill>
+                <a:latin typeface="Menlo" charset="0"/>
+              </a:rPr>
+              <a:t>(</a:t>
+            </a:r>
+            <a:r>
+              <a:rPr lang="en-US" sz="1050" dirty="0">
+                <a:solidFill>
+                  <a:srgbClr val="BA2DA2"/>
+                </a:solidFill>
+                <a:latin typeface="Menlo" charset="0"/>
+              </a:rPr>
+              <a:t>_</a:t>
+            </a:r>
+            <a:r>
+              <a:rPr lang="en-US" sz="1050" dirty="0">
+                <a:solidFill>
+                  <a:srgbClr val="000000"/>
+                </a:solidFill>
+                <a:latin typeface="Menlo" charset="0"/>
+              </a:rPr>
+              <a:t> </a:t>
+            </a:r>
+            <a:r>
+              <a:rPr lang="en-US" sz="1050" dirty="0" err="1">
+                <a:solidFill>
+                  <a:srgbClr val="000000"/>
+                </a:solidFill>
+                <a:latin typeface="Menlo" charset="0"/>
+              </a:rPr>
+              <a:t>fromButton</a:t>
+            </a:r>
+            <a:r>
+              <a:rPr lang="en-US" sz="1050" dirty="0">
+                <a:solidFill>
+                  <a:srgbClr val="000000"/>
+                </a:solidFill>
+                <a:latin typeface="Menlo" charset="0"/>
+              </a:rPr>
+              <a:t>: </a:t>
+            </a:r>
+            <a:r>
+              <a:rPr lang="en-US" sz="1050" dirty="0" err="1">
+                <a:solidFill>
+                  <a:srgbClr val="703DAA"/>
+                </a:solidFill>
+                <a:latin typeface="Menlo" charset="0"/>
+              </a:rPr>
+              <a:t>UIButton</a:t>
+            </a:r>
+            <a:r>
+              <a:rPr lang="en-US" sz="1050" dirty="0">
+                <a:solidFill>
+                  <a:srgbClr val="000000"/>
+                </a:solidFill>
+                <a:latin typeface="Menlo" charset="0"/>
+              </a:rPr>
+              <a:t>, </a:t>
+            </a:r>
+            <a:r>
+              <a:rPr lang="en-US" sz="1050" dirty="0">
+                <a:solidFill>
+                  <a:srgbClr val="BA2DA2"/>
+                </a:solidFill>
+                <a:latin typeface="Menlo" charset="0"/>
+              </a:rPr>
+              <a:t>_</a:t>
+            </a:r>
+            <a:r>
+              <a:rPr lang="en-US" sz="1050" dirty="0">
+                <a:solidFill>
+                  <a:srgbClr val="000000"/>
+                </a:solidFill>
+                <a:latin typeface="Menlo" charset="0"/>
+              </a:rPr>
+              <a:t> </a:t>
+            </a:r>
+            <a:r>
+              <a:rPr lang="en-US" sz="1050" dirty="0" err="1">
+                <a:solidFill>
+                  <a:srgbClr val="000000"/>
+                </a:solidFill>
+                <a:latin typeface="Menlo" charset="0"/>
+              </a:rPr>
+              <a:t>toButton</a:t>
+            </a:r>
+            <a:r>
+              <a:rPr lang="en-US" sz="1050" dirty="0">
+                <a:solidFill>
+                  <a:srgbClr val="000000"/>
+                </a:solidFill>
+                <a:latin typeface="Menlo" charset="0"/>
+              </a:rPr>
+              <a:t>: </a:t>
+            </a:r>
+            <a:r>
+              <a:rPr lang="en-US" sz="1050" dirty="0" err="1">
+                <a:solidFill>
+                  <a:srgbClr val="703DAA"/>
+                </a:solidFill>
+                <a:latin typeface="Menlo" charset="0"/>
+              </a:rPr>
+              <a:t>UIButton</a:t>
+            </a:r>
+            <a:r>
+              <a:rPr lang="en-US" sz="1050" dirty="0">
+                <a:solidFill>
+                  <a:srgbClr val="000000"/>
+                </a:solidFill>
+                <a:latin typeface="Menlo" charset="0"/>
+              </a:rPr>
+              <a:t>) </a:t>
+            </a:r>
+            <a:r>
+              <a:rPr lang="en-US" sz="1050" dirty="0" smtClean="0">
+                <a:solidFill>
+                  <a:srgbClr val="000000"/>
+                </a:solidFill>
+                <a:latin typeface="Menlo" charset="0"/>
+              </a:rPr>
+              <a:t>{</a:t>
+            </a:r>
+          </a:p>
+          <a:p>
+            <a:r>
+              <a:rPr lang="en-US" sz="1050" dirty="0">
+                <a:solidFill>
+                  <a:srgbClr val="000000"/>
+                </a:solidFill>
+                <a:latin typeface="Menlo" charset="0"/>
+              </a:rPr>
+              <a:t>        </a:t>
+            </a:r>
+            <a:r>
+              <a:rPr lang="en-US" sz="1050" dirty="0">
+                <a:solidFill>
+                  <a:srgbClr val="008400"/>
+                </a:solidFill>
+                <a:latin typeface="Menlo" charset="0"/>
+              </a:rPr>
+              <a:t>//set title, border, background of </a:t>
+            </a:r>
+            <a:r>
+              <a:rPr lang="en-US" sz="1050" dirty="0" err="1">
+                <a:solidFill>
+                  <a:srgbClr val="000000"/>
+                </a:solidFill>
+                <a:latin typeface="Menlo" charset="0"/>
+              </a:rPr>
+              <a:t>toButton</a:t>
+            </a:r>
+            <a:endParaRPr lang="en-US" sz="1050" dirty="0">
+              <a:solidFill>
+                <a:srgbClr val="008400"/>
+              </a:solidFill>
+              <a:latin typeface="Menlo" charset="0"/>
+            </a:endParaRPr>
+          </a:p>
+          <a:p>
+            <a:r>
+              <a:rPr lang="en-US" sz="1050" dirty="0">
+                <a:solidFill>
+                  <a:srgbClr val="000000"/>
+                </a:solidFill>
+                <a:latin typeface="Menlo" charset="0"/>
+              </a:rPr>
+              <a:t>        </a:t>
+            </a:r>
+            <a:r>
+              <a:rPr lang="en-US" sz="1050" dirty="0">
+                <a:solidFill>
+                  <a:srgbClr val="008400"/>
+                </a:solidFill>
+                <a:latin typeface="Menlo" charset="0"/>
+              </a:rPr>
+              <a:t>//clear title, border, background of </a:t>
+            </a:r>
+            <a:r>
+              <a:rPr lang="en-US" sz="1050" dirty="0" err="1" smtClean="0">
+                <a:solidFill>
+                  <a:srgbClr val="000000"/>
+                </a:solidFill>
+                <a:latin typeface="Menlo" charset="0"/>
+              </a:rPr>
+              <a:t>fromButton</a:t>
+            </a:r>
+            <a:endParaRPr lang="en-US" sz="1050" dirty="0" smtClean="0">
+              <a:solidFill>
+                <a:srgbClr val="000000"/>
+              </a:solidFill>
+              <a:latin typeface="Menlo" charset="0"/>
+            </a:endParaRPr>
+          </a:p>
+          <a:p>
+            <a:r>
+              <a:rPr lang="en-US" sz="1050" dirty="0">
+                <a:solidFill>
+                  <a:srgbClr val="000000"/>
+                </a:solidFill>
+                <a:latin typeface="Menlo" charset="0"/>
+              </a:rPr>
+              <a:t>    }</a:t>
+            </a:r>
+          </a:p>
+          <a:p>
+            <a:r>
+              <a:rPr lang="en-US" sz="1050" dirty="0">
+                <a:solidFill>
+                  <a:srgbClr val="000000"/>
+                </a:solidFill>
+                <a:latin typeface="Menlo" charset="0"/>
+              </a:rPr>
+              <a:t>    </a:t>
+            </a:r>
+          </a:p>
+          <a:p>
+            <a:r>
+              <a:rPr lang="en-US" sz="1050" dirty="0">
+                <a:solidFill>
+                  <a:srgbClr val="000000"/>
+                </a:solidFill>
+                <a:latin typeface="Menlo" charset="0"/>
+              </a:rPr>
+              <a:t>    </a:t>
+            </a:r>
+            <a:r>
+              <a:rPr lang="en-US" sz="1050" dirty="0" err="1">
+                <a:solidFill>
+                  <a:srgbClr val="BA2DA2"/>
+                </a:solidFill>
+                <a:latin typeface="Menlo" charset="0"/>
+              </a:rPr>
+              <a:t>func</a:t>
+            </a:r>
+            <a:r>
+              <a:rPr lang="en-US" sz="1050" dirty="0">
+                <a:solidFill>
+                  <a:srgbClr val="000000"/>
+                </a:solidFill>
+                <a:latin typeface="Menlo" charset="0"/>
+              </a:rPr>
+              <a:t> </a:t>
+            </a:r>
+            <a:r>
+              <a:rPr lang="en-US" sz="1050" dirty="0" err="1">
+                <a:solidFill>
+                  <a:srgbClr val="000000"/>
+                </a:solidFill>
+                <a:latin typeface="Menlo" charset="0"/>
+              </a:rPr>
+              <a:t>canMove</a:t>
+            </a:r>
+            <a:r>
+              <a:rPr lang="en-US" sz="1050" dirty="0">
+                <a:solidFill>
+                  <a:srgbClr val="000000"/>
+                </a:solidFill>
+                <a:latin typeface="Menlo" charset="0"/>
+              </a:rPr>
+              <a:t>(</a:t>
+            </a:r>
+            <a:r>
+              <a:rPr lang="en-US" sz="1050" dirty="0" err="1">
+                <a:solidFill>
+                  <a:srgbClr val="000000"/>
+                </a:solidFill>
+                <a:latin typeface="Menlo" charset="0"/>
+              </a:rPr>
+              <a:t>buttonPosition</a:t>
+            </a:r>
+            <a:r>
+              <a:rPr lang="en-US" sz="1050" dirty="0">
+                <a:solidFill>
+                  <a:srgbClr val="000000"/>
+                </a:solidFill>
+                <a:latin typeface="Menlo" charset="0"/>
+              </a:rPr>
+              <a:t> : </a:t>
+            </a:r>
+            <a:r>
+              <a:rPr lang="en-US" sz="1050" dirty="0" err="1">
+                <a:solidFill>
+                  <a:srgbClr val="703DAA"/>
+                </a:solidFill>
+                <a:latin typeface="Menlo" charset="0"/>
+              </a:rPr>
+              <a:t>Int</a:t>
+            </a:r>
+            <a:r>
+              <a:rPr lang="en-US" sz="1050" dirty="0">
+                <a:solidFill>
+                  <a:srgbClr val="000000"/>
+                </a:solidFill>
+                <a:latin typeface="Menlo" charset="0"/>
+              </a:rPr>
+              <a:t>) -&gt; </a:t>
+            </a:r>
+            <a:r>
+              <a:rPr lang="en-US" sz="1050" dirty="0">
+                <a:solidFill>
+                  <a:srgbClr val="703DAA"/>
+                </a:solidFill>
+                <a:latin typeface="Menlo" charset="0"/>
+              </a:rPr>
+              <a:t>Bool</a:t>
+            </a:r>
+            <a:r>
+              <a:rPr lang="en-US" sz="1050" dirty="0">
+                <a:solidFill>
+                  <a:srgbClr val="000000"/>
+                </a:solidFill>
+                <a:latin typeface="Menlo" charset="0"/>
+              </a:rPr>
+              <a:t> </a:t>
+            </a:r>
+            <a:r>
+              <a:rPr lang="en-US" sz="1050" dirty="0" smtClean="0">
+                <a:solidFill>
+                  <a:srgbClr val="000000"/>
+                </a:solidFill>
+                <a:latin typeface="Menlo" charset="0"/>
+              </a:rPr>
+              <a:t>{</a:t>
+            </a:r>
+          </a:p>
+          <a:p>
+            <a:r>
+              <a:rPr lang="en-US" sz="1050" dirty="0">
+                <a:solidFill>
+                  <a:srgbClr val="000000"/>
+                </a:solidFill>
+                <a:latin typeface="Menlo" charset="0"/>
+              </a:rPr>
+              <a:t>        </a:t>
+            </a:r>
+            <a:r>
+              <a:rPr lang="en-US" sz="1050" dirty="0">
+                <a:solidFill>
+                  <a:srgbClr val="008400"/>
+                </a:solidFill>
+                <a:latin typeface="Menlo" charset="0"/>
+              </a:rPr>
+              <a:t>//Do check</a:t>
+            </a:r>
+          </a:p>
+          <a:p>
+            <a:r>
+              <a:rPr lang="en-US" sz="1050" dirty="0">
+                <a:solidFill>
+                  <a:srgbClr val="000000"/>
+                </a:solidFill>
+                <a:latin typeface="Menlo" charset="0"/>
+              </a:rPr>
+              <a:t>        </a:t>
+            </a:r>
+            <a:r>
+              <a:rPr lang="en-US" sz="1050" dirty="0">
+                <a:solidFill>
+                  <a:srgbClr val="BA2DA2"/>
+                </a:solidFill>
+                <a:latin typeface="Menlo" charset="0"/>
+              </a:rPr>
+              <a:t>return</a:t>
+            </a:r>
+            <a:r>
+              <a:rPr lang="en-US" sz="1050" dirty="0">
+                <a:solidFill>
+                  <a:srgbClr val="000000"/>
+                </a:solidFill>
+                <a:latin typeface="Menlo" charset="0"/>
+              </a:rPr>
+              <a:t> </a:t>
+            </a:r>
+            <a:r>
+              <a:rPr lang="en-US" sz="1050" dirty="0" smtClean="0">
+                <a:solidFill>
+                  <a:srgbClr val="BA2DA2"/>
+                </a:solidFill>
+                <a:latin typeface="Menlo" charset="0"/>
+              </a:rPr>
+              <a:t>true</a:t>
+            </a:r>
+            <a:endParaRPr lang="en-US" sz="1050" dirty="0" smtClean="0">
+              <a:solidFill>
+                <a:srgbClr val="000000"/>
+              </a:solidFill>
+              <a:latin typeface="Menlo" charset="0"/>
+            </a:endParaRPr>
+          </a:p>
+          <a:p>
+            <a:r>
+              <a:rPr lang="en-US" sz="1050" dirty="0">
+                <a:solidFill>
+                  <a:srgbClr val="000000"/>
+                </a:solidFill>
+                <a:latin typeface="Menlo" charset="0"/>
+              </a:rPr>
+              <a:t>    </a:t>
+            </a:r>
+            <a:r>
+              <a:rPr lang="en-US" sz="1050" dirty="0" smtClean="0">
+                <a:solidFill>
+                  <a:srgbClr val="000000"/>
+                </a:solidFill>
+                <a:latin typeface="Menlo" charset="0"/>
+              </a:rPr>
+              <a:t>}</a:t>
+            </a:r>
+          </a:p>
+          <a:p>
+            <a:endParaRPr lang="en-US" sz="1050" dirty="0" smtClean="0">
+              <a:solidFill>
+                <a:srgbClr val="000000"/>
+              </a:solidFill>
+              <a:latin typeface="Menlo" charset="0"/>
+            </a:endParaRPr>
+          </a:p>
+          <a:p>
+            <a:r>
+              <a:rPr lang="en-US" sz="1050" dirty="0">
+                <a:solidFill>
+                  <a:srgbClr val="000000"/>
+                </a:solidFill>
+                <a:latin typeface="Menlo" charset="0"/>
+              </a:rPr>
+              <a:t>    </a:t>
+            </a:r>
+            <a:r>
+              <a:rPr lang="en-US" sz="1050" dirty="0" err="1">
+                <a:solidFill>
+                  <a:srgbClr val="BA2DA2"/>
+                </a:solidFill>
+                <a:latin typeface="Menlo" charset="0"/>
+              </a:rPr>
+              <a:t>func</a:t>
+            </a:r>
+            <a:r>
+              <a:rPr lang="en-US" sz="1050" dirty="0">
+                <a:solidFill>
+                  <a:srgbClr val="000000"/>
+                </a:solidFill>
+                <a:latin typeface="Menlo" charset="0"/>
+              </a:rPr>
+              <a:t> </a:t>
+            </a:r>
+            <a:r>
+              <a:rPr lang="en-US" sz="1050" dirty="0" err="1" smtClean="0">
+                <a:solidFill>
+                  <a:srgbClr val="000000"/>
+                </a:solidFill>
+                <a:latin typeface="Menlo" charset="0"/>
+              </a:rPr>
+              <a:t>randomizePuzzle</a:t>
+            </a:r>
+            <a:r>
+              <a:rPr lang="en-US" sz="1050" dirty="0" smtClean="0">
+                <a:solidFill>
+                  <a:srgbClr val="000000"/>
+                </a:solidFill>
+                <a:latin typeface="Menlo" charset="0"/>
+              </a:rPr>
+              <a:t>() {</a:t>
+            </a:r>
+            <a:endParaRPr lang="en-US" sz="1050" dirty="0">
+              <a:solidFill>
+                <a:srgbClr val="000000"/>
+              </a:solidFill>
+              <a:latin typeface="Menlo" charset="0"/>
+            </a:endParaRPr>
+          </a:p>
+          <a:p>
+            <a:endParaRPr lang="en-US" sz="1050" dirty="0" smtClean="0">
+              <a:solidFill>
+                <a:srgbClr val="000000"/>
+              </a:solidFill>
+              <a:latin typeface="Menlo" charset="0"/>
+            </a:endParaRPr>
+          </a:p>
+          <a:p>
+            <a:r>
+              <a:rPr lang="en-US" sz="1050" dirty="0">
+                <a:solidFill>
+                  <a:srgbClr val="000000"/>
+                </a:solidFill>
+                <a:latin typeface="Menlo" charset="0"/>
+              </a:rPr>
+              <a:t>        </a:t>
+            </a:r>
+            <a:r>
+              <a:rPr lang="en-US" sz="1050" dirty="0" smtClean="0">
+                <a:solidFill>
+                  <a:srgbClr val="008400"/>
+                </a:solidFill>
+                <a:latin typeface="Menlo" charset="0"/>
+              </a:rPr>
+              <a:t>//Randomize sequence</a:t>
+            </a:r>
+          </a:p>
+          <a:p>
+            <a:r>
+              <a:rPr lang="en-US" sz="1050" dirty="0">
+                <a:solidFill>
+                  <a:srgbClr val="000000"/>
+                </a:solidFill>
+                <a:latin typeface="Menlo" charset="0"/>
+              </a:rPr>
+              <a:t>        </a:t>
+            </a:r>
+            <a:r>
+              <a:rPr lang="en-US" sz="1050" dirty="0" err="1" smtClean="0">
+                <a:solidFill>
+                  <a:srgbClr val="31595D"/>
+                </a:solidFill>
+                <a:latin typeface="Menlo" charset="0"/>
+              </a:rPr>
+              <a:t>displayPuzzle</a:t>
+            </a:r>
+            <a:r>
+              <a:rPr lang="en-US" sz="1050" dirty="0" smtClean="0">
+                <a:solidFill>
+                  <a:srgbClr val="000000"/>
+                </a:solidFill>
+                <a:latin typeface="Menlo" charset="0"/>
+              </a:rPr>
+              <a:t>()</a:t>
+            </a:r>
+            <a:endParaRPr lang="en-US" sz="1050" dirty="0">
+              <a:solidFill>
+                <a:srgbClr val="000000"/>
+              </a:solidFill>
+              <a:latin typeface="Menlo" charset="0"/>
+            </a:endParaRPr>
+          </a:p>
+          <a:p>
+            <a:r>
+              <a:rPr lang="en-US" sz="1050" dirty="0">
+                <a:solidFill>
+                  <a:srgbClr val="000000"/>
+                </a:solidFill>
+                <a:latin typeface="Menlo" charset="0"/>
+              </a:rPr>
+              <a:t>    </a:t>
+            </a:r>
+            <a:r>
+              <a:rPr lang="en-US" sz="1050" dirty="0" smtClean="0">
+                <a:solidFill>
+                  <a:srgbClr val="000000"/>
+                </a:solidFill>
+                <a:latin typeface="Menlo" charset="0"/>
+              </a:rPr>
+              <a:t>}</a:t>
+            </a:r>
+            <a:endParaRPr lang="en-US" sz="1050" dirty="0">
+              <a:solidFill>
+                <a:srgbClr val="000000"/>
+              </a:solidFill>
+              <a:latin typeface="Menlo" charset="0"/>
+            </a:endParaRPr>
+          </a:p>
+          <a:p>
+            <a:endParaRPr lang="en-US" sz="1050" dirty="0">
+              <a:solidFill>
+                <a:srgbClr val="000000"/>
+              </a:solidFill>
+              <a:latin typeface="Menlo" charset="0"/>
+            </a:endParaRPr>
+          </a:p>
+          <a:p>
+            <a:r>
+              <a:rPr lang="en-US" sz="1050" dirty="0">
+                <a:solidFill>
+                  <a:srgbClr val="000000"/>
+                </a:solidFill>
+                <a:latin typeface="Menlo" charset="0"/>
+              </a:rPr>
+              <a:t>    </a:t>
+            </a:r>
+            <a:r>
+              <a:rPr lang="en-US" sz="1050" dirty="0" err="1">
+                <a:solidFill>
+                  <a:srgbClr val="BA2DA2"/>
+                </a:solidFill>
+                <a:latin typeface="Menlo" charset="0"/>
+              </a:rPr>
+              <a:t>func</a:t>
+            </a:r>
+            <a:r>
+              <a:rPr lang="en-US" sz="1050" dirty="0">
+                <a:solidFill>
+                  <a:srgbClr val="000000"/>
+                </a:solidFill>
+                <a:latin typeface="Menlo" charset="0"/>
+              </a:rPr>
+              <a:t> </a:t>
+            </a:r>
+            <a:r>
+              <a:rPr lang="en-US" sz="1050" dirty="0" err="1" smtClean="0">
+                <a:solidFill>
+                  <a:srgbClr val="000000"/>
+                </a:solidFill>
+                <a:latin typeface="Menlo" charset="0"/>
+              </a:rPr>
+              <a:t>checkIfPuzzleSolved</a:t>
+            </a:r>
+            <a:r>
+              <a:rPr lang="en-US" sz="1050" dirty="0" smtClean="0">
+                <a:solidFill>
+                  <a:srgbClr val="000000"/>
+                </a:solidFill>
+                <a:latin typeface="Menlo" charset="0"/>
+              </a:rPr>
+              <a:t>() </a:t>
+            </a:r>
+            <a:r>
+              <a:rPr lang="en-US" sz="1050" dirty="0">
+                <a:solidFill>
+                  <a:srgbClr val="000000"/>
+                </a:solidFill>
+                <a:latin typeface="Menlo" charset="0"/>
+              </a:rPr>
+              <a:t>{</a:t>
+            </a:r>
+          </a:p>
+          <a:p>
+            <a:endParaRPr lang="en-US" sz="1050" dirty="0">
+              <a:solidFill>
+                <a:srgbClr val="000000"/>
+              </a:solidFill>
+              <a:latin typeface="Menlo" charset="0"/>
+            </a:endParaRPr>
+          </a:p>
+          <a:p>
+            <a:r>
+              <a:rPr lang="is-IS" sz="1050" dirty="0">
+                <a:solidFill>
+                  <a:srgbClr val="000000"/>
+                </a:solidFill>
+                <a:latin typeface="Menlo" charset="0"/>
+              </a:rPr>
+              <a:t>        </a:t>
+            </a:r>
+            <a:r>
+              <a:rPr lang="is-IS" sz="1050" dirty="0" smtClean="0">
+                <a:solidFill>
+                  <a:srgbClr val="008400"/>
+                </a:solidFill>
+                <a:latin typeface="Menlo" charset="0"/>
+              </a:rPr>
+              <a:t>//loop </a:t>
+            </a:r>
+            <a:r>
+              <a:rPr lang="is-IS" sz="1050" dirty="0">
+                <a:solidFill>
+                  <a:srgbClr val="008400"/>
+                </a:solidFill>
+                <a:latin typeface="Menlo" charset="0"/>
+              </a:rPr>
+              <a:t>through all cells to find if solution is found</a:t>
+            </a:r>
+          </a:p>
+          <a:p>
+            <a:r>
+              <a:rPr lang="is-IS" sz="1050" dirty="0">
+                <a:solidFill>
+                  <a:srgbClr val="000000"/>
+                </a:solidFill>
+                <a:latin typeface="Menlo" charset="0"/>
+              </a:rPr>
+              <a:t>        </a:t>
+            </a:r>
+            <a:r>
+              <a:rPr lang="is-IS" sz="1050" dirty="0" smtClean="0">
+                <a:solidFill>
+                  <a:srgbClr val="BA2DA2"/>
+                </a:solidFill>
+                <a:latin typeface="Menlo" charset="0"/>
+              </a:rPr>
+              <a:t>for</a:t>
+            </a:r>
+            <a:r>
+              <a:rPr lang="is-IS" sz="1050" dirty="0" smtClean="0">
+                <a:solidFill>
+                  <a:srgbClr val="000000"/>
+                </a:solidFill>
+                <a:latin typeface="Menlo" charset="0"/>
+              </a:rPr>
+              <a:t> </a:t>
+            </a:r>
+            <a:r>
+              <a:rPr lang="is-IS" sz="1050" dirty="0">
+                <a:solidFill>
+                  <a:srgbClr val="000000"/>
+                </a:solidFill>
+                <a:latin typeface="Menlo" charset="0"/>
+              </a:rPr>
+              <a:t>i </a:t>
+            </a:r>
+            <a:r>
+              <a:rPr lang="is-IS" sz="1050" dirty="0">
+                <a:solidFill>
+                  <a:srgbClr val="BA2DA2"/>
+                </a:solidFill>
+                <a:latin typeface="Menlo" charset="0"/>
+              </a:rPr>
+              <a:t>in</a:t>
+            </a:r>
+            <a:r>
+              <a:rPr lang="is-IS" sz="1050" dirty="0">
+                <a:solidFill>
+                  <a:srgbClr val="000000"/>
+                </a:solidFill>
+                <a:latin typeface="Menlo" charset="0"/>
+              </a:rPr>
+              <a:t> </a:t>
+            </a:r>
+            <a:r>
+              <a:rPr lang="is-IS" sz="1050" dirty="0">
+                <a:solidFill>
+                  <a:srgbClr val="272AD8"/>
+                </a:solidFill>
+                <a:latin typeface="Menlo" charset="0"/>
+              </a:rPr>
+              <a:t>0</a:t>
+            </a:r>
+            <a:r>
+              <a:rPr lang="is-IS" sz="1050" dirty="0">
+                <a:solidFill>
+                  <a:srgbClr val="000000"/>
+                </a:solidFill>
+                <a:latin typeface="Menlo" charset="0"/>
+              </a:rPr>
+              <a:t>..&lt;</a:t>
+            </a:r>
+            <a:r>
+              <a:rPr lang="is-IS" sz="1050" dirty="0">
+                <a:solidFill>
+                  <a:srgbClr val="272AD8"/>
+                </a:solidFill>
+                <a:latin typeface="Menlo" charset="0"/>
+              </a:rPr>
+              <a:t>15</a:t>
+            </a:r>
+            <a:r>
+              <a:rPr lang="is-IS" sz="1050" dirty="0">
+                <a:solidFill>
+                  <a:srgbClr val="000000"/>
+                </a:solidFill>
+                <a:latin typeface="Menlo" charset="0"/>
+              </a:rPr>
+              <a:t> {</a:t>
+            </a:r>
+          </a:p>
+          <a:p>
+            <a:r>
+              <a:rPr lang="is-IS" sz="1050" dirty="0">
+                <a:solidFill>
+                  <a:srgbClr val="000000"/>
+                </a:solidFill>
+                <a:latin typeface="Menlo" charset="0"/>
+              </a:rPr>
+              <a:t>            </a:t>
+            </a:r>
+            <a:r>
+              <a:rPr lang="is-IS" sz="1050" dirty="0" smtClean="0">
+                <a:solidFill>
+                  <a:srgbClr val="BA2DA2"/>
+                </a:solidFill>
+                <a:latin typeface="Menlo" charset="0"/>
+              </a:rPr>
+              <a:t>if</a:t>
+            </a:r>
+            <a:r>
+              <a:rPr lang="is-IS" sz="1050" dirty="0" smtClean="0">
+                <a:solidFill>
+                  <a:srgbClr val="000000"/>
+                </a:solidFill>
+                <a:latin typeface="Menlo" charset="0"/>
+              </a:rPr>
+              <a:t> </a:t>
+            </a:r>
+            <a:r>
+              <a:rPr lang="is-IS" sz="1050" dirty="0" smtClean="0">
+                <a:solidFill>
+                  <a:srgbClr val="4F8187"/>
+                </a:solidFill>
+                <a:latin typeface="Menlo" charset="0"/>
+              </a:rPr>
+              <a:t>solutionArray</a:t>
+            </a:r>
+            <a:r>
+              <a:rPr lang="is-IS" sz="1050" dirty="0" smtClean="0">
+                <a:solidFill>
+                  <a:srgbClr val="000000"/>
+                </a:solidFill>
+                <a:latin typeface="Menlo" charset="0"/>
+              </a:rPr>
+              <a:t>[i] </a:t>
+            </a:r>
+            <a:r>
+              <a:rPr lang="is-IS" sz="1050" dirty="0">
+                <a:solidFill>
+                  <a:srgbClr val="000000"/>
+                </a:solidFill>
+                <a:latin typeface="Menlo" charset="0"/>
+              </a:rPr>
+              <a:t>!= </a:t>
+            </a:r>
+            <a:r>
+              <a:rPr lang="is-IS" sz="1050" dirty="0" smtClean="0">
+                <a:solidFill>
+                  <a:srgbClr val="000000"/>
+                </a:solidFill>
+                <a:latin typeface="Menlo" charset="0"/>
+              </a:rPr>
+              <a:t>i { </a:t>
+            </a:r>
+            <a:r>
+              <a:rPr lang="is-IS" sz="1050" dirty="0" smtClean="0">
+                <a:solidFill>
+                  <a:srgbClr val="008400"/>
+                </a:solidFill>
+                <a:latin typeface="Menlo" charset="0"/>
+              </a:rPr>
+              <a:t>//this check will not work</a:t>
+            </a:r>
+            <a:endParaRPr lang="is-IS" sz="1050" dirty="0">
+              <a:solidFill>
+                <a:srgbClr val="000000"/>
+              </a:solidFill>
+              <a:latin typeface="Menlo" charset="0"/>
+            </a:endParaRPr>
+          </a:p>
+          <a:p>
+            <a:r>
+              <a:rPr lang="is-IS" sz="1050" dirty="0">
+                <a:solidFill>
+                  <a:srgbClr val="000000"/>
+                </a:solidFill>
+                <a:latin typeface="Menlo" charset="0"/>
+              </a:rPr>
+              <a:t>                </a:t>
+            </a:r>
+            <a:r>
+              <a:rPr lang="is-IS" sz="1050" dirty="0">
+                <a:solidFill>
+                  <a:srgbClr val="BA2DA2"/>
+                </a:solidFill>
+                <a:latin typeface="Menlo" charset="0"/>
+              </a:rPr>
+              <a:t>return</a:t>
+            </a:r>
+            <a:r>
+              <a:rPr lang="is-IS" sz="1050" dirty="0">
+                <a:solidFill>
+                  <a:srgbClr val="000000"/>
+                </a:solidFill>
+                <a:latin typeface="Menlo" charset="0"/>
+              </a:rPr>
+              <a:t> </a:t>
+            </a:r>
+            <a:r>
+              <a:rPr lang="is-IS" sz="1050" dirty="0">
+                <a:solidFill>
+                  <a:srgbClr val="BA2DA2"/>
+                </a:solidFill>
+                <a:latin typeface="Menlo" charset="0"/>
+              </a:rPr>
+              <a:t>false</a:t>
+            </a:r>
+            <a:endParaRPr lang="is-IS" sz="1050" dirty="0">
+              <a:solidFill>
+                <a:srgbClr val="000000"/>
+              </a:solidFill>
+              <a:latin typeface="Menlo" charset="0"/>
+            </a:endParaRPr>
+          </a:p>
+          <a:p>
+            <a:r>
+              <a:rPr lang="is-IS" sz="1050" dirty="0">
+                <a:solidFill>
+                  <a:srgbClr val="000000"/>
+                </a:solidFill>
+                <a:latin typeface="Menlo" charset="0"/>
+              </a:rPr>
+              <a:t>            </a:t>
+            </a:r>
+            <a:r>
+              <a:rPr lang="is-IS" sz="1050" dirty="0" smtClean="0">
+                <a:solidFill>
+                  <a:srgbClr val="000000"/>
+                </a:solidFill>
+                <a:latin typeface="Menlo" charset="0"/>
+              </a:rPr>
+              <a:t>}</a:t>
+            </a:r>
+            <a:endParaRPr lang="is-IS" sz="1050" dirty="0">
+              <a:solidFill>
+                <a:srgbClr val="000000"/>
+              </a:solidFill>
+              <a:latin typeface="Menlo" charset="0"/>
+            </a:endParaRPr>
+          </a:p>
+          <a:p>
+            <a:r>
+              <a:rPr lang="is-IS" sz="1050" dirty="0">
+                <a:solidFill>
+                  <a:srgbClr val="000000"/>
+                </a:solidFill>
+                <a:latin typeface="Menlo" charset="0"/>
+              </a:rPr>
+              <a:t>        </a:t>
+            </a:r>
+            <a:r>
+              <a:rPr lang="is-IS" sz="1050" dirty="0" smtClean="0">
+                <a:solidFill>
+                  <a:srgbClr val="000000"/>
+                </a:solidFill>
+                <a:latin typeface="Menlo" charset="0"/>
+              </a:rPr>
+              <a:t>}</a:t>
+            </a:r>
+          </a:p>
+          <a:p>
+            <a:r>
+              <a:rPr lang="en-US" sz="1050" dirty="0">
+                <a:solidFill>
+                  <a:srgbClr val="000000"/>
+                </a:solidFill>
+                <a:latin typeface="Menlo" charset="0"/>
+              </a:rPr>
+              <a:t>    </a:t>
+            </a:r>
+            <a:r>
+              <a:rPr lang="en-US" sz="1050" dirty="0" smtClean="0">
+                <a:solidFill>
+                  <a:srgbClr val="000000"/>
+                </a:solidFill>
+                <a:latin typeface="Menlo" charset="0"/>
+              </a:rPr>
+              <a:t>}</a:t>
+            </a:r>
+            <a:endParaRPr lang="en-US" sz="1050" dirty="0">
+              <a:solidFill>
+                <a:srgbClr val="000000"/>
+              </a:solidFill>
+              <a:latin typeface="Menlo" charset="0"/>
+            </a:endParaRPr>
+          </a:p>
+        </p:txBody>
+      </p:sp>
+      <p:sp>
+        <p:nvSpPr>
+          <p:cNvPr id="40" name="TextBox 39"/>
+          <p:cNvSpPr txBox="1"/>
+          <p:nvPr/>
+        </p:nvSpPr>
+        <p:spPr>
+          <a:xfrm rot="16200000">
+            <a:off x="-1112189" y="1107107"/>
+            <a:ext cx="2583545" cy="369332"/>
+          </a:xfrm>
+          <a:prstGeom prst="rect">
+            <a:avLst/>
+          </a:prstGeom>
+          <a:solidFill>
+            <a:schemeClr val="tx1"/>
+          </a:solidFill>
+        </p:spPr>
+        <p:txBody>
+          <a:bodyPr wrap="none" rtlCol="0">
+            <a:noAutofit/>
+          </a:bodyPr>
+          <a:lstStyle/>
+          <a:p>
+            <a:pPr algn="r"/>
+            <a:r>
+              <a:rPr lang="en-US" dirty="0" smtClean="0">
+                <a:solidFill>
+                  <a:schemeClr val="bg1">
+                    <a:lumMod val="95000"/>
+                  </a:schemeClr>
+                </a:solidFill>
+              </a:rPr>
+              <a:t>Session 2</a:t>
+            </a:r>
+            <a:endParaRPr lang="en-US" dirty="0">
+              <a:solidFill>
+                <a:schemeClr val="bg1">
+                  <a:lumMod val="95000"/>
+                </a:schemeClr>
+              </a:solidFill>
+            </a:endParaRPr>
+          </a:p>
+        </p:txBody>
+      </p:sp>
+      <p:sp>
+        <p:nvSpPr>
+          <p:cNvPr id="41" name="Rounded Rectangle 40"/>
           <p:cNvSpPr/>
           <p:nvPr/>
         </p:nvSpPr>
@@ -11310,7 +13529,7 @@
       </p:sp>
       <p:sp>
         <p:nvSpPr>
-          <p:cNvPr id="58" name="Rounded Rectangle 57"/>
+          <p:cNvPr id="42" name="Rounded Rectangle 41"/>
           <p:cNvSpPr/>
           <p:nvPr/>
         </p:nvSpPr>
@@ -11365,45 +13584,7 @@
       </p:sp>
       <p:sp>
         <p:nvSpPr>
-          <p:cNvPr id="2" name="Title 1"/>
-          <p:cNvSpPr>
-            <a:spLocks noGrp="1"/>
-          </p:cNvSpPr>
-          <p:nvPr>
-            <p:ph type="title"/>
-          </p:nvPr>
-        </p:nvSpPr>
-        <p:spPr>
-          <a:xfrm>
-            <a:off x="838200" y="365125"/>
-            <a:ext cx="10515600" cy="549275"/>
-          </a:xfrm>
-        </p:spPr>
-        <p:txBody>
-          <a:bodyPr>
-            <a:normAutofit fontScale="90000"/>
-          </a:bodyPr>
-          <a:lstStyle/>
-          <a:p>
-            <a:r>
-              <a:rPr lang="en-US" dirty="0" smtClean="0"/>
-              <a:t>Algorithm </a:t>
-            </a:r>
-            <a:r>
-              <a:rPr lang="mr-IN" dirty="0" smtClean="0"/>
-              <a:t>–</a:t>
-            </a:r>
-            <a:r>
-              <a:rPr lang="en-US" dirty="0" smtClean="0"/>
-              <a:t> All together</a:t>
-            </a:r>
-            <a:endParaRPr lang="en-US" dirty="0"/>
-          </a:p>
-        </p:txBody>
-      </p:sp>
-      <p:sp>
-        <p:nvSpPr>
-          <p:cNvPr id="5" name="Rounded Rectangle 4"/>
+          <p:cNvPr id="43" name="Rounded Rectangle 42"/>
           <p:cNvSpPr/>
           <p:nvPr/>
         </p:nvSpPr>
@@ -11462,7 +13643,7 @@
       </p:sp>
       <p:sp>
         <p:nvSpPr>
-          <p:cNvPr id="6" name="Rounded Rectangle 5"/>
+          <p:cNvPr id="44" name="Rounded Rectangle 43"/>
           <p:cNvSpPr/>
           <p:nvPr/>
         </p:nvSpPr>
@@ -11521,7 +13702,7 @@
       </p:sp>
       <p:sp>
         <p:nvSpPr>
-          <p:cNvPr id="7" name="Rounded Rectangle 6"/>
+          <p:cNvPr id="45" name="Rounded Rectangle 44"/>
           <p:cNvSpPr/>
           <p:nvPr/>
         </p:nvSpPr>
@@ -11580,7 +13761,7 @@
       </p:sp>
       <p:sp>
         <p:nvSpPr>
-          <p:cNvPr id="8" name="Rounded Rectangle 7"/>
+          <p:cNvPr id="59" name="Rounded Rectangle 58"/>
           <p:cNvSpPr/>
           <p:nvPr/>
         </p:nvSpPr>
@@ -11639,7 +13820,7 @@
       </p:sp>
       <p:sp>
         <p:nvSpPr>
-          <p:cNvPr id="9" name="Rounded Rectangle 8"/>
+          <p:cNvPr id="60" name="Rounded Rectangle 59"/>
           <p:cNvSpPr/>
           <p:nvPr/>
         </p:nvSpPr>
@@ -11698,7 +13879,7 @@
       </p:sp>
       <p:sp>
         <p:nvSpPr>
-          <p:cNvPr id="10" name="Rounded Rectangle 9"/>
+          <p:cNvPr id="61" name="Rounded Rectangle 60"/>
           <p:cNvSpPr/>
           <p:nvPr/>
         </p:nvSpPr>
@@ -11757,7 +13938,7 @@
       </p:sp>
       <p:sp>
         <p:nvSpPr>
-          <p:cNvPr id="11" name="Rounded Rectangle 10"/>
+          <p:cNvPr id="62" name="Rounded Rectangle 61"/>
           <p:cNvSpPr/>
           <p:nvPr/>
         </p:nvSpPr>
@@ -11816,7 +13997,7 @@
       </p:sp>
       <p:sp>
         <p:nvSpPr>
-          <p:cNvPr id="12" name="Rounded Rectangle 11"/>
+          <p:cNvPr id="63" name="Rounded Rectangle 62"/>
           <p:cNvSpPr/>
           <p:nvPr/>
         </p:nvSpPr>
@@ -11870,7 +14051,7 @@
       </p:sp>
       <p:sp>
         <p:nvSpPr>
-          <p:cNvPr id="13" name="Rounded Rectangle 12"/>
+          <p:cNvPr id="64" name="Rounded Rectangle 63"/>
           <p:cNvSpPr/>
           <p:nvPr/>
         </p:nvSpPr>
@@ -11929,7 +14110,7 @@
       </p:sp>
       <p:sp>
         <p:nvSpPr>
-          <p:cNvPr id="14" name="Rounded Rectangle 13"/>
+          <p:cNvPr id="65" name="Rounded Rectangle 64"/>
           <p:cNvSpPr/>
           <p:nvPr/>
         </p:nvSpPr>
@@ -11988,7 +14169,7 @@
       </p:sp>
       <p:sp>
         <p:nvSpPr>
-          <p:cNvPr id="15" name="Rounded Rectangle 14"/>
+          <p:cNvPr id="66" name="Rounded Rectangle 65"/>
           <p:cNvSpPr/>
           <p:nvPr/>
         </p:nvSpPr>
@@ -12047,7 +14228,7 @@
       </p:sp>
       <p:sp>
         <p:nvSpPr>
-          <p:cNvPr id="16" name="Rounded Rectangle 15"/>
+          <p:cNvPr id="67" name="Rounded Rectangle 66"/>
           <p:cNvSpPr/>
           <p:nvPr/>
         </p:nvSpPr>
@@ -12101,7 +14282,7 @@
       </p:sp>
       <p:sp>
         <p:nvSpPr>
-          <p:cNvPr id="17" name="Rounded Rectangle 16"/>
+          <p:cNvPr id="68" name="Rounded Rectangle 67"/>
           <p:cNvSpPr/>
           <p:nvPr/>
         </p:nvSpPr>
@@ -12160,7 +14341,7 @@
       </p:sp>
       <p:sp>
         <p:nvSpPr>
-          <p:cNvPr id="18" name="Rounded Rectangle 17"/>
+          <p:cNvPr id="69" name="Rounded Rectangle 68"/>
           <p:cNvSpPr/>
           <p:nvPr/>
         </p:nvSpPr>
@@ -12219,7 +14400,7 @@
       </p:sp>
       <p:sp>
         <p:nvSpPr>
-          <p:cNvPr id="19" name="Rounded Rectangle 18"/>
+          <p:cNvPr id="70" name="Rounded Rectangle 69"/>
           <p:cNvSpPr/>
           <p:nvPr/>
         </p:nvSpPr>
@@ -12278,13 +14459,13 @@
       </p:sp>
       <p:sp>
         <p:nvSpPr>
-          <p:cNvPr id="22" name="Right Arrow 21"/>
+          <p:cNvPr id="71" name="Right Arrow 70"/>
           <p:cNvSpPr/>
           <p:nvPr/>
         </p:nvSpPr>
         <p:spPr>
           <a:xfrm>
-            <a:off x="1491352" y="2542480"/>
+            <a:off x="1503421" y="2521840"/>
             <a:ext cx="619679" cy="469422"/>
           </a:xfrm>
           <a:prstGeom prst="rightArrow">
@@ -12342,7 +14523,7 @@
       </p:sp>
       <p:sp>
         <p:nvSpPr>
-          <p:cNvPr id="3" name="Pentagon 2"/>
+          <p:cNvPr id="72" name="Pentagon 71"/>
           <p:cNvSpPr/>
           <p:nvPr/>
         </p:nvSpPr>
@@ -12383,12 +14564,330 @@
           <a:p>
             <a:pPr algn="ctr"/>
             <a:r>
+              <a:rPr lang="en-US" sz="1000" dirty="0">
+                <a:solidFill>
+                  <a:schemeClr val="tx1"/>
+                </a:solidFill>
+              </a:rPr>
+              <a:t>0</a:t>
+            </a:r>
+          </a:p>
+        </p:txBody>
+      </p:sp>
+      <p:sp>
+        <p:nvSpPr>
+          <p:cNvPr id="73" name="Pentagon 72"/>
+          <p:cNvSpPr/>
+          <p:nvPr/>
+        </p:nvSpPr>
+        <p:spPr>
+          <a:xfrm rot="16200000">
+            <a:off x="2458695" y="1978741"/>
+            <a:ext cx="355004" cy="215152"/>
+          </a:xfrm>
+          <a:prstGeom prst="homePlate">
+            <a:avLst/>
+          </a:prstGeom>
+          <a:solidFill>
+            <a:schemeClr val="accent4">
+              <a:lumMod val="40000"/>
+              <a:lumOff val="60000"/>
+            </a:schemeClr>
+          </a:solidFill>
+        </p:spPr>
+        <p:style>
+          <a:lnRef idx="2">
+            <a:schemeClr val="accent1">
+              <a:shade val="50000"/>
+            </a:schemeClr>
+          </a:lnRef>
+          <a:fillRef idx="1">
+            <a:schemeClr val="accent1"/>
+          </a:fillRef>
+          <a:effectRef idx="0">
+            <a:schemeClr val="accent1"/>
+          </a:effectRef>
+          <a:fontRef idx="minor">
+            <a:schemeClr val="lt1"/>
+          </a:fontRef>
+        </p:style>
+        <p:txBody>
+          <a:bodyPr vert="horz" lIns="0" tIns="0" rIns="0" bIns="0" rtlCol="0" anchor="ctr"/>
+          <a:lstStyle/>
+          <a:p>
+            <a:pPr algn="ctr"/>
+            <a:r>
+              <a:rPr lang="en-US" sz="1000" dirty="0">
+                <a:solidFill>
+                  <a:schemeClr val="tx1"/>
+                </a:solidFill>
+              </a:rPr>
+              <a:t>1</a:t>
+            </a:r>
+          </a:p>
+        </p:txBody>
+      </p:sp>
+      <p:sp>
+        <p:nvSpPr>
+          <p:cNvPr id="74" name="Pentagon 73"/>
+          <p:cNvSpPr/>
+          <p:nvPr/>
+        </p:nvSpPr>
+        <p:spPr>
+          <a:xfrm rot="16200000">
+            <a:off x="3425804" y="1978741"/>
+            <a:ext cx="355004" cy="215152"/>
+          </a:xfrm>
+          <a:prstGeom prst="homePlate">
+            <a:avLst/>
+          </a:prstGeom>
+          <a:solidFill>
+            <a:schemeClr val="accent4">
+              <a:lumMod val="40000"/>
+              <a:lumOff val="60000"/>
+            </a:schemeClr>
+          </a:solidFill>
+        </p:spPr>
+        <p:style>
+          <a:lnRef idx="2">
+            <a:schemeClr val="accent1">
+              <a:shade val="50000"/>
+            </a:schemeClr>
+          </a:lnRef>
+          <a:fillRef idx="1">
+            <a:schemeClr val="accent1"/>
+          </a:fillRef>
+          <a:effectRef idx="0">
+            <a:schemeClr val="accent1"/>
+          </a:effectRef>
+          <a:fontRef idx="minor">
+            <a:schemeClr val="lt1"/>
+          </a:fontRef>
+        </p:style>
+        <p:txBody>
+          <a:bodyPr vert="horz" lIns="0" tIns="0" rIns="0" bIns="0" rtlCol="0" anchor="ctr"/>
+          <a:lstStyle/>
+          <a:p>
+            <a:pPr algn="ctr"/>
+            <a:r>
+              <a:rPr lang="en-US" sz="1000" dirty="0">
+                <a:solidFill>
+                  <a:schemeClr val="tx1"/>
+                </a:solidFill>
+              </a:rPr>
+              <a:t>2</a:t>
+            </a:r>
+          </a:p>
+        </p:txBody>
+      </p:sp>
+      <p:sp>
+        <p:nvSpPr>
+          <p:cNvPr id="75" name="Pentagon 74"/>
+          <p:cNvSpPr/>
+          <p:nvPr/>
+        </p:nvSpPr>
+        <p:spPr>
+          <a:xfrm rot="16200000">
+            <a:off x="4407437" y="1978740"/>
+            <a:ext cx="355004" cy="215152"/>
+          </a:xfrm>
+          <a:prstGeom prst="homePlate">
+            <a:avLst/>
+          </a:prstGeom>
+          <a:solidFill>
+            <a:schemeClr val="accent4">
+              <a:lumMod val="40000"/>
+              <a:lumOff val="60000"/>
+            </a:schemeClr>
+          </a:solidFill>
+        </p:spPr>
+        <p:style>
+          <a:lnRef idx="2">
+            <a:schemeClr val="accent1">
+              <a:shade val="50000"/>
+            </a:schemeClr>
+          </a:lnRef>
+          <a:fillRef idx="1">
+            <a:schemeClr val="accent1"/>
+          </a:fillRef>
+          <a:effectRef idx="0">
+            <a:schemeClr val="accent1"/>
+          </a:effectRef>
+          <a:fontRef idx="minor">
+            <a:schemeClr val="lt1"/>
+          </a:fontRef>
+        </p:style>
+        <p:txBody>
+          <a:bodyPr vert="horz" lIns="0" tIns="0" rIns="0" bIns="0" rtlCol="0" anchor="ctr"/>
+          <a:lstStyle/>
+          <a:p>
+            <a:pPr algn="ctr"/>
+            <a:r>
+              <a:rPr lang="en-US" sz="1000" dirty="0">
+                <a:solidFill>
+                  <a:schemeClr val="tx1"/>
+                </a:solidFill>
+              </a:rPr>
+              <a:t>3</a:t>
+            </a:r>
+          </a:p>
+        </p:txBody>
+      </p:sp>
+      <p:sp>
+        <p:nvSpPr>
+          <p:cNvPr id="76" name="Pentagon 75"/>
+          <p:cNvSpPr/>
+          <p:nvPr/>
+        </p:nvSpPr>
+        <p:spPr>
+          <a:xfrm rot="16200000">
+            <a:off x="1493739" y="2928933"/>
+            <a:ext cx="355004" cy="215152"/>
+          </a:xfrm>
+          <a:prstGeom prst="homePlate">
+            <a:avLst/>
+          </a:prstGeom>
+          <a:solidFill>
+            <a:schemeClr val="accent4">
+              <a:lumMod val="40000"/>
+              <a:lumOff val="60000"/>
+            </a:schemeClr>
+          </a:solidFill>
+        </p:spPr>
+        <p:style>
+          <a:lnRef idx="2">
+            <a:schemeClr val="accent1">
+              <a:shade val="50000"/>
+            </a:schemeClr>
+          </a:lnRef>
+          <a:fillRef idx="1">
+            <a:schemeClr val="accent1"/>
+          </a:fillRef>
+          <a:effectRef idx="0">
+            <a:schemeClr val="accent1"/>
+          </a:effectRef>
+          <a:fontRef idx="minor">
+            <a:schemeClr val="lt1"/>
+          </a:fontRef>
+        </p:style>
+        <p:txBody>
+          <a:bodyPr vert="horz" lIns="0" tIns="0" rIns="0" bIns="0" rtlCol="0" anchor="ctr"/>
+          <a:lstStyle/>
+          <a:p>
+            <a:pPr algn="ctr"/>
+            <a:r>
+              <a:rPr lang="en-US" sz="1000" dirty="0">
+                <a:solidFill>
+                  <a:schemeClr val="tx1"/>
+                </a:solidFill>
+              </a:rPr>
+              <a:t>4</a:t>
+            </a:r>
+          </a:p>
+        </p:txBody>
+      </p:sp>
+      <p:sp>
+        <p:nvSpPr>
+          <p:cNvPr id="77" name="Pentagon 76"/>
+          <p:cNvSpPr/>
+          <p:nvPr/>
+        </p:nvSpPr>
+        <p:spPr>
+          <a:xfrm rot="16200000">
+            <a:off x="2455836" y="2928934"/>
+            <a:ext cx="355004" cy="215152"/>
+          </a:xfrm>
+          <a:prstGeom prst="homePlate">
+            <a:avLst/>
+          </a:prstGeom>
+          <a:solidFill>
+            <a:schemeClr val="accent4">
+              <a:lumMod val="40000"/>
+              <a:lumOff val="60000"/>
+            </a:schemeClr>
+          </a:solidFill>
+        </p:spPr>
+        <p:style>
+          <a:lnRef idx="2">
+            <a:schemeClr val="accent1">
+              <a:shade val="50000"/>
+            </a:schemeClr>
+          </a:lnRef>
+          <a:fillRef idx="1">
+            <a:schemeClr val="accent1"/>
+          </a:fillRef>
+          <a:effectRef idx="0">
+            <a:schemeClr val="accent1"/>
+          </a:effectRef>
+          <a:fontRef idx="minor">
+            <a:schemeClr val="lt1"/>
+          </a:fontRef>
+        </p:style>
+        <p:txBody>
+          <a:bodyPr vert="horz" lIns="0" tIns="0" rIns="0" bIns="0" rtlCol="0" anchor="ctr"/>
+          <a:lstStyle/>
+          <a:p>
+            <a:pPr algn="ctr"/>
+            <a:r>
+              <a:rPr lang="en-US" sz="1000" dirty="0">
+                <a:solidFill>
+                  <a:schemeClr val="tx1"/>
+                </a:solidFill>
+              </a:rPr>
+              <a:t>5</a:t>
+            </a:r>
+          </a:p>
+        </p:txBody>
+      </p:sp>
+      <p:sp>
+        <p:nvSpPr>
+          <p:cNvPr id="78" name="Pentagon 77"/>
+          <p:cNvSpPr/>
+          <p:nvPr/>
+        </p:nvSpPr>
+        <p:spPr>
+          <a:xfrm rot="16200000">
+            <a:off x="3422945" y="2928934"/>
+            <a:ext cx="355004" cy="215152"/>
+          </a:xfrm>
+          <a:prstGeom prst="homePlate">
+            <a:avLst/>
+          </a:prstGeom>
+          <a:solidFill>
+            <a:schemeClr val="accent4">
+              <a:lumMod val="40000"/>
+              <a:lumOff val="60000"/>
+            </a:schemeClr>
+          </a:solidFill>
+        </p:spPr>
+        <p:style>
+          <a:lnRef idx="2">
+            <a:schemeClr val="accent1">
+              <a:shade val="50000"/>
+            </a:schemeClr>
+          </a:lnRef>
+          <a:fillRef idx="1">
+            <a:schemeClr val="accent1"/>
+          </a:fillRef>
+          <a:effectRef idx="0">
+            <a:schemeClr val="accent1"/>
+          </a:effectRef>
+          <a:fontRef idx="minor">
+            <a:schemeClr val="lt1"/>
+          </a:fontRef>
+        </p:style>
+        <p:txBody>
+          <a:bodyPr vert="horz" lIns="0" tIns="0" rIns="0" bIns="0" rtlCol="0" anchor="ctr"/>
+          <a:lstStyle/>
+          <a:p>
+            <a:pPr algn="ctr"/>
+            <a:r>
               <a:rPr lang="en-US" sz="1000" dirty="0" smtClean="0">
                 <a:solidFill>
                   <a:schemeClr val="tx1"/>
                 </a:solidFill>
               </a:rPr>
-              <a:t>1</a:t>
+              <a:t>6</a:t>
             </a:r>
             <a:endParaRPr lang="en-US" sz="1000" dirty="0">
               <a:solidFill>
@@ -12400,13 +14899,13 @@
       </p:sp>
       <p:sp>
         <p:nvSpPr>
-          <p:cNvPr id="26" name="Pentagon 25"/>
+          <p:cNvPr id="79" name="Pentagon 78"/>
           <p:cNvSpPr/>
           <p:nvPr/>
         </p:nvSpPr>
         <p:spPr>
           <a:xfrm rot="16200000">
-            <a:off x="2458695" y="1978741"/>
+            <a:off x="4404578" y="2928933"/>
             <a:ext cx="355004" cy="215152"/>
           </a:xfrm>
           <a:prstGeom prst="homePlate">
@@ -12446,20 +14945,20 @@
                   <a:schemeClr val="tx1"/>
                 </a:solidFill>
               </a:rPr>
-              <a:t>2</a:t>
-            </a:r>
-          </a:p>
-        </p:txBody>
-      </p:sp>
-      <p:sp>
-        <p:nvSpPr>
-          <p:cNvPr id="27" name="Pentagon 26"/>
+              <a:t>7</a:t>
+            </a:r>
+          </a:p>
+        </p:txBody>
+      </p:sp>
+      <p:sp>
+        <p:nvSpPr>
+          <p:cNvPr id="80" name="Pentagon 79"/>
           <p:cNvSpPr/>
           <p:nvPr/>
         </p:nvSpPr>
         <p:spPr>
           <a:xfrm rot="16200000">
-            <a:off x="3425804" y="1978741"/>
+            <a:off x="1502533" y="3902434"/>
             <a:ext cx="355004" cy="215152"/>
           </a:xfrm>
           <a:prstGeom prst="homePlate">
@@ -12499,20 +14998,20 @@
                   <a:schemeClr val="tx1"/>
                 </a:solidFill>
               </a:rPr>
-              <a:t>3</a:t>
-            </a:r>
-          </a:p>
-        </p:txBody>
-      </p:sp>
-      <p:sp>
-        <p:nvSpPr>
-          <p:cNvPr id="30" name="Pentagon 29"/>
+              <a:t>8</a:t>
+            </a:r>
+          </a:p>
+        </p:txBody>
+      </p:sp>
+      <p:sp>
+        <p:nvSpPr>
+          <p:cNvPr id="81" name="Pentagon 80"/>
           <p:cNvSpPr/>
           <p:nvPr/>
         </p:nvSpPr>
         <p:spPr>
           <a:xfrm rot="16200000">
-            <a:off x="4407437" y="1978740"/>
+            <a:off x="2464630" y="3902435"/>
             <a:ext cx="355004" cy="215152"/>
           </a:xfrm>
           <a:prstGeom prst="homePlate">
@@ -12547,25 +15046,30 @@
           <a:p>
             <a:pPr algn="ctr"/>
             <a:r>
-              <a:rPr lang="en-US" sz="1000" dirty="0">
+              <a:rPr lang="en-US" sz="1000" dirty="0" smtClean="0">
                 <a:solidFill>
                   <a:schemeClr val="tx1"/>
                 </a:solidFill>
               </a:rPr>
-              <a:t>4</a:t>
-            </a:r>
-          </a:p>
-        </p:txBody>
-      </p:sp>
-      <p:sp>
-        <p:nvSpPr>
-          <p:cNvPr id="46" name="Pentagon 45"/>
+              <a:t>9</a:t>
+            </a:r>
+            <a:endParaRPr lang="en-US" sz="1000" dirty="0">
+              <a:solidFill>
+                <a:schemeClr val="tx1"/>
+              </a:solidFill>
+            </a:endParaRPr>
+          </a:p>
+        </p:txBody>
+      </p:sp>
+      <p:sp>
+        <p:nvSpPr>
+          <p:cNvPr id="82" name="Pentagon 81"/>
           <p:cNvSpPr/>
           <p:nvPr/>
         </p:nvSpPr>
         <p:spPr>
           <a:xfrm rot="16200000">
-            <a:off x="1493739" y="2928933"/>
+            <a:off x="3431739" y="3902435"/>
             <a:ext cx="355004" cy="215152"/>
           </a:xfrm>
           <a:prstGeom prst="homePlate">
@@ -12600,25 +15104,30 @@
           <a:p>
             <a:pPr algn="ctr"/>
             <a:r>
-              <a:rPr lang="en-US" sz="1000" dirty="0">
+              <a:rPr lang="en-US" sz="1000" dirty="0" smtClean="0">
                 <a:solidFill>
                   <a:schemeClr val="tx1"/>
                 </a:solidFill>
               </a:rPr>
-              <a:t>5</a:t>
-            </a:r>
-          </a:p>
-        </p:txBody>
-      </p:sp>
-      <p:sp>
-        <p:nvSpPr>
-          <p:cNvPr id="47" name="Pentagon 46"/>
+              <a:t>10</a:t>
+            </a:r>
+            <a:endParaRPr lang="en-US" sz="1000" dirty="0">
+              <a:solidFill>
+                <a:schemeClr val="tx1"/>
+              </a:solidFill>
+            </a:endParaRPr>
+          </a:p>
+        </p:txBody>
+      </p:sp>
+      <p:sp>
+        <p:nvSpPr>
+          <p:cNvPr id="83" name="Pentagon 82"/>
           <p:cNvSpPr/>
           <p:nvPr/>
         </p:nvSpPr>
         <p:spPr>
           <a:xfrm rot="16200000">
-            <a:off x="2455836" y="2928934"/>
+            <a:off x="4413372" y="3902434"/>
             <a:ext cx="355004" cy="215152"/>
           </a:xfrm>
           <a:prstGeom prst="homePlate">
@@ -12653,25 +15162,30 @@
           <a:p>
             <a:pPr algn="ctr"/>
             <a:r>
-              <a:rPr lang="en-US" sz="1000" dirty="0">
+              <a:rPr lang="en-US" sz="1000" dirty="0" smtClean="0">
                 <a:solidFill>
                   <a:schemeClr val="tx1"/>
                 </a:solidFill>
               </a:rPr>
-              <a:t>6</a:t>
-            </a:r>
-          </a:p>
-        </p:txBody>
-      </p:sp>
-      <p:sp>
-        <p:nvSpPr>
-          <p:cNvPr id="48" name="Pentagon 47"/>
+              <a:t>11</a:t>
+            </a:r>
+            <a:endParaRPr lang="en-US" sz="1000" dirty="0">
+              <a:solidFill>
+                <a:schemeClr val="tx1"/>
+              </a:solidFill>
+            </a:endParaRPr>
+          </a:p>
+        </p:txBody>
+      </p:sp>
+      <p:sp>
+        <p:nvSpPr>
+          <p:cNvPr id="84" name="Pentagon 83"/>
           <p:cNvSpPr/>
           <p:nvPr/>
         </p:nvSpPr>
         <p:spPr>
           <a:xfrm rot="16200000">
-            <a:off x="3422945" y="2928934"/>
+            <a:off x="1500567" y="4883163"/>
             <a:ext cx="355004" cy="215152"/>
           </a:xfrm>
           <a:prstGeom prst="homePlate">
@@ -12706,25 +15220,30 @@
           <a:p>
             <a:pPr algn="ctr"/>
             <a:r>
-              <a:rPr lang="en-US" sz="1000" dirty="0">
+              <a:rPr lang="en-US" sz="1000" dirty="0" smtClean="0">
                 <a:solidFill>
                   <a:schemeClr val="tx1"/>
                 </a:solidFill>
               </a:rPr>
-              <a:t>7</a:t>
-            </a:r>
-          </a:p>
-        </p:txBody>
-      </p:sp>
-      <p:sp>
-        <p:nvSpPr>
-          <p:cNvPr id="49" name="Pentagon 48"/>
+              <a:t>12</a:t>
+            </a:r>
+            <a:endParaRPr lang="en-US" sz="1000" dirty="0">
+              <a:solidFill>
+                <a:schemeClr val="tx1"/>
+              </a:solidFill>
+            </a:endParaRPr>
+          </a:p>
+        </p:txBody>
+      </p:sp>
+      <p:sp>
+        <p:nvSpPr>
+          <p:cNvPr id="85" name="Pentagon 84"/>
           <p:cNvSpPr/>
           <p:nvPr/>
         </p:nvSpPr>
         <p:spPr>
           <a:xfrm rot="16200000">
-            <a:off x="4404578" y="2928933"/>
+            <a:off x="2462664" y="4883164"/>
             <a:ext cx="355004" cy="215152"/>
           </a:xfrm>
           <a:prstGeom prst="homePlate">
@@ -12759,25 +15278,30 @@
           <a:p>
             <a:pPr algn="ctr"/>
             <a:r>
-              <a:rPr lang="en-US" sz="1000" dirty="0">
+              <a:rPr lang="en-US" sz="1000" dirty="0" smtClean="0">
                 <a:solidFill>
                   <a:schemeClr val="tx1"/>
                 </a:solidFill>
               </a:rPr>
-              <a:t>8</a:t>
-            </a:r>
-          </a:p>
-        </p:txBody>
-      </p:sp>
-      <p:sp>
-        <p:nvSpPr>
-          <p:cNvPr id="50" name="Pentagon 49"/>
+              <a:t>13</a:t>
+            </a:r>
+            <a:endParaRPr lang="en-US" sz="1000" dirty="0">
+              <a:solidFill>
+                <a:schemeClr val="tx1"/>
+              </a:solidFill>
+            </a:endParaRPr>
+          </a:p>
+        </p:txBody>
+      </p:sp>
+      <p:sp>
+        <p:nvSpPr>
+          <p:cNvPr id="86" name="Pentagon 85"/>
           <p:cNvSpPr/>
           <p:nvPr/>
         </p:nvSpPr>
         <p:spPr>
           <a:xfrm rot="16200000">
-            <a:off x="1502533" y="3902434"/>
+            <a:off x="3429773" y="4883164"/>
             <a:ext cx="355004" cy="215152"/>
           </a:xfrm>
           <a:prstGeom prst="homePlate">
@@ -12812,25 +15336,30 @@
           <a:p>
             <a:pPr algn="ctr"/>
             <a:r>
-              <a:rPr lang="en-US" sz="1000" dirty="0">
+              <a:rPr lang="en-US" sz="1000" dirty="0" smtClean="0">
                 <a:solidFill>
                   <a:schemeClr val="tx1"/>
                 </a:solidFill>
               </a:rPr>
-              <a:t>9</a:t>
-            </a:r>
-          </a:p>
-        </p:txBody>
-      </p:sp>
-      <p:sp>
-        <p:nvSpPr>
-          <p:cNvPr id="51" name="Pentagon 50"/>
+              <a:t>14</a:t>
+            </a:r>
+            <a:endParaRPr lang="en-US" sz="1000" dirty="0">
+              <a:solidFill>
+                <a:schemeClr val="tx1"/>
+              </a:solidFill>
+            </a:endParaRPr>
+          </a:p>
+        </p:txBody>
+      </p:sp>
+      <p:sp>
+        <p:nvSpPr>
+          <p:cNvPr id="87" name="Pentagon 86"/>
           <p:cNvSpPr/>
           <p:nvPr/>
         </p:nvSpPr>
         <p:spPr>
           <a:xfrm rot="16200000">
-            <a:off x="2464630" y="3902435"/>
+            <a:off x="4411406" y="4883163"/>
             <a:ext cx="355004" cy="215152"/>
           </a:xfrm>
           <a:prstGeom prst="homePlate">
@@ -12870,7 +15399,7 @@
                   <a:schemeClr val="tx1"/>
                 </a:solidFill>
               </a:rPr>
-              <a:t>10</a:t>
+              <a:t>15</a:t>
             </a:r>
             <a:endParaRPr lang="en-US" sz="1000" dirty="0">
               <a:solidFill>
@@ -12880,357 +15409,9 @@
           </a:p>
         </p:txBody>
       </p:sp>
-      <p:sp>
-        <p:nvSpPr>
-          <p:cNvPr id="52" name="Pentagon 51"/>
-          <p:cNvSpPr/>
-          <p:nvPr/>
-        </p:nvSpPr>
-        <p:spPr>
-          <a:xfrm rot="16200000">
-            <a:off x="3431739" y="3902435"/>
-            <a:ext cx="355004" cy="215152"/>
-          </a:xfrm>
-          <a:prstGeom prst="homePlate">
-            <a:avLst/>
-          </a:prstGeom>
-          <a:solidFill>
-            <a:schemeClr val="accent4">
-              <a:lumMod val="40000"/>
-              <a:lumOff val="60000"/>
-            </a:schemeClr>
-          </a:solidFill>
-        </p:spPr>
-        <p:style>
-          <a:lnRef idx="2">
-            <a:schemeClr val="accent1">
-              <a:shade val="50000"/>
-            </a:schemeClr>
-          </a:lnRef>
-          <a:fillRef idx="1">
-            <a:schemeClr val="accent1"/>
-          </a:fillRef>
-          <a:effectRef idx="0">
-            <a:schemeClr val="accent1"/>
-          </a:effectRef>
-          <a:fontRef idx="minor">
-            <a:schemeClr val="lt1"/>
-          </a:fontRef>
-        </p:style>
-        <p:txBody>
-          <a:bodyPr vert="horz" lIns="0" tIns="0" rIns="0" bIns="0" rtlCol="0" anchor="ctr"/>
-          <a:lstStyle/>
-          <a:p>
-            <a:pPr algn="ctr"/>
-            <a:r>
-              <a:rPr lang="en-US" sz="1000" dirty="0" smtClean="0">
-                <a:solidFill>
-                  <a:schemeClr val="tx1"/>
-                </a:solidFill>
-              </a:rPr>
-              <a:t>11</a:t>
-            </a:r>
-            <a:endParaRPr lang="en-US" sz="1000" dirty="0">
-              <a:solidFill>
-                <a:schemeClr val="tx1"/>
-              </a:solidFill>
-            </a:endParaRPr>
-          </a:p>
-        </p:txBody>
-      </p:sp>
-      <p:sp>
-        <p:nvSpPr>
-          <p:cNvPr id="53" name="Pentagon 52"/>
-          <p:cNvSpPr/>
-          <p:nvPr/>
-        </p:nvSpPr>
-        <p:spPr>
-          <a:xfrm rot="16200000">
-            <a:off x="4413372" y="3902434"/>
-            <a:ext cx="355004" cy="215152"/>
-          </a:xfrm>
-          <a:prstGeom prst="homePlate">
-            <a:avLst/>
-          </a:prstGeom>
-          <a:solidFill>
-            <a:schemeClr val="accent4">
-              <a:lumMod val="40000"/>
-              <a:lumOff val="60000"/>
-            </a:schemeClr>
-          </a:solidFill>
-        </p:spPr>
-        <p:style>
-          <a:lnRef idx="2">
-            <a:schemeClr val="accent1">
-              <a:shade val="50000"/>
-            </a:schemeClr>
-          </a:lnRef>
-          <a:fillRef idx="1">
-            <a:schemeClr val="accent1"/>
-          </a:fillRef>
-          <a:effectRef idx="0">
-            <a:schemeClr val="accent1"/>
-          </a:effectRef>
-          <a:fontRef idx="minor">
-            <a:schemeClr val="lt1"/>
-          </a:fontRef>
-        </p:style>
-        <p:txBody>
-          <a:bodyPr vert="horz" lIns="0" tIns="0" rIns="0" bIns="0" rtlCol="0" anchor="ctr"/>
-          <a:lstStyle/>
-          <a:p>
-            <a:pPr algn="ctr"/>
-            <a:r>
-              <a:rPr lang="en-US" sz="1000" dirty="0" smtClean="0">
-                <a:solidFill>
-                  <a:schemeClr val="tx1"/>
-                </a:solidFill>
-              </a:rPr>
-              <a:t>12</a:t>
-            </a:r>
-            <a:endParaRPr lang="en-US" sz="1000" dirty="0">
-              <a:solidFill>
-                <a:schemeClr val="tx1"/>
-              </a:solidFill>
-            </a:endParaRPr>
-          </a:p>
-        </p:txBody>
-      </p:sp>
-      <p:sp>
-        <p:nvSpPr>
-          <p:cNvPr id="54" name="Pentagon 53"/>
-          <p:cNvSpPr/>
-          <p:nvPr/>
-        </p:nvSpPr>
-        <p:spPr>
-          <a:xfrm rot="16200000">
-            <a:off x="1500567" y="4883163"/>
-            <a:ext cx="355004" cy="215152"/>
-          </a:xfrm>
-          <a:prstGeom prst="homePlate">
-            <a:avLst/>
-          </a:prstGeom>
-          <a:solidFill>
-            <a:schemeClr val="accent4">
-              <a:lumMod val="40000"/>
-              <a:lumOff val="60000"/>
-            </a:schemeClr>
-          </a:solidFill>
-        </p:spPr>
-        <p:style>
-          <a:lnRef idx="2">
-            <a:schemeClr val="accent1">
-              <a:shade val="50000"/>
-            </a:schemeClr>
-          </a:lnRef>
-          <a:fillRef idx="1">
-            <a:schemeClr val="accent1"/>
-          </a:fillRef>
-          <a:effectRef idx="0">
-            <a:schemeClr val="accent1"/>
-          </a:effectRef>
-          <a:fontRef idx="minor">
-            <a:schemeClr val="lt1"/>
-          </a:fontRef>
-        </p:style>
-        <p:txBody>
-          <a:bodyPr vert="horz" lIns="0" tIns="0" rIns="0" bIns="0" rtlCol="0" anchor="ctr"/>
-          <a:lstStyle/>
-          <a:p>
-            <a:pPr algn="ctr"/>
-            <a:r>
-              <a:rPr lang="en-US" sz="1000" dirty="0" smtClean="0">
-                <a:solidFill>
-                  <a:schemeClr val="tx1"/>
-                </a:solidFill>
-              </a:rPr>
-              <a:t>13</a:t>
-            </a:r>
-            <a:endParaRPr lang="en-US" sz="1000" dirty="0">
-              <a:solidFill>
-                <a:schemeClr val="tx1"/>
-              </a:solidFill>
-            </a:endParaRPr>
-          </a:p>
-        </p:txBody>
-      </p:sp>
-      <p:sp>
-        <p:nvSpPr>
-          <p:cNvPr id="55" name="Pentagon 54"/>
-          <p:cNvSpPr/>
-          <p:nvPr/>
-        </p:nvSpPr>
-        <p:spPr>
-          <a:xfrm rot="16200000">
-            <a:off x="2462664" y="4883164"/>
-            <a:ext cx="355004" cy="215152"/>
-          </a:xfrm>
-          <a:prstGeom prst="homePlate">
-            <a:avLst/>
-          </a:prstGeom>
-          <a:solidFill>
-            <a:schemeClr val="accent4">
-              <a:lumMod val="40000"/>
-              <a:lumOff val="60000"/>
-            </a:schemeClr>
-          </a:solidFill>
-        </p:spPr>
-        <p:style>
-          <a:lnRef idx="2">
-            <a:schemeClr val="accent1">
-              <a:shade val="50000"/>
-            </a:schemeClr>
-          </a:lnRef>
-          <a:fillRef idx="1">
-            <a:schemeClr val="accent1"/>
-          </a:fillRef>
-          <a:effectRef idx="0">
-            <a:schemeClr val="accent1"/>
-          </a:effectRef>
-          <a:fontRef idx="minor">
-            <a:schemeClr val="lt1"/>
-          </a:fontRef>
-        </p:style>
-        <p:txBody>
-          <a:bodyPr vert="horz" lIns="0" tIns="0" rIns="0" bIns="0" rtlCol="0" anchor="ctr"/>
-          <a:lstStyle/>
-          <a:p>
-            <a:pPr algn="ctr"/>
-            <a:r>
-              <a:rPr lang="en-US" sz="1000" dirty="0" smtClean="0">
-                <a:solidFill>
-                  <a:schemeClr val="tx1"/>
-                </a:solidFill>
-              </a:rPr>
-              <a:t>14</a:t>
-            </a:r>
-            <a:endParaRPr lang="en-US" sz="1000" dirty="0">
-              <a:solidFill>
-                <a:schemeClr val="tx1"/>
-              </a:solidFill>
-            </a:endParaRPr>
-          </a:p>
-        </p:txBody>
-      </p:sp>
-      <p:sp>
-        <p:nvSpPr>
-          <p:cNvPr id="56" name="Pentagon 55"/>
-          <p:cNvSpPr/>
-          <p:nvPr/>
-        </p:nvSpPr>
-        <p:spPr>
-          <a:xfrm rot="16200000">
-            <a:off x="3429773" y="4883164"/>
-            <a:ext cx="355004" cy="215152"/>
-          </a:xfrm>
-          <a:prstGeom prst="homePlate">
-            <a:avLst/>
-          </a:prstGeom>
-          <a:solidFill>
-            <a:schemeClr val="accent4">
-              <a:lumMod val="40000"/>
-              <a:lumOff val="60000"/>
-            </a:schemeClr>
-          </a:solidFill>
-        </p:spPr>
-        <p:style>
-          <a:lnRef idx="2">
-            <a:schemeClr val="accent1">
-              <a:shade val="50000"/>
-            </a:schemeClr>
-          </a:lnRef>
-          <a:fillRef idx="1">
-            <a:schemeClr val="accent1"/>
-          </a:fillRef>
-          <a:effectRef idx="0">
-            <a:schemeClr val="accent1"/>
-          </a:effectRef>
-          <a:fontRef idx="minor">
-            <a:schemeClr val="lt1"/>
-          </a:fontRef>
-        </p:style>
-        <p:txBody>
-          <a:bodyPr vert="horz" lIns="0" tIns="0" rIns="0" bIns="0" rtlCol="0" anchor="ctr"/>
-          <a:lstStyle/>
-          <a:p>
-            <a:pPr algn="ctr"/>
-            <a:r>
-              <a:rPr lang="en-US" sz="1000" dirty="0" smtClean="0">
-                <a:solidFill>
-                  <a:schemeClr val="tx1"/>
-                </a:solidFill>
-              </a:rPr>
-              <a:t>15</a:t>
-            </a:r>
-            <a:endParaRPr lang="en-US" sz="1000" dirty="0">
-              <a:solidFill>
-                <a:schemeClr val="tx1"/>
-              </a:solidFill>
-            </a:endParaRPr>
-          </a:p>
-        </p:txBody>
-      </p:sp>
-      <p:sp>
-        <p:nvSpPr>
-          <p:cNvPr id="57" name="Pentagon 56"/>
-          <p:cNvSpPr/>
-          <p:nvPr/>
-        </p:nvSpPr>
-        <p:spPr>
-          <a:xfrm rot="16200000">
-            <a:off x="4411406" y="4883163"/>
-            <a:ext cx="355004" cy="215152"/>
-          </a:xfrm>
-          <a:prstGeom prst="homePlate">
-            <a:avLst/>
-          </a:prstGeom>
-          <a:solidFill>
-            <a:schemeClr val="accent4">
-              <a:lumMod val="40000"/>
-              <a:lumOff val="60000"/>
-            </a:schemeClr>
-          </a:solidFill>
-        </p:spPr>
-        <p:style>
-          <a:lnRef idx="2">
-            <a:schemeClr val="accent1">
-              <a:shade val="50000"/>
-            </a:schemeClr>
-          </a:lnRef>
-          <a:fillRef idx="1">
-            <a:schemeClr val="accent1"/>
-          </a:fillRef>
-          <a:effectRef idx="0">
-            <a:schemeClr val="accent1"/>
-          </a:effectRef>
-          <a:fontRef idx="minor">
-            <a:schemeClr val="lt1"/>
-          </a:fontRef>
-        </p:style>
-        <p:txBody>
-          <a:bodyPr vert="horz" lIns="0" tIns="0" rIns="0" bIns="0" rtlCol="0" anchor="ctr"/>
-          <a:lstStyle/>
-          <a:p>
-            <a:pPr algn="ctr"/>
-            <a:r>
-              <a:rPr lang="en-US" sz="1000" dirty="0" smtClean="0">
-                <a:solidFill>
-                  <a:schemeClr val="tx1"/>
-                </a:solidFill>
-              </a:rPr>
-              <a:t>16</a:t>
-            </a:r>
-            <a:endParaRPr lang="en-US" sz="1000" dirty="0">
-              <a:solidFill>
-                <a:schemeClr val="tx1"/>
-              </a:solidFill>
-            </a:endParaRPr>
-          </a:p>
-        </p:txBody>
-      </p:sp>
       <p:pic>
         <p:nvPicPr>
-          <p:cNvPr id="20" name="Picture 19"/>
+          <p:cNvPr id="88" name="Picture 87"/>
           <p:cNvPicPr>
             <a:picLocks noChangeAspect="1"/>
           </p:cNvPicPr>
@@ -13250,7 +15431,7 @@
         </p:blipFill>
         <p:spPr>
           <a:xfrm rot="1401842">
-            <a:off x="525515" y="2468399"/>
+            <a:off x="504169" y="2719209"/>
             <a:ext cx="1241810" cy="2570546"/>
           </a:xfrm>
           <a:prstGeom prst="rect">
@@ -13258,1504 +15439,6 @@
           </a:prstGeom>
         </p:spPr>
       </p:pic>
-      <p:sp>
-        <p:nvSpPr>
-          <p:cNvPr id="23" name="TextBox 22"/>
-          <p:cNvSpPr txBox="1"/>
-          <p:nvPr/>
-        </p:nvSpPr>
-        <p:spPr>
-          <a:xfrm>
-            <a:off x="6042883" y="803970"/>
-            <a:ext cx="6075173" cy="6070893"/>
-          </a:xfrm>
-          <a:prstGeom prst="rect">
-            <a:avLst/>
-          </a:prstGeom>
-          <a:noFill/>
-        </p:spPr>
-        <p:txBody>
-          <a:bodyPr wrap="square" rtlCol="0">
-            <a:spAutoFit/>
-          </a:bodyPr>
-          <a:lstStyle/>
-          <a:p>
-            <a:r>
-              <a:rPr lang="en-US" sz="1050" dirty="0">
-                <a:solidFill>
-                  <a:srgbClr val="000000"/>
-                </a:solidFill>
-                <a:latin typeface="Menlo" charset="0"/>
-              </a:rPr>
-              <a:t>    </a:t>
-            </a:r>
-            <a:r>
-              <a:rPr lang="en-US" sz="1050" dirty="0">
-                <a:solidFill>
-                  <a:srgbClr val="BA2DA2"/>
-                </a:solidFill>
-                <a:latin typeface="Menlo" charset="0"/>
-              </a:rPr>
-              <a:t>@</a:t>
-            </a:r>
-            <a:r>
-              <a:rPr lang="en-US" sz="1050" dirty="0" err="1">
-                <a:solidFill>
-                  <a:srgbClr val="BA2DA2"/>
-                </a:solidFill>
-                <a:latin typeface="Menlo" charset="0"/>
-              </a:rPr>
-              <a:t>IBAction</a:t>
-            </a:r>
-            <a:r>
-              <a:rPr lang="en-US" sz="1050" dirty="0">
-                <a:solidFill>
-                  <a:srgbClr val="000000"/>
-                </a:solidFill>
-                <a:latin typeface="Menlo" charset="0"/>
-              </a:rPr>
-              <a:t> </a:t>
-            </a:r>
-            <a:r>
-              <a:rPr lang="en-US" sz="1050" dirty="0" err="1">
-                <a:solidFill>
-                  <a:srgbClr val="BA2DA2"/>
-                </a:solidFill>
-                <a:latin typeface="Menlo" charset="0"/>
-              </a:rPr>
-              <a:t>func</a:t>
-            </a:r>
-            <a:r>
-              <a:rPr lang="en-US" sz="1050" dirty="0">
-                <a:solidFill>
-                  <a:srgbClr val="000000"/>
-                </a:solidFill>
-                <a:latin typeface="Menlo" charset="0"/>
-              </a:rPr>
-              <a:t> </a:t>
-            </a:r>
-            <a:r>
-              <a:rPr lang="en-US" sz="1050" dirty="0" err="1">
-                <a:solidFill>
-                  <a:srgbClr val="000000"/>
-                </a:solidFill>
-                <a:latin typeface="Menlo" charset="0"/>
-              </a:rPr>
-              <a:t>numberPressed</a:t>
-            </a:r>
-            <a:r>
-              <a:rPr lang="en-US" sz="1050" dirty="0">
-                <a:solidFill>
-                  <a:srgbClr val="000000"/>
-                </a:solidFill>
-                <a:latin typeface="Menlo" charset="0"/>
-              </a:rPr>
-              <a:t>(</a:t>
-            </a:r>
-            <a:r>
-              <a:rPr lang="en-US" sz="1050" dirty="0">
-                <a:solidFill>
-                  <a:srgbClr val="BA2DA2"/>
-                </a:solidFill>
-                <a:latin typeface="Menlo" charset="0"/>
-              </a:rPr>
-              <a:t>_</a:t>
-            </a:r>
-            <a:r>
-              <a:rPr lang="en-US" sz="1050" dirty="0">
-                <a:solidFill>
-                  <a:srgbClr val="000000"/>
-                </a:solidFill>
-                <a:latin typeface="Menlo" charset="0"/>
-              </a:rPr>
-              <a:t> sender: </a:t>
-            </a:r>
-            <a:r>
-              <a:rPr lang="en-US" sz="1050" dirty="0" err="1">
-                <a:solidFill>
-                  <a:srgbClr val="703DAA"/>
-                </a:solidFill>
-                <a:latin typeface="Menlo" charset="0"/>
-              </a:rPr>
-              <a:t>UIButton</a:t>
-            </a:r>
-            <a:r>
-              <a:rPr lang="en-US" sz="1050" dirty="0">
-                <a:solidFill>
-                  <a:srgbClr val="000000"/>
-                </a:solidFill>
-                <a:latin typeface="Menlo" charset="0"/>
-              </a:rPr>
-              <a:t>) </a:t>
-            </a:r>
-            <a:r>
-              <a:rPr lang="en-US" sz="1050" dirty="0" smtClean="0">
-                <a:solidFill>
-                  <a:srgbClr val="000000"/>
-                </a:solidFill>
-                <a:latin typeface="Menlo" charset="0"/>
-              </a:rPr>
-              <a:t>{</a:t>
-            </a:r>
-          </a:p>
-          <a:p>
-            <a:endParaRPr lang="en-US" sz="1050" dirty="0" smtClean="0">
-              <a:solidFill>
-                <a:srgbClr val="000000"/>
-              </a:solidFill>
-              <a:latin typeface="Menlo" charset="0"/>
-            </a:endParaRPr>
-          </a:p>
-          <a:p>
-            <a:r>
-              <a:rPr lang="en-US" sz="1050" dirty="0">
-                <a:solidFill>
-                  <a:srgbClr val="000000"/>
-                </a:solidFill>
-                <a:latin typeface="Menlo" charset="0"/>
-              </a:rPr>
-              <a:t>        </a:t>
-            </a:r>
-            <a:r>
-              <a:rPr lang="en-US" sz="1050" dirty="0">
-                <a:solidFill>
-                  <a:srgbClr val="BA2DA2"/>
-                </a:solidFill>
-                <a:latin typeface="Menlo" charset="0"/>
-              </a:rPr>
-              <a:t>if</a:t>
-            </a:r>
-            <a:r>
-              <a:rPr lang="en-US" sz="1050" dirty="0">
-                <a:solidFill>
-                  <a:srgbClr val="000000"/>
-                </a:solidFill>
-                <a:latin typeface="Menlo" charset="0"/>
-              </a:rPr>
-              <a:t> </a:t>
-            </a:r>
-            <a:r>
-              <a:rPr lang="en-US" sz="1050" dirty="0" err="1">
-                <a:solidFill>
-                  <a:srgbClr val="31595D"/>
-                </a:solidFill>
-                <a:latin typeface="Menlo" charset="0"/>
-              </a:rPr>
-              <a:t>canMove</a:t>
-            </a:r>
-            <a:r>
-              <a:rPr lang="en-US" sz="1050" dirty="0">
-                <a:solidFill>
-                  <a:srgbClr val="000000"/>
-                </a:solidFill>
-                <a:latin typeface="Menlo" charset="0"/>
-              </a:rPr>
-              <a:t>(</a:t>
-            </a:r>
-            <a:r>
-              <a:rPr lang="en-US" sz="1050" dirty="0" err="1">
-                <a:solidFill>
-                  <a:srgbClr val="000000"/>
-                </a:solidFill>
-                <a:latin typeface="Menlo" charset="0"/>
-              </a:rPr>
-              <a:t>buttonPosition</a:t>
-            </a:r>
-            <a:r>
-              <a:rPr lang="en-US" sz="1050" dirty="0">
-                <a:solidFill>
-                  <a:srgbClr val="000000"/>
-                </a:solidFill>
-                <a:latin typeface="Menlo" charset="0"/>
-              </a:rPr>
-              <a:t>: </a:t>
-            </a:r>
-            <a:r>
-              <a:rPr lang="en-US" sz="1050" dirty="0" err="1">
-                <a:solidFill>
-                  <a:srgbClr val="000000"/>
-                </a:solidFill>
-                <a:latin typeface="Menlo" charset="0"/>
-              </a:rPr>
-              <a:t>sender.</a:t>
-            </a:r>
-            <a:r>
-              <a:rPr lang="en-US" sz="1050" dirty="0" err="1">
-                <a:solidFill>
-                  <a:srgbClr val="703DAA"/>
-                </a:solidFill>
-                <a:latin typeface="Menlo" charset="0"/>
-              </a:rPr>
-              <a:t>tag</a:t>
-            </a:r>
-            <a:r>
-              <a:rPr lang="en-US" sz="1050" dirty="0">
-                <a:solidFill>
-                  <a:srgbClr val="000000"/>
-                </a:solidFill>
-                <a:latin typeface="Menlo" charset="0"/>
-              </a:rPr>
-              <a:t>) {</a:t>
-            </a:r>
-          </a:p>
-          <a:p>
-            <a:endParaRPr lang="en-US" sz="1050" dirty="0" smtClean="0">
-              <a:solidFill>
-                <a:srgbClr val="000000"/>
-              </a:solidFill>
-              <a:latin typeface="Menlo" charset="0"/>
-            </a:endParaRPr>
-          </a:p>
-          <a:p>
-            <a:r>
-              <a:rPr lang="en-US" sz="1050" dirty="0" smtClean="0">
-                <a:solidFill>
-                  <a:srgbClr val="000000"/>
-                </a:solidFill>
-                <a:latin typeface="Menlo" charset="0"/>
-              </a:rPr>
-              <a:t>            </a:t>
-            </a:r>
-            <a:r>
-              <a:rPr lang="en-US" sz="1050" dirty="0" err="1" smtClean="0">
-                <a:solidFill>
-                  <a:srgbClr val="31595D"/>
-                </a:solidFill>
-                <a:latin typeface="Menlo" charset="0"/>
-              </a:rPr>
-              <a:t>moveButton</a:t>
-            </a:r>
-            <a:r>
-              <a:rPr lang="en-US" sz="1050" dirty="0" smtClean="0">
-                <a:solidFill>
-                  <a:srgbClr val="000000"/>
-                </a:solidFill>
-                <a:latin typeface="Menlo" charset="0"/>
-              </a:rPr>
-              <a:t>(sender, </a:t>
-            </a:r>
-            <a:r>
-              <a:rPr lang="en-US" sz="1050" dirty="0" err="1" smtClean="0">
-                <a:solidFill>
-                  <a:srgbClr val="4F8187"/>
-                </a:solidFill>
-                <a:latin typeface="Menlo" charset="0"/>
-              </a:rPr>
-              <a:t>blankButton</a:t>
-            </a:r>
-            <a:r>
-              <a:rPr lang="en-US" sz="1050" dirty="0" smtClean="0">
-                <a:solidFill>
-                  <a:srgbClr val="000000"/>
-                </a:solidFill>
-                <a:latin typeface="Menlo" charset="0"/>
-              </a:rPr>
-              <a:t>!)</a:t>
-            </a:r>
-          </a:p>
-          <a:p>
-            <a:endParaRPr lang="en-US" sz="1050" dirty="0" smtClean="0">
-              <a:solidFill>
-                <a:srgbClr val="000000"/>
-              </a:solidFill>
-              <a:latin typeface="Menlo" charset="0"/>
-            </a:endParaRPr>
-          </a:p>
-          <a:p>
-            <a:r>
-              <a:rPr lang="en-US" sz="1050" dirty="0">
-                <a:solidFill>
-                  <a:srgbClr val="000000"/>
-                </a:solidFill>
-                <a:latin typeface="Menlo" charset="0"/>
-              </a:rPr>
-              <a:t>            </a:t>
-            </a:r>
-            <a:r>
-              <a:rPr lang="en-US" sz="1050" dirty="0" err="1">
-                <a:solidFill>
-                  <a:srgbClr val="4F8187"/>
-                </a:solidFill>
-                <a:latin typeface="Menlo" charset="0"/>
-              </a:rPr>
-              <a:t>blankButton</a:t>
-            </a:r>
-            <a:r>
-              <a:rPr lang="en-US" sz="1050" dirty="0">
-                <a:solidFill>
-                  <a:srgbClr val="000000"/>
-                </a:solidFill>
-                <a:latin typeface="Menlo" charset="0"/>
-              </a:rPr>
-              <a:t> = </a:t>
-            </a:r>
-            <a:r>
-              <a:rPr lang="en-US" sz="1050" dirty="0" smtClean="0">
-                <a:solidFill>
-                  <a:srgbClr val="000000"/>
-                </a:solidFill>
-                <a:latin typeface="Menlo" charset="0"/>
-              </a:rPr>
-              <a:t>sender</a:t>
-            </a:r>
-          </a:p>
-          <a:p>
-            <a:endParaRPr lang="en-US" sz="1050" dirty="0">
-              <a:solidFill>
-                <a:srgbClr val="000000"/>
-              </a:solidFill>
-              <a:latin typeface="Menlo" charset="0"/>
-            </a:endParaRPr>
-          </a:p>
-          <a:p>
-            <a:r>
-              <a:rPr lang="en-US" sz="1050" dirty="0">
-                <a:solidFill>
-                  <a:srgbClr val="000000"/>
-                </a:solidFill>
-                <a:latin typeface="Menlo" charset="0"/>
-              </a:rPr>
-              <a:t>            </a:t>
-            </a:r>
-            <a:r>
-              <a:rPr lang="en-US" sz="1050" dirty="0" err="1" smtClean="0">
-                <a:solidFill>
-                  <a:srgbClr val="31595D"/>
-                </a:solidFill>
-                <a:latin typeface="Menlo" charset="0"/>
-              </a:rPr>
-              <a:t>checkIfPuzzleSolved</a:t>
-            </a:r>
-            <a:r>
-              <a:rPr lang="en-US" sz="1050" dirty="0" smtClean="0">
-                <a:solidFill>
-                  <a:srgbClr val="000000"/>
-                </a:solidFill>
-                <a:latin typeface="Menlo" charset="0"/>
-              </a:rPr>
-              <a:t>()</a:t>
-            </a:r>
-            <a:endParaRPr lang="en-US" sz="1050" dirty="0">
-              <a:solidFill>
-                <a:srgbClr val="000000"/>
-              </a:solidFill>
-              <a:latin typeface="Menlo" charset="0"/>
-            </a:endParaRPr>
-          </a:p>
-          <a:p>
-            <a:r>
-              <a:rPr lang="en-US" sz="1050" dirty="0">
-                <a:solidFill>
-                  <a:srgbClr val="000000"/>
-                </a:solidFill>
-                <a:latin typeface="Menlo" charset="0"/>
-              </a:rPr>
-              <a:t>        </a:t>
-            </a:r>
-            <a:r>
-              <a:rPr lang="en-US" sz="1050" dirty="0" smtClean="0">
-                <a:solidFill>
-                  <a:srgbClr val="000000"/>
-                </a:solidFill>
-                <a:latin typeface="Menlo" charset="0"/>
-              </a:rPr>
-              <a:t>}</a:t>
-            </a:r>
-            <a:endParaRPr lang="en-US" sz="1050" dirty="0" smtClean="0">
-              <a:solidFill>
-                <a:srgbClr val="000000"/>
-              </a:solidFill>
-              <a:latin typeface="Menlo" charset="0"/>
-            </a:endParaRPr>
-          </a:p>
-          <a:p>
-            <a:r>
-              <a:rPr lang="en-US" sz="1050" dirty="0">
-                <a:solidFill>
-                  <a:srgbClr val="000000"/>
-                </a:solidFill>
-                <a:latin typeface="Menlo" charset="0"/>
-              </a:rPr>
-              <a:t>    }</a:t>
-            </a:r>
-          </a:p>
-          <a:p>
-            <a:r>
-              <a:rPr lang="en-US" sz="1050" dirty="0">
-                <a:solidFill>
-                  <a:srgbClr val="000000"/>
-                </a:solidFill>
-                <a:latin typeface="Menlo" charset="0"/>
-              </a:rPr>
-              <a:t>    </a:t>
-            </a:r>
-          </a:p>
-          <a:p>
-            <a:r>
-              <a:rPr lang="en-US" sz="1050" dirty="0">
-                <a:solidFill>
-                  <a:srgbClr val="000000"/>
-                </a:solidFill>
-                <a:latin typeface="Menlo" charset="0"/>
-              </a:rPr>
-              <a:t>    </a:t>
-            </a:r>
-            <a:r>
-              <a:rPr lang="en-US" sz="1050" dirty="0" err="1">
-                <a:solidFill>
-                  <a:srgbClr val="BA2DA2"/>
-                </a:solidFill>
-                <a:latin typeface="Menlo" charset="0"/>
-              </a:rPr>
-              <a:t>func</a:t>
-            </a:r>
-            <a:r>
-              <a:rPr lang="en-US" sz="1050" dirty="0">
-                <a:solidFill>
-                  <a:srgbClr val="000000"/>
-                </a:solidFill>
-                <a:latin typeface="Menlo" charset="0"/>
-              </a:rPr>
-              <a:t> </a:t>
-            </a:r>
-            <a:r>
-              <a:rPr lang="en-US" sz="1050" dirty="0" err="1">
-                <a:solidFill>
-                  <a:srgbClr val="000000"/>
-                </a:solidFill>
-                <a:latin typeface="Menlo" charset="0"/>
-              </a:rPr>
-              <a:t>moveButton</a:t>
-            </a:r>
-            <a:r>
-              <a:rPr lang="en-US" sz="1050" dirty="0">
-                <a:solidFill>
-                  <a:srgbClr val="000000"/>
-                </a:solidFill>
-                <a:latin typeface="Menlo" charset="0"/>
-              </a:rPr>
-              <a:t>(</a:t>
-            </a:r>
-            <a:r>
-              <a:rPr lang="en-US" sz="1050" dirty="0">
-                <a:solidFill>
-                  <a:srgbClr val="BA2DA2"/>
-                </a:solidFill>
-                <a:latin typeface="Menlo" charset="0"/>
-              </a:rPr>
-              <a:t>_</a:t>
-            </a:r>
-            <a:r>
-              <a:rPr lang="en-US" sz="1050" dirty="0">
-                <a:solidFill>
-                  <a:srgbClr val="000000"/>
-                </a:solidFill>
-                <a:latin typeface="Menlo" charset="0"/>
-              </a:rPr>
-              <a:t> </a:t>
-            </a:r>
-            <a:r>
-              <a:rPr lang="en-US" sz="1050" dirty="0" err="1">
-                <a:solidFill>
-                  <a:srgbClr val="000000"/>
-                </a:solidFill>
-                <a:latin typeface="Menlo" charset="0"/>
-              </a:rPr>
-              <a:t>fromButton</a:t>
-            </a:r>
-            <a:r>
-              <a:rPr lang="en-US" sz="1050" dirty="0">
-                <a:solidFill>
-                  <a:srgbClr val="000000"/>
-                </a:solidFill>
-                <a:latin typeface="Menlo" charset="0"/>
-              </a:rPr>
-              <a:t>: </a:t>
-            </a:r>
-            <a:r>
-              <a:rPr lang="en-US" sz="1050" dirty="0" err="1">
-                <a:solidFill>
-                  <a:srgbClr val="703DAA"/>
-                </a:solidFill>
-                <a:latin typeface="Menlo" charset="0"/>
-              </a:rPr>
-              <a:t>UIButton</a:t>
-            </a:r>
-            <a:r>
-              <a:rPr lang="en-US" sz="1050" dirty="0">
-                <a:solidFill>
-                  <a:srgbClr val="000000"/>
-                </a:solidFill>
-                <a:latin typeface="Menlo" charset="0"/>
-              </a:rPr>
-              <a:t>, </a:t>
-            </a:r>
-            <a:r>
-              <a:rPr lang="en-US" sz="1050" dirty="0">
-                <a:solidFill>
-                  <a:srgbClr val="BA2DA2"/>
-                </a:solidFill>
-                <a:latin typeface="Menlo" charset="0"/>
-              </a:rPr>
-              <a:t>_</a:t>
-            </a:r>
-            <a:r>
-              <a:rPr lang="en-US" sz="1050" dirty="0">
-                <a:solidFill>
-                  <a:srgbClr val="000000"/>
-                </a:solidFill>
-                <a:latin typeface="Menlo" charset="0"/>
-              </a:rPr>
-              <a:t> </a:t>
-            </a:r>
-            <a:r>
-              <a:rPr lang="en-US" sz="1050" dirty="0" err="1">
-                <a:solidFill>
-                  <a:srgbClr val="000000"/>
-                </a:solidFill>
-                <a:latin typeface="Menlo" charset="0"/>
-              </a:rPr>
-              <a:t>toButton</a:t>
-            </a:r>
-            <a:r>
-              <a:rPr lang="en-US" sz="1050" dirty="0">
-                <a:solidFill>
-                  <a:srgbClr val="000000"/>
-                </a:solidFill>
-                <a:latin typeface="Menlo" charset="0"/>
-              </a:rPr>
-              <a:t>: </a:t>
-            </a:r>
-            <a:r>
-              <a:rPr lang="en-US" sz="1050" dirty="0" err="1">
-                <a:solidFill>
-                  <a:srgbClr val="703DAA"/>
-                </a:solidFill>
-                <a:latin typeface="Menlo" charset="0"/>
-              </a:rPr>
-              <a:t>UIButton</a:t>
-            </a:r>
-            <a:r>
-              <a:rPr lang="en-US" sz="1050" dirty="0">
-                <a:solidFill>
-                  <a:srgbClr val="000000"/>
-                </a:solidFill>
-                <a:latin typeface="Menlo" charset="0"/>
-              </a:rPr>
-              <a:t>) </a:t>
-            </a:r>
-            <a:r>
-              <a:rPr lang="en-US" sz="1050" dirty="0" smtClean="0">
-                <a:solidFill>
-                  <a:srgbClr val="000000"/>
-                </a:solidFill>
-                <a:latin typeface="Menlo" charset="0"/>
-              </a:rPr>
-              <a:t>{</a:t>
-            </a:r>
-            <a:endParaRPr lang="en-US" sz="1050" dirty="0" smtClean="0">
-              <a:solidFill>
-                <a:srgbClr val="000000"/>
-              </a:solidFill>
-              <a:latin typeface="Menlo" charset="0"/>
-            </a:endParaRPr>
-          </a:p>
-          <a:p>
-            <a:r>
-              <a:rPr lang="en-US" sz="1050" dirty="0">
-                <a:solidFill>
-                  <a:srgbClr val="000000"/>
-                </a:solidFill>
-                <a:latin typeface="Menlo" charset="0"/>
-              </a:rPr>
-              <a:t>        </a:t>
-            </a:r>
-            <a:r>
-              <a:rPr lang="en-US" sz="1050" dirty="0">
-                <a:solidFill>
-                  <a:srgbClr val="008400"/>
-                </a:solidFill>
-                <a:latin typeface="Menlo" charset="0"/>
-              </a:rPr>
-              <a:t>//set title, border, background of </a:t>
-            </a:r>
-            <a:r>
-              <a:rPr lang="en-US" sz="1050" dirty="0" err="1">
-                <a:solidFill>
-                  <a:srgbClr val="000000"/>
-                </a:solidFill>
-                <a:latin typeface="Menlo" charset="0"/>
-              </a:rPr>
-              <a:t>toButton</a:t>
-            </a:r>
-            <a:endParaRPr lang="en-US" sz="1050" dirty="0">
-              <a:solidFill>
-                <a:srgbClr val="008400"/>
-              </a:solidFill>
-              <a:latin typeface="Menlo" charset="0"/>
-            </a:endParaRPr>
-          </a:p>
-          <a:p>
-            <a:r>
-              <a:rPr lang="en-US" sz="1050" dirty="0">
-                <a:solidFill>
-                  <a:srgbClr val="000000"/>
-                </a:solidFill>
-                <a:latin typeface="Menlo" charset="0"/>
-              </a:rPr>
-              <a:t>        </a:t>
-            </a:r>
-            <a:r>
-              <a:rPr lang="en-US" sz="1050" dirty="0">
-                <a:solidFill>
-                  <a:srgbClr val="008400"/>
-                </a:solidFill>
-                <a:latin typeface="Menlo" charset="0"/>
-              </a:rPr>
-              <a:t>//clear title, border, background of </a:t>
-            </a:r>
-            <a:r>
-              <a:rPr lang="en-US" sz="1050" dirty="0" err="1" smtClean="0">
-                <a:solidFill>
-                  <a:srgbClr val="000000"/>
-                </a:solidFill>
-                <a:latin typeface="Menlo" charset="0"/>
-              </a:rPr>
-              <a:t>fromButton</a:t>
-            </a:r>
-            <a:endParaRPr lang="en-US" sz="1050" dirty="0" smtClean="0">
-              <a:solidFill>
-                <a:srgbClr val="000000"/>
-              </a:solidFill>
-              <a:latin typeface="Menlo" charset="0"/>
-            </a:endParaRPr>
-          </a:p>
-          <a:p>
-            <a:r>
-              <a:rPr lang="en-US" sz="1050" dirty="0">
-                <a:solidFill>
-                  <a:srgbClr val="000000"/>
-                </a:solidFill>
-                <a:latin typeface="Menlo" charset="0"/>
-              </a:rPr>
-              <a:t>    }</a:t>
-            </a:r>
-          </a:p>
-          <a:p>
-            <a:r>
-              <a:rPr lang="en-US" sz="1050" dirty="0">
-                <a:solidFill>
-                  <a:srgbClr val="000000"/>
-                </a:solidFill>
-                <a:latin typeface="Menlo" charset="0"/>
-              </a:rPr>
-              <a:t>    </a:t>
-            </a:r>
-          </a:p>
-          <a:p>
-            <a:r>
-              <a:rPr lang="en-US" sz="1050" dirty="0">
-                <a:solidFill>
-                  <a:srgbClr val="000000"/>
-                </a:solidFill>
-                <a:latin typeface="Menlo" charset="0"/>
-              </a:rPr>
-              <a:t>    </a:t>
-            </a:r>
-            <a:r>
-              <a:rPr lang="en-US" sz="1050" dirty="0" err="1">
-                <a:solidFill>
-                  <a:srgbClr val="BA2DA2"/>
-                </a:solidFill>
-                <a:latin typeface="Menlo" charset="0"/>
-              </a:rPr>
-              <a:t>func</a:t>
-            </a:r>
-            <a:r>
-              <a:rPr lang="en-US" sz="1050" dirty="0">
-                <a:solidFill>
-                  <a:srgbClr val="000000"/>
-                </a:solidFill>
-                <a:latin typeface="Menlo" charset="0"/>
-              </a:rPr>
-              <a:t> </a:t>
-            </a:r>
-            <a:r>
-              <a:rPr lang="en-US" sz="1050" dirty="0" err="1">
-                <a:solidFill>
-                  <a:srgbClr val="000000"/>
-                </a:solidFill>
-                <a:latin typeface="Menlo" charset="0"/>
-              </a:rPr>
-              <a:t>canMove</a:t>
-            </a:r>
-            <a:r>
-              <a:rPr lang="en-US" sz="1050" dirty="0">
-                <a:solidFill>
-                  <a:srgbClr val="000000"/>
-                </a:solidFill>
-                <a:latin typeface="Menlo" charset="0"/>
-              </a:rPr>
-              <a:t>(</a:t>
-            </a:r>
-            <a:r>
-              <a:rPr lang="en-US" sz="1050" dirty="0" err="1">
-                <a:solidFill>
-                  <a:srgbClr val="000000"/>
-                </a:solidFill>
-                <a:latin typeface="Menlo" charset="0"/>
-              </a:rPr>
-              <a:t>buttonPosition</a:t>
-            </a:r>
-            <a:r>
-              <a:rPr lang="en-US" sz="1050" dirty="0">
-                <a:solidFill>
-                  <a:srgbClr val="000000"/>
-                </a:solidFill>
-                <a:latin typeface="Menlo" charset="0"/>
-              </a:rPr>
-              <a:t> : </a:t>
-            </a:r>
-            <a:r>
-              <a:rPr lang="en-US" sz="1050" dirty="0" err="1">
-                <a:solidFill>
-                  <a:srgbClr val="703DAA"/>
-                </a:solidFill>
-                <a:latin typeface="Menlo" charset="0"/>
-              </a:rPr>
-              <a:t>Int</a:t>
-            </a:r>
-            <a:r>
-              <a:rPr lang="en-US" sz="1050" dirty="0">
-                <a:solidFill>
-                  <a:srgbClr val="000000"/>
-                </a:solidFill>
-                <a:latin typeface="Menlo" charset="0"/>
-              </a:rPr>
-              <a:t>) -&gt; </a:t>
-            </a:r>
-            <a:r>
-              <a:rPr lang="en-US" sz="1050" dirty="0">
-                <a:solidFill>
-                  <a:srgbClr val="703DAA"/>
-                </a:solidFill>
-                <a:latin typeface="Menlo" charset="0"/>
-              </a:rPr>
-              <a:t>Bool</a:t>
-            </a:r>
-            <a:r>
-              <a:rPr lang="en-US" sz="1050" dirty="0">
-                <a:solidFill>
-                  <a:srgbClr val="000000"/>
-                </a:solidFill>
-                <a:latin typeface="Menlo" charset="0"/>
-              </a:rPr>
-              <a:t> </a:t>
-            </a:r>
-            <a:r>
-              <a:rPr lang="en-US" sz="1050" dirty="0" smtClean="0">
-                <a:solidFill>
-                  <a:srgbClr val="000000"/>
-                </a:solidFill>
-                <a:latin typeface="Menlo" charset="0"/>
-              </a:rPr>
-              <a:t>{</a:t>
-            </a:r>
-            <a:endParaRPr lang="en-US" sz="1050" dirty="0" smtClean="0">
-              <a:solidFill>
-                <a:srgbClr val="000000"/>
-              </a:solidFill>
-              <a:latin typeface="Menlo" charset="0"/>
-            </a:endParaRPr>
-          </a:p>
-          <a:p>
-            <a:r>
-              <a:rPr lang="en-US" sz="1050" dirty="0">
-                <a:solidFill>
-                  <a:srgbClr val="000000"/>
-                </a:solidFill>
-                <a:latin typeface="Menlo" charset="0"/>
-              </a:rPr>
-              <a:t>        </a:t>
-            </a:r>
-            <a:r>
-              <a:rPr lang="en-US" sz="1050" dirty="0">
-                <a:solidFill>
-                  <a:srgbClr val="008400"/>
-                </a:solidFill>
-                <a:latin typeface="Menlo" charset="0"/>
-              </a:rPr>
-              <a:t>//Do check</a:t>
-            </a:r>
-          </a:p>
-          <a:p>
-            <a:r>
-              <a:rPr lang="en-US" sz="1050" dirty="0">
-                <a:solidFill>
-                  <a:srgbClr val="000000"/>
-                </a:solidFill>
-                <a:latin typeface="Menlo" charset="0"/>
-              </a:rPr>
-              <a:t>        </a:t>
-            </a:r>
-            <a:r>
-              <a:rPr lang="en-US" sz="1050" dirty="0">
-                <a:solidFill>
-                  <a:srgbClr val="BA2DA2"/>
-                </a:solidFill>
-                <a:latin typeface="Menlo" charset="0"/>
-              </a:rPr>
-              <a:t>return</a:t>
-            </a:r>
-            <a:r>
-              <a:rPr lang="en-US" sz="1050" dirty="0">
-                <a:solidFill>
-                  <a:srgbClr val="000000"/>
-                </a:solidFill>
-                <a:latin typeface="Menlo" charset="0"/>
-              </a:rPr>
-              <a:t> </a:t>
-            </a:r>
-            <a:r>
-              <a:rPr lang="en-US" sz="1050" dirty="0" smtClean="0">
-                <a:solidFill>
-                  <a:srgbClr val="BA2DA2"/>
-                </a:solidFill>
-                <a:latin typeface="Menlo" charset="0"/>
-              </a:rPr>
-              <a:t>true</a:t>
-            </a:r>
-            <a:endParaRPr lang="en-US" sz="1050" dirty="0" smtClean="0">
-              <a:solidFill>
-                <a:srgbClr val="000000"/>
-              </a:solidFill>
-              <a:latin typeface="Menlo" charset="0"/>
-            </a:endParaRPr>
-          </a:p>
-          <a:p>
-            <a:r>
-              <a:rPr lang="en-US" sz="1050" dirty="0">
-                <a:solidFill>
-                  <a:srgbClr val="000000"/>
-                </a:solidFill>
-                <a:latin typeface="Menlo" charset="0"/>
-              </a:rPr>
-              <a:t>    </a:t>
-            </a:r>
-            <a:r>
-              <a:rPr lang="en-US" sz="1050" dirty="0" smtClean="0">
-                <a:solidFill>
-                  <a:srgbClr val="000000"/>
-                </a:solidFill>
-                <a:latin typeface="Menlo" charset="0"/>
-              </a:rPr>
-              <a:t>}</a:t>
-            </a:r>
-          </a:p>
-          <a:p>
-            <a:endParaRPr lang="en-US" sz="1050" dirty="0" smtClean="0">
-              <a:solidFill>
-                <a:srgbClr val="000000"/>
-              </a:solidFill>
-              <a:latin typeface="Menlo" charset="0"/>
-            </a:endParaRPr>
-          </a:p>
-          <a:p>
-            <a:r>
-              <a:rPr lang="en-US" sz="1050" dirty="0">
-                <a:solidFill>
-                  <a:srgbClr val="000000"/>
-                </a:solidFill>
-                <a:latin typeface="Menlo" charset="0"/>
-              </a:rPr>
-              <a:t>    </a:t>
-            </a:r>
-            <a:r>
-              <a:rPr lang="en-US" sz="1050" dirty="0" err="1">
-                <a:solidFill>
-                  <a:srgbClr val="BA2DA2"/>
-                </a:solidFill>
-                <a:latin typeface="Menlo" charset="0"/>
-              </a:rPr>
-              <a:t>func</a:t>
-            </a:r>
-            <a:r>
-              <a:rPr lang="en-US" sz="1050" dirty="0">
-                <a:solidFill>
-                  <a:srgbClr val="000000"/>
-                </a:solidFill>
-                <a:latin typeface="Menlo" charset="0"/>
-              </a:rPr>
-              <a:t> </a:t>
-            </a:r>
-            <a:r>
-              <a:rPr lang="en-US" sz="1050" dirty="0" err="1" smtClean="0">
-                <a:solidFill>
-                  <a:srgbClr val="000000"/>
-                </a:solidFill>
-                <a:latin typeface="Menlo" charset="0"/>
-              </a:rPr>
-              <a:t>randomizePuzzlie</a:t>
-            </a:r>
-            <a:r>
-              <a:rPr lang="en-US" sz="1050" dirty="0" smtClean="0">
-                <a:solidFill>
-                  <a:srgbClr val="000000"/>
-                </a:solidFill>
-                <a:latin typeface="Menlo" charset="0"/>
-              </a:rPr>
-              <a:t>() {</a:t>
-            </a:r>
-            <a:endParaRPr lang="en-US" sz="1050" dirty="0">
-              <a:solidFill>
-                <a:srgbClr val="000000"/>
-              </a:solidFill>
-              <a:latin typeface="Menlo" charset="0"/>
-            </a:endParaRPr>
-          </a:p>
-          <a:p>
-            <a:endParaRPr lang="en-US" sz="1050" dirty="0" smtClean="0">
-              <a:solidFill>
-                <a:srgbClr val="000000"/>
-              </a:solidFill>
-              <a:latin typeface="Menlo" charset="0"/>
-            </a:endParaRPr>
-          </a:p>
-          <a:p>
-            <a:r>
-              <a:rPr lang="en-US" sz="1050" dirty="0">
-                <a:solidFill>
-                  <a:srgbClr val="000000"/>
-                </a:solidFill>
-                <a:latin typeface="Menlo" charset="0"/>
-              </a:rPr>
-              <a:t>        </a:t>
-            </a:r>
-            <a:r>
-              <a:rPr lang="en-US" sz="1050" dirty="0" smtClean="0">
-                <a:solidFill>
-                  <a:srgbClr val="008400"/>
-                </a:solidFill>
-                <a:latin typeface="Menlo" charset="0"/>
-              </a:rPr>
-              <a:t>//Randomize sequence</a:t>
-            </a:r>
-          </a:p>
-          <a:p>
-            <a:r>
-              <a:rPr lang="en-US" sz="1050" dirty="0">
-                <a:solidFill>
-                  <a:srgbClr val="000000"/>
-                </a:solidFill>
-                <a:latin typeface="Menlo" charset="0"/>
-              </a:rPr>
-              <a:t>        </a:t>
-            </a:r>
-            <a:r>
-              <a:rPr lang="en-US" sz="1050" dirty="0" err="1" smtClean="0">
-                <a:solidFill>
-                  <a:srgbClr val="31595D"/>
-                </a:solidFill>
-                <a:latin typeface="Menlo" charset="0"/>
-              </a:rPr>
-              <a:t>displayPuzzle</a:t>
-            </a:r>
-            <a:r>
-              <a:rPr lang="en-US" sz="1050" dirty="0" smtClean="0">
-                <a:solidFill>
-                  <a:srgbClr val="000000"/>
-                </a:solidFill>
-                <a:latin typeface="Menlo" charset="0"/>
-              </a:rPr>
-              <a:t>()</a:t>
-            </a:r>
-            <a:endParaRPr lang="en-US" sz="1050" dirty="0">
-              <a:solidFill>
-                <a:srgbClr val="000000"/>
-              </a:solidFill>
-              <a:latin typeface="Menlo" charset="0"/>
-            </a:endParaRPr>
-          </a:p>
-          <a:p>
-            <a:r>
-              <a:rPr lang="en-US" sz="1050" dirty="0">
-                <a:solidFill>
-                  <a:srgbClr val="000000"/>
-                </a:solidFill>
-                <a:latin typeface="Menlo" charset="0"/>
-              </a:rPr>
-              <a:t>    </a:t>
-            </a:r>
-            <a:r>
-              <a:rPr lang="en-US" sz="1050" dirty="0" smtClean="0">
-                <a:solidFill>
-                  <a:srgbClr val="000000"/>
-                </a:solidFill>
-                <a:latin typeface="Menlo" charset="0"/>
-              </a:rPr>
-              <a:t>}</a:t>
-            </a:r>
-            <a:endParaRPr lang="en-US" sz="1050" dirty="0">
-              <a:solidFill>
-                <a:srgbClr val="000000"/>
-              </a:solidFill>
-              <a:latin typeface="Menlo" charset="0"/>
-            </a:endParaRPr>
-          </a:p>
-          <a:p>
-            <a:endParaRPr lang="en-US" sz="1050" dirty="0">
-              <a:solidFill>
-                <a:srgbClr val="000000"/>
-              </a:solidFill>
-              <a:latin typeface="Menlo" charset="0"/>
-            </a:endParaRPr>
-          </a:p>
-          <a:p>
-            <a:r>
-              <a:rPr lang="en-US" sz="1050" dirty="0">
-                <a:solidFill>
-                  <a:srgbClr val="000000"/>
-                </a:solidFill>
-                <a:latin typeface="Menlo" charset="0"/>
-              </a:rPr>
-              <a:t>    </a:t>
-            </a:r>
-            <a:r>
-              <a:rPr lang="en-US" sz="1050" dirty="0" err="1">
-                <a:solidFill>
-                  <a:srgbClr val="BA2DA2"/>
-                </a:solidFill>
-                <a:latin typeface="Menlo" charset="0"/>
-              </a:rPr>
-              <a:t>func</a:t>
-            </a:r>
-            <a:r>
-              <a:rPr lang="en-US" sz="1050" dirty="0">
-                <a:solidFill>
-                  <a:srgbClr val="000000"/>
-                </a:solidFill>
-                <a:latin typeface="Menlo" charset="0"/>
-              </a:rPr>
-              <a:t> </a:t>
-            </a:r>
-            <a:r>
-              <a:rPr lang="en-US" sz="1050" dirty="0" err="1" smtClean="0">
-                <a:solidFill>
-                  <a:srgbClr val="000000"/>
-                </a:solidFill>
-                <a:latin typeface="Menlo" charset="0"/>
-              </a:rPr>
-              <a:t>checkIfPuzzleSolved</a:t>
-            </a:r>
-            <a:r>
-              <a:rPr lang="en-US" sz="1050" dirty="0" smtClean="0">
-                <a:solidFill>
-                  <a:srgbClr val="000000"/>
-                </a:solidFill>
-                <a:latin typeface="Menlo" charset="0"/>
-              </a:rPr>
-              <a:t>() </a:t>
-            </a:r>
-            <a:r>
-              <a:rPr lang="en-US" sz="1050" dirty="0">
-                <a:solidFill>
-                  <a:srgbClr val="000000"/>
-                </a:solidFill>
-                <a:latin typeface="Menlo" charset="0"/>
-              </a:rPr>
-              <a:t>{</a:t>
-            </a:r>
-          </a:p>
-          <a:p>
-            <a:endParaRPr lang="en-US" sz="1050" dirty="0">
-              <a:solidFill>
-                <a:srgbClr val="000000"/>
-              </a:solidFill>
-              <a:latin typeface="Menlo" charset="0"/>
-            </a:endParaRPr>
-          </a:p>
-          <a:p>
-            <a:r>
-              <a:rPr lang="is-IS" sz="1050" dirty="0">
-                <a:solidFill>
-                  <a:srgbClr val="000000"/>
-                </a:solidFill>
-                <a:latin typeface="Menlo" charset="0"/>
-              </a:rPr>
-              <a:t>        </a:t>
-            </a:r>
-            <a:r>
-              <a:rPr lang="is-IS" sz="1050" dirty="0" smtClean="0">
-                <a:solidFill>
-                  <a:srgbClr val="008400"/>
-                </a:solidFill>
-                <a:latin typeface="Menlo" charset="0"/>
-              </a:rPr>
-              <a:t>//loop </a:t>
-            </a:r>
-            <a:r>
-              <a:rPr lang="is-IS" sz="1050" dirty="0">
-                <a:solidFill>
-                  <a:srgbClr val="008400"/>
-                </a:solidFill>
-                <a:latin typeface="Menlo" charset="0"/>
-              </a:rPr>
-              <a:t>through all cells to find if solution is found</a:t>
-            </a:r>
-          </a:p>
-          <a:p>
-            <a:r>
-              <a:rPr lang="is-IS" sz="1050" dirty="0">
-                <a:solidFill>
-                  <a:srgbClr val="000000"/>
-                </a:solidFill>
-                <a:latin typeface="Menlo" charset="0"/>
-              </a:rPr>
-              <a:t>        </a:t>
-            </a:r>
-            <a:r>
-              <a:rPr lang="is-IS" sz="1050" dirty="0" smtClean="0">
-                <a:solidFill>
-                  <a:srgbClr val="BA2DA2"/>
-                </a:solidFill>
-                <a:latin typeface="Menlo" charset="0"/>
-              </a:rPr>
-              <a:t>for</a:t>
-            </a:r>
-            <a:r>
-              <a:rPr lang="is-IS" sz="1050" dirty="0" smtClean="0">
-                <a:solidFill>
-                  <a:srgbClr val="000000"/>
-                </a:solidFill>
-                <a:latin typeface="Menlo" charset="0"/>
-              </a:rPr>
-              <a:t> </a:t>
-            </a:r>
-            <a:r>
-              <a:rPr lang="is-IS" sz="1050" dirty="0">
-                <a:solidFill>
-                  <a:srgbClr val="000000"/>
-                </a:solidFill>
-                <a:latin typeface="Menlo" charset="0"/>
-              </a:rPr>
-              <a:t>i </a:t>
-            </a:r>
-            <a:r>
-              <a:rPr lang="is-IS" sz="1050" dirty="0">
-                <a:solidFill>
-                  <a:srgbClr val="BA2DA2"/>
-                </a:solidFill>
-                <a:latin typeface="Menlo" charset="0"/>
-              </a:rPr>
-              <a:t>in</a:t>
-            </a:r>
-            <a:r>
-              <a:rPr lang="is-IS" sz="1050" dirty="0">
-                <a:solidFill>
-                  <a:srgbClr val="000000"/>
-                </a:solidFill>
-                <a:latin typeface="Menlo" charset="0"/>
-              </a:rPr>
-              <a:t> </a:t>
-            </a:r>
-            <a:r>
-              <a:rPr lang="is-IS" sz="1050" dirty="0">
-                <a:solidFill>
-                  <a:srgbClr val="272AD8"/>
-                </a:solidFill>
-                <a:latin typeface="Menlo" charset="0"/>
-              </a:rPr>
-              <a:t>0</a:t>
-            </a:r>
-            <a:r>
-              <a:rPr lang="is-IS" sz="1050" dirty="0">
-                <a:solidFill>
-                  <a:srgbClr val="000000"/>
-                </a:solidFill>
-                <a:latin typeface="Menlo" charset="0"/>
-              </a:rPr>
-              <a:t>..&lt;</a:t>
-            </a:r>
-            <a:r>
-              <a:rPr lang="is-IS" sz="1050" dirty="0">
-                <a:solidFill>
-                  <a:srgbClr val="272AD8"/>
-                </a:solidFill>
-                <a:latin typeface="Menlo" charset="0"/>
-              </a:rPr>
-              <a:t>15</a:t>
-            </a:r>
-            <a:r>
-              <a:rPr lang="is-IS" sz="1050" dirty="0">
-                <a:solidFill>
-                  <a:srgbClr val="000000"/>
-                </a:solidFill>
-                <a:latin typeface="Menlo" charset="0"/>
-              </a:rPr>
-              <a:t> {</a:t>
-            </a:r>
-          </a:p>
-          <a:p>
-            <a:r>
-              <a:rPr lang="is-IS" sz="1050" dirty="0">
-                <a:solidFill>
-                  <a:srgbClr val="000000"/>
-                </a:solidFill>
-                <a:latin typeface="Menlo" charset="0"/>
-              </a:rPr>
-              <a:t>            </a:t>
-            </a:r>
-            <a:r>
-              <a:rPr lang="is-IS" sz="1050" dirty="0" smtClean="0">
-                <a:solidFill>
-                  <a:srgbClr val="BA2DA2"/>
-                </a:solidFill>
-                <a:latin typeface="Menlo" charset="0"/>
-              </a:rPr>
-              <a:t>if</a:t>
-            </a:r>
-            <a:r>
-              <a:rPr lang="is-IS" sz="1050" dirty="0" smtClean="0">
-                <a:solidFill>
-                  <a:srgbClr val="000000"/>
-                </a:solidFill>
-                <a:latin typeface="Menlo" charset="0"/>
-              </a:rPr>
-              <a:t> </a:t>
-            </a:r>
-            <a:r>
-              <a:rPr lang="is-IS" sz="1050" dirty="0" smtClean="0">
-                <a:solidFill>
-                  <a:srgbClr val="4F8187"/>
-                </a:solidFill>
-                <a:latin typeface="Menlo" charset="0"/>
-              </a:rPr>
-              <a:t>solutionArray</a:t>
-            </a:r>
-            <a:r>
-              <a:rPr lang="is-IS" sz="1050" dirty="0" smtClean="0">
-                <a:solidFill>
-                  <a:srgbClr val="000000"/>
-                </a:solidFill>
-                <a:latin typeface="Menlo" charset="0"/>
-              </a:rPr>
-              <a:t>[i] </a:t>
-            </a:r>
-            <a:r>
-              <a:rPr lang="is-IS" sz="1050" dirty="0">
-                <a:solidFill>
-                  <a:srgbClr val="000000"/>
-                </a:solidFill>
-                <a:latin typeface="Menlo" charset="0"/>
-              </a:rPr>
-              <a:t>!= </a:t>
-            </a:r>
-            <a:r>
-              <a:rPr lang="is-IS" sz="1050" dirty="0" smtClean="0">
-                <a:solidFill>
-                  <a:srgbClr val="000000"/>
-                </a:solidFill>
-                <a:latin typeface="Menlo" charset="0"/>
-              </a:rPr>
-              <a:t>i+</a:t>
-            </a:r>
-            <a:r>
-              <a:rPr lang="is-IS" sz="1050" dirty="0" smtClean="0">
-                <a:solidFill>
-                  <a:srgbClr val="272AD8"/>
-                </a:solidFill>
-                <a:latin typeface="Menlo" charset="0"/>
-              </a:rPr>
-              <a:t>1</a:t>
-            </a:r>
-            <a:r>
-              <a:rPr lang="is-IS" sz="1050" dirty="0" smtClean="0">
-                <a:solidFill>
-                  <a:srgbClr val="000000"/>
-                </a:solidFill>
-                <a:latin typeface="Menlo" charset="0"/>
-              </a:rPr>
-              <a:t> { </a:t>
-            </a:r>
-            <a:r>
-              <a:rPr lang="is-IS" sz="1050" dirty="0" smtClean="0">
-                <a:solidFill>
-                  <a:srgbClr val="008400"/>
-                </a:solidFill>
-                <a:latin typeface="Menlo" charset="0"/>
-              </a:rPr>
-              <a:t>//this check will not work</a:t>
-            </a:r>
-            <a:endParaRPr lang="is-IS" sz="1050" dirty="0">
-              <a:solidFill>
-                <a:srgbClr val="000000"/>
-              </a:solidFill>
-              <a:latin typeface="Menlo" charset="0"/>
-            </a:endParaRPr>
-          </a:p>
-          <a:p>
-            <a:r>
-              <a:rPr lang="is-IS" sz="1050" dirty="0">
-                <a:solidFill>
-                  <a:srgbClr val="000000"/>
-                </a:solidFill>
-                <a:latin typeface="Menlo" charset="0"/>
-              </a:rPr>
-              <a:t>                </a:t>
-            </a:r>
-            <a:r>
-              <a:rPr lang="is-IS" sz="1050" dirty="0">
-                <a:solidFill>
-                  <a:srgbClr val="BA2DA2"/>
-                </a:solidFill>
-                <a:latin typeface="Menlo" charset="0"/>
-              </a:rPr>
-              <a:t>return</a:t>
-            </a:r>
-            <a:r>
-              <a:rPr lang="is-IS" sz="1050" dirty="0">
-                <a:solidFill>
-                  <a:srgbClr val="000000"/>
-                </a:solidFill>
-                <a:latin typeface="Menlo" charset="0"/>
-              </a:rPr>
-              <a:t> </a:t>
-            </a:r>
-            <a:r>
-              <a:rPr lang="is-IS" sz="1050" dirty="0">
-                <a:solidFill>
-                  <a:srgbClr val="BA2DA2"/>
-                </a:solidFill>
-                <a:latin typeface="Menlo" charset="0"/>
-              </a:rPr>
-              <a:t>false</a:t>
-            </a:r>
-            <a:endParaRPr lang="is-IS" sz="1050" dirty="0">
-              <a:solidFill>
-                <a:srgbClr val="000000"/>
-              </a:solidFill>
-              <a:latin typeface="Menlo" charset="0"/>
-            </a:endParaRPr>
-          </a:p>
-          <a:p>
-            <a:r>
-              <a:rPr lang="is-IS" sz="1050" dirty="0">
-                <a:solidFill>
-                  <a:srgbClr val="000000"/>
-                </a:solidFill>
-                <a:latin typeface="Menlo" charset="0"/>
-              </a:rPr>
-              <a:t>            </a:t>
-            </a:r>
-            <a:r>
-              <a:rPr lang="is-IS" sz="1050" dirty="0" smtClean="0">
-                <a:solidFill>
-                  <a:srgbClr val="000000"/>
-                </a:solidFill>
-                <a:latin typeface="Menlo" charset="0"/>
-              </a:rPr>
-              <a:t>}</a:t>
-            </a:r>
-            <a:endParaRPr lang="is-IS" sz="1050" dirty="0">
-              <a:solidFill>
-                <a:srgbClr val="000000"/>
-              </a:solidFill>
-              <a:latin typeface="Menlo" charset="0"/>
-            </a:endParaRPr>
-          </a:p>
-          <a:p>
-            <a:r>
-              <a:rPr lang="is-IS" sz="1050" dirty="0">
-                <a:solidFill>
-                  <a:srgbClr val="000000"/>
-                </a:solidFill>
-                <a:latin typeface="Menlo" charset="0"/>
-              </a:rPr>
-              <a:t>        </a:t>
-            </a:r>
-            <a:r>
-              <a:rPr lang="is-IS" sz="1050" dirty="0" smtClean="0">
-                <a:solidFill>
-                  <a:srgbClr val="000000"/>
-                </a:solidFill>
-                <a:latin typeface="Menlo" charset="0"/>
-              </a:rPr>
-              <a:t>}</a:t>
-            </a:r>
-          </a:p>
-          <a:p>
-            <a:r>
-              <a:rPr lang="en-US" sz="1050" dirty="0">
-                <a:solidFill>
-                  <a:srgbClr val="000000"/>
-                </a:solidFill>
-                <a:latin typeface="Menlo" charset="0"/>
-              </a:rPr>
-              <a:t>    </a:t>
-            </a:r>
-            <a:r>
-              <a:rPr lang="en-US" sz="1050" dirty="0" smtClean="0">
-                <a:solidFill>
-                  <a:srgbClr val="000000"/>
-                </a:solidFill>
-                <a:latin typeface="Menlo" charset="0"/>
-              </a:rPr>
-              <a:t>}</a:t>
-            </a:r>
-            <a:endParaRPr lang="en-US" sz="1050" dirty="0">
-              <a:solidFill>
-                <a:srgbClr val="000000"/>
-              </a:solidFill>
-              <a:latin typeface="Menlo" charset="0"/>
-            </a:endParaRPr>
-          </a:p>
-        </p:txBody>
-      </p:sp>
-      <p:sp>
-        <p:nvSpPr>
-          <p:cNvPr id="40" name="TextBox 39"/>
-          <p:cNvSpPr txBox="1"/>
-          <p:nvPr/>
-        </p:nvSpPr>
-        <p:spPr>
-          <a:xfrm rot="16200000">
-            <a:off x="-1112189" y="1107107"/>
-            <a:ext cx="2583545" cy="369332"/>
-          </a:xfrm>
-          <a:prstGeom prst="rect">
-            <a:avLst/>
-          </a:prstGeom>
-          <a:solidFill>
-            <a:schemeClr val="tx1"/>
-          </a:solidFill>
-        </p:spPr>
-        <p:txBody>
-          <a:bodyPr wrap="none" rtlCol="0">
-            <a:noAutofit/>
-          </a:bodyPr>
-          <a:lstStyle/>
-          <a:p>
-            <a:pPr algn="r"/>
-            <a:r>
-              <a:rPr lang="en-US" dirty="0" smtClean="0">
-                <a:solidFill>
-                  <a:schemeClr val="bg1">
-                    <a:lumMod val="95000"/>
-                  </a:schemeClr>
-                </a:solidFill>
-              </a:rPr>
-              <a:t>Session 2</a:t>
-            </a:r>
-            <a:endParaRPr lang="en-US" dirty="0">
-              <a:solidFill>
-                <a:schemeClr val="bg1">
-                  <a:lumMod val="95000"/>
-                </a:schemeClr>
-              </a:solidFill>
-            </a:endParaRPr>
-          </a:p>
-        </p:txBody>
-      </p:sp>
     </p:spTree>
     <p:extLst>
       <p:ext uri="{BB962C8B-B14F-4D97-AF65-F5344CB8AC3E}">
@@ -15104,7 +15787,7 @@
         </p:nvCxnSpPr>
         <p:spPr>
           <a:xfrm>
-            <a:off x="3873656" y="936260"/>
+            <a:off x="3873656" y="925502"/>
             <a:ext cx="246186" cy="0"/>
           </a:xfrm>
           <a:prstGeom prst="line">
@@ -26575,7 +27258,7 @@
         </p:nvCxnSpPr>
         <p:spPr>
           <a:xfrm>
-            <a:off x="4899456" y="936260"/>
+            <a:off x="4899456" y="925502"/>
             <a:ext cx="246186" cy="0"/>
           </a:xfrm>
           <a:prstGeom prst="line">
@@ -26868,7 +27551,7 @@
         </p:nvCxnSpPr>
         <p:spPr>
           <a:xfrm>
-            <a:off x="11562683" y="936260"/>
+            <a:off x="11562683" y="925502"/>
             <a:ext cx="246186" cy="0"/>
           </a:xfrm>
           <a:prstGeom prst="line">
@@ -30424,7 +31107,7 @@
         </p:nvCxnSpPr>
         <p:spPr>
           <a:xfrm>
-            <a:off x="954062" y="936239"/>
+            <a:off x="954062" y="925481"/>
             <a:ext cx="246186" cy="0"/>
           </a:xfrm>
           <a:prstGeom prst="line">
@@ -34792,7 +35475,7 @@
         <p:spPr>
           <a:xfrm>
             <a:off x="5849257" y="2194341"/>
-            <a:ext cx="5659883" cy="646331"/>
+            <a:ext cx="5877562" cy="646331"/>
           </a:xfrm>
           <a:prstGeom prst="rect">
             <a:avLst/>
@@ -34800,7 +35483,7 @@
           <a:noFill/>
         </p:spPr>
         <p:txBody>
-          <a:bodyPr wrap="none" rtlCol="0">
+          <a:bodyPr wrap="square" rtlCol="0">
             <a:spAutoFit/>
           </a:bodyPr>
           <a:lstStyle/>
@@ -34858,13 +35541,7 @@
           <a:p>
             <a:r>
               <a:rPr lang="en-US" dirty="0" smtClean="0"/>
-              <a:t>While (1) looks intuitive, programmatically, it will complex to</a:t>
-            </a:r>
-          </a:p>
-          <a:p>
-            <a:r>
-              <a:rPr lang="en-US" dirty="0" smtClean="0"/>
-              <a:t>maintain </a:t>
+              <a:t>While (1) looks intuitive, programmatically, it will be complex to maintain </a:t>
             </a:r>
             <a:r>
               <a:rPr lang="en-US" dirty="0" err="1" smtClean="0"/>
@@ -34902,7 +35579,7 @@
           <a:p>
             <a:r>
               <a:rPr lang="en-US" dirty="0" smtClean="0"/>
-              <a:t>With (2), pretty much only visual effect changes</a:t>
+              <a:t>With (2), code is pretty much only to change visual effect</a:t>
             </a:r>
             <a:endParaRPr lang="en-US" dirty="0"/>
           </a:p>
@@ -36082,7 +36759,7 @@
         </p:blipFill>
         <p:spPr>
           <a:xfrm rot="1401842">
-            <a:off x="525515" y="2468399"/>
+            <a:off x="525515" y="2662043"/>
             <a:ext cx="1241810" cy="2570546"/>
           </a:xfrm>
           <a:prstGeom prst="rect">
